--- a/Flaschenzug_Präsentation.pptx
+++ b/Flaschenzug_Präsentation.pptx
@@ -13,7 +13,7 @@
   <p:sldIdLst>
     <p:sldId id="268" r:id="rId2"/>
     <p:sldId id="295" r:id="rId3"/>
-    <p:sldId id="296" r:id="rId4"/>
+    <p:sldId id="297" r:id="rId4"/>
   </p:sldIdLst>
   <p:sldSz cx="9906000" cy="6858000" type="A4"/>
   <p:notesSz cx="6858000" cy="9144000"/>
@@ -2280,6 +2280,53 @@
           <a:chExt cx="0" cy="0"/>
         </a:xfrm>
       </p:grpSpPr>
+      <p:pic>
+        <p:nvPicPr>
+          <p:cNvPr id="1026" name="Picture 2" descr="Bildergebnis für openmodelica logo">
+            <a:extLst>
+              <a:ext uri="{FF2B5EF4-FFF2-40B4-BE49-F238E27FC236}">
+                <a16:creationId xmlns:a16="http://schemas.microsoft.com/office/drawing/2014/main" id="{4C8DE8BF-B2D4-4430-A2C9-B07B5383237C}"/>
+              </a:ext>
+            </a:extLst>
+          </p:cNvPr>
+          <p:cNvPicPr>
+            <a:picLocks noChangeAspect="1" noChangeArrowheads="1"/>
+          </p:cNvPicPr>
+          <p:nvPr/>
+        </p:nvPicPr>
+        <p:blipFill>
+          <a:blip r:embed="rId2">
+            <a:extLst>
+              <a:ext uri="{28A0092B-C50C-407E-A947-70E740481C1C}">
+                <a14:useLocalDpi xmlns:a14="http://schemas.microsoft.com/office/drawing/2010/main" val="0"/>
+              </a:ext>
+            </a:extLst>
+          </a:blip>
+          <a:srcRect/>
+          <a:stretch>
+            <a:fillRect/>
+          </a:stretch>
+        </p:blipFill>
+        <p:spPr bwMode="auto">
+          <a:xfrm>
+            <a:off x="2068141" y="1332615"/>
+            <a:ext cx="3634018" cy="1887801"/>
+          </a:xfrm>
+          <a:prstGeom prst="rect">
+            <a:avLst/>
+          </a:prstGeom>
+          <a:noFill/>
+          <a:extLst>
+            <a:ext uri="{909E8E84-426E-40DD-AFC4-6F175D3DCCD1}">
+              <a14:hiddenFill xmlns:a14="http://schemas.microsoft.com/office/drawing/2010/main">
+                <a:solidFill>
+                  <a:srgbClr val="FFFFFF"/>
+                </a:solidFill>
+              </a14:hiddenFill>
+            </a:ext>
+          </a:extLst>
+        </p:spPr>
+      </p:pic>
       <p:sp>
         <p:nvSpPr>
           <p:cNvPr id="2" name="Textplatzhalter 1"/>
@@ -2481,8 +2528,8 @@
         </p:blipFill>
         <p:spPr>
           <a:xfrm>
-            <a:off x="3831766" y="1307892"/>
-            <a:ext cx="2520000" cy="2520000"/>
+            <a:off x="3550221" y="1324583"/>
+            <a:ext cx="2520000" cy="2223330"/>
           </a:xfrm>
           <a:prstGeom prst="rect">
             <a:avLst/>
@@ -2510,7 +2557,7 @@
         </p:blipFill>
         <p:spPr>
           <a:xfrm>
-            <a:off x="712831" y="1312931"/>
+            <a:off x="720132" y="1319231"/>
             <a:ext cx="2160000" cy="2160000"/>
           </a:xfrm>
           <a:prstGeom prst="rect">
@@ -2518,137 +2565,6 @@
           </a:prstGeom>
         </p:spPr>
       </p:pic>
-      <p:sp>
-        <p:nvSpPr>
-          <p:cNvPr id="16" name="Rechteck 15">
-            <a:extLst>
-              <a:ext uri="{FF2B5EF4-FFF2-40B4-BE49-F238E27FC236}">
-                <a16:creationId xmlns:a16="http://schemas.microsoft.com/office/drawing/2014/main" id="{6AE53219-597F-4882-AAC4-FEB226F8C4B0}"/>
-              </a:ext>
-            </a:extLst>
-          </p:cNvPr>
-          <p:cNvSpPr/>
-          <p:nvPr/>
-        </p:nvSpPr>
-        <p:spPr>
-          <a:xfrm>
-            <a:off x="6400516" y="1307892"/>
-            <a:ext cx="2939449" cy="2031325"/>
-          </a:xfrm>
-          <a:prstGeom prst="rect">
-            <a:avLst/>
-          </a:prstGeom>
-        </p:spPr>
-        <p:txBody>
-          <a:bodyPr wrap="square">
-            <a:spAutoFit/>
-          </a:bodyPr>
-          <a:lstStyle/>
-          <a:p>
-            <a:r>
-              <a:rPr lang="de-DE" sz="1200" b="1" dirty="0">
-                <a:solidFill>
-                  <a:srgbClr val="000000"/>
-                </a:solidFill>
-              </a:rPr>
-              <a:t>Einphasen-Gleichstrommotor</a:t>
-            </a:r>
-          </a:p>
-          <a:p>
-            <a:endParaRPr lang="de-DE" sz="600" b="1" dirty="0">
-              <a:solidFill>
-                <a:srgbClr val="000000"/>
-              </a:solidFill>
-            </a:endParaRPr>
-          </a:p>
-          <a:p>
-            <a:pPr marL="171450" indent="-171450">
-              <a:buFont typeface="Arial" panose="020B0604020202020204" pitchFamily="34" charset="0"/>
-              <a:buChar char="•"/>
-            </a:pPr>
-            <a:r>
-              <a:rPr lang="de-DE" sz="1200" dirty="0">
-                <a:solidFill>
-                  <a:srgbClr val="000000"/>
-                </a:solidFill>
-              </a:rPr>
-              <a:t>Modus-Parameter legt Betriebsmodus An/Aus fest</a:t>
-            </a:r>
-          </a:p>
-          <a:p>
-            <a:pPr marL="171450" indent="-171450">
-              <a:buFont typeface="Arial" panose="020B0604020202020204" pitchFamily="34" charset="0"/>
-              <a:buChar char="•"/>
-            </a:pPr>
-            <a:r>
-              <a:rPr lang="de-DE" sz="1200" dirty="0">
-                <a:solidFill>
-                  <a:srgbClr val="000000"/>
-                </a:solidFill>
-              </a:rPr>
-              <a:t>Zwei Modi: An (True) oder Aus (</a:t>
-            </a:r>
-            <a:r>
-              <a:rPr lang="en-US" sz="1200" dirty="0">
-                <a:solidFill>
-                  <a:srgbClr val="000000"/>
-                </a:solidFill>
-              </a:rPr>
-              <a:t>False</a:t>
-            </a:r>
-            <a:r>
-              <a:rPr lang="de-DE" sz="1200" dirty="0">
-                <a:solidFill>
-                  <a:srgbClr val="000000"/>
-                </a:solidFill>
-              </a:rPr>
-              <a:t>)</a:t>
-            </a:r>
-          </a:p>
-          <a:p>
-            <a:pPr marL="573775" lvl="1" indent="-171450">
-              <a:buFont typeface="Courier New" panose="02070309020205020404" pitchFamily="49" charset="0"/>
-              <a:buChar char="o"/>
-            </a:pPr>
-            <a:r>
-              <a:rPr lang="de-DE" sz="1200" dirty="0">
-                <a:solidFill>
-                  <a:srgbClr val="000000"/>
-                </a:solidFill>
-              </a:rPr>
-              <a:t>An: Seile und Masse am Flaschenzug bewegen sich</a:t>
-            </a:r>
-          </a:p>
-          <a:p>
-            <a:pPr marL="573775" lvl="1" indent="-171450">
-              <a:buFont typeface="Courier New" panose="02070309020205020404" pitchFamily="49" charset="0"/>
-              <a:buChar char="o"/>
-            </a:pPr>
-            <a:r>
-              <a:rPr lang="de-DE" sz="1200" dirty="0">
-                <a:solidFill>
-                  <a:srgbClr val="000000"/>
-                </a:solidFill>
-              </a:rPr>
-              <a:t>Aus: Bewegungsloses Flaschenzugsystem</a:t>
-            </a:r>
-          </a:p>
-          <a:p>
-            <a:pPr marL="171450" indent="-171450">
-              <a:buFont typeface="Arial" panose="020B0604020202020204" pitchFamily="34" charset="0"/>
-              <a:buChar char="•"/>
-            </a:pPr>
-            <a:r>
-              <a:rPr lang="de-DE" sz="1200" dirty="0">
-                <a:solidFill>
-                  <a:srgbClr val="000000"/>
-                </a:solidFill>
-              </a:rPr>
-              <a:t>Definition notwendiger Variablen des Einphasen-GM</a:t>
-            </a:r>
-          </a:p>
-        </p:txBody>
-      </p:sp>
       <p:graphicFrame>
         <p:nvGraphicFramePr>
           <p:cNvPr id="24" name="Tabelle 24">
@@ -2664,14 +2580,14 @@
           <p:nvPr>
             <p:extLst>
               <p:ext uri="{D42A27DB-BD31-4B8C-83A1-F6EECF244321}">
-                <p14:modId xmlns:p14="http://schemas.microsoft.com/office/powerpoint/2010/main" val="3651234015"/>
+                <p14:modId xmlns:p14="http://schemas.microsoft.com/office/powerpoint/2010/main" val="2510658255"/>
               </p:ext>
             </p:extLst>
           </p:nvPr>
         </p:nvGraphicFramePr>
         <p:xfrm>
-          <a:off x="712831" y="4164625"/>
-          <a:ext cx="4333532" cy="1191394"/>
+          <a:off x="720132" y="4238390"/>
+          <a:ext cx="5063972" cy="1751549"/>
         </p:xfrm>
         <a:graphic>
           <a:graphicData uri="http://schemas.openxmlformats.org/drawingml/2006/table">
@@ -2680,28 +2596,28 @@
                 <a:tableStyleId>{5C22544A-7EE6-4342-B048-85BDC9FD1C3A}</a:tableStyleId>
               </a:tblPr>
               <a:tblGrid>
-                <a:gridCol w="1083383">
+                <a:gridCol w="1265993">
                   <a:extLst>
                     <a:ext uri="{9D8B030D-6E8A-4147-A177-3AD203B41FA5}">
                       <a16:colId xmlns:a16="http://schemas.microsoft.com/office/drawing/2014/main" val="1618473150"/>
                     </a:ext>
                   </a:extLst>
                 </a:gridCol>
-                <a:gridCol w="1083383">
+                <a:gridCol w="1265993">
                   <a:extLst>
                     <a:ext uri="{9D8B030D-6E8A-4147-A177-3AD203B41FA5}">
                       <a16:colId xmlns:a16="http://schemas.microsoft.com/office/drawing/2014/main" val="1850315843"/>
                     </a:ext>
                   </a:extLst>
                 </a:gridCol>
-                <a:gridCol w="1083383">
+                <a:gridCol w="1265993">
                   <a:extLst>
                     <a:ext uri="{9D8B030D-6E8A-4147-A177-3AD203B41FA5}">
                       <a16:colId xmlns:a16="http://schemas.microsoft.com/office/drawing/2014/main" val="2252226134"/>
                     </a:ext>
                   </a:extLst>
                 </a:gridCol>
-                <a:gridCol w="1083383">
+                <a:gridCol w="1265993">
                   <a:extLst>
                     <a:ext uri="{9D8B030D-6E8A-4147-A177-3AD203B41FA5}">
                       <a16:colId xmlns:a16="http://schemas.microsoft.com/office/drawing/2014/main" val="132998826"/>
@@ -2709,14 +2625,14 @@
                   </a:extLst>
                 </a:gridCol>
               </a:tblGrid>
-              <a:tr h="454024">
+              <a:tr h="652544">
                 <a:tc>
                   <a:txBody>
                     <a:bodyPr/>
                     <a:lstStyle/>
                     <a:p>
                       <a:r>
-                        <a:rPr lang="de-DE" sz="1000" dirty="0"/>
+                        <a:rPr lang="de-DE" sz="1200" dirty="0"/>
                         <a:t>Konnektoren</a:t>
                       </a:r>
                     </a:p>
@@ -2733,18 +2649,22 @@
                     <a:lstStyle/>
                     <a:p>
                       <a:r>
-                        <a:rPr lang="de-DE" sz="1000" dirty="0"/>
+                        <a:rPr lang="de-DE" sz="1200" dirty="0"/>
                         <a:t>Winkel-</a:t>
                       </a:r>
                     </a:p>
                     <a:p>
                       <a:r>
-                        <a:rPr lang="de-DE" sz="1000" dirty="0"/>
+                        <a:rPr lang="de-DE" sz="1200" dirty="0"/>
                         <a:t>Moment</a:t>
                       </a:r>
                     </a:p>
                   </a:txBody>
-                  <a:tcPr/>
+                  <a:tcPr>
+                    <a:solidFill>
+                      <a:srgbClr val="5B9BD5"/>
+                    </a:solidFill>
+                  </a:tcPr>
                 </a:tc>
                 <a:tc>
                   <a:txBody>
@@ -2769,7 +2689,7 @@
                         <a:defRPr/>
                       </a:pPr>
                       <a:r>
-                        <a:rPr lang="de-DE" sz="1000" dirty="0"/>
+                        <a:rPr lang="de-DE" sz="1200" dirty="0"/>
                         <a:t>Spannung-</a:t>
                       </a:r>
                     </a:p>
@@ -2792,12 +2712,16 @@
                         <a:defRPr/>
                       </a:pPr>
                       <a:r>
-                        <a:rPr lang="de-DE" sz="1000" dirty="0"/>
+                        <a:rPr lang="de-DE" sz="1200" dirty="0"/>
                         <a:t>Strom</a:t>
                       </a:r>
                     </a:p>
                   </a:txBody>
-                  <a:tcPr/>
+                  <a:tcPr>
+                    <a:solidFill>
+                      <a:srgbClr val="5B9BD5"/>
+                    </a:solidFill>
+                  </a:tcPr>
                 </a:tc>
                 <a:tc>
                   <a:txBody>
@@ -2805,18 +2729,22 @@
                     <a:lstStyle/>
                     <a:p>
                       <a:r>
-                        <a:rPr lang="de-DE" sz="1000" dirty="0"/>
+                        <a:rPr lang="de-DE" sz="1200" dirty="0"/>
                         <a:t>Kraft-</a:t>
                       </a:r>
                     </a:p>
                     <a:p>
                       <a:r>
-                        <a:rPr lang="de-DE" sz="1000" dirty="0"/>
+                        <a:rPr lang="de-DE" sz="1200" dirty="0"/>
                         <a:t>Weg</a:t>
                       </a:r>
                     </a:p>
                   </a:txBody>
-                  <a:tcPr/>
+                  <a:tcPr>
+                    <a:solidFill>
+                      <a:srgbClr val="5B9BD5"/>
+                    </a:solidFill>
+                  </a:tcPr>
                 </a:tc>
                 <a:extLst>
                   <a:ext uri="{0D108BD9-81ED-4DB2-BD59-A6C34878D82A}">
@@ -2824,7 +2752,7 @@
                   </a:ext>
                 </a:extLst>
               </a:tr>
-              <a:tr h="368264">
+              <a:tr h="529285">
                 <a:tc>
                   <a:txBody>
                     <a:bodyPr/>
@@ -2832,7 +2760,7 @@
                     <a:p>
                       <a:pPr marL="0" algn="l" defTabSz="914400" rtl="0" eaLnBrk="1" latinLnBrk="0" hangingPunct="1"/>
                       <a:r>
-                        <a:rPr lang="de-DE" sz="1000" b="1" kern="1200" dirty="0">
+                        <a:rPr lang="de-DE" sz="1200" b="1" kern="1200" dirty="0">
                           <a:solidFill>
                             <a:schemeClr val="lt1"/>
                           </a:solidFill>
@@ -2856,7 +2784,7 @@
                     <a:lstStyle/>
                     <a:p>
                       <a:r>
-                        <a:rPr lang="de-DE" sz="1000" dirty="0">
+                        <a:rPr lang="de-DE" sz="1400" dirty="0">
                           <a:solidFill>
                             <a:srgbClr val="000000"/>
                           </a:solidFill>
@@ -2865,7 +2793,11 @@
                       </a:r>
                     </a:p>
                   </a:txBody>
-                  <a:tcPr/>
+                  <a:tcPr>
+                    <a:solidFill>
+                      <a:srgbClr val="EAEFF7"/>
+                    </a:solidFill>
+                  </a:tcPr>
                 </a:tc>
                 <a:tc>
                   <a:txBody>
@@ -2873,7 +2805,7 @@
                     <a:lstStyle/>
                     <a:p>
                       <a:r>
-                        <a:rPr lang="de-DE" sz="1000" dirty="0">
+                        <a:rPr lang="de-DE" sz="1400" dirty="0">
                           <a:solidFill>
                             <a:srgbClr val="000000"/>
                           </a:solidFill>
@@ -2882,7 +2814,11 @@
                       </a:r>
                     </a:p>
                   </a:txBody>
-                  <a:tcPr/>
+                  <a:tcPr>
+                    <a:solidFill>
+                      <a:srgbClr val="EAEFF7"/>
+                    </a:solidFill>
+                  </a:tcPr>
                 </a:tc>
                 <a:tc>
                   <a:txBody>
@@ -2890,7 +2826,7 @@
                     <a:lstStyle/>
                     <a:p>
                       <a:r>
-                        <a:rPr lang="de-DE" sz="1000" dirty="0">
+                        <a:rPr lang="de-DE" sz="1400" dirty="0">
                           <a:solidFill>
                             <a:srgbClr val="000000"/>
                           </a:solidFill>
@@ -2899,7 +2835,11 @@
                       </a:r>
                     </a:p>
                   </a:txBody>
-                  <a:tcPr/>
+                  <a:tcPr>
+                    <a:solidFill>
+                      <a:srgbClr val="EAEFF7"/>
+                    </a:solidFill>
+                  </a:tcPr>
                 </a:tc>
                 <a:extLst>
                   <a:ext uri="{0D108BD9-81ED-4DB2-BD59-A6C34878D82A}">
@@ -2907,7 +2847,7 @@
                   </a:ext>
                 </a:extLst>
               </a:tr>
-              <a:tr h="369106">
+              <a:tr h="569720">
                 <a:tc>
                   <a:txBody>
                     <a:bodyPr/>
@@ -2915,7 +2855,7 @@
                     <a:p>
                       <a:pPr marL="0" algn="l" defTabSz="914400" rtl="0" eaLnBrk="1" latinLnBrk="0" hangingPunct="1"/>
                       <a:r>
-                        <a:rPr lang="de-DE" sz="1000" b="1" kern="1200" dirty="0">
+                        <a:rPr lang="de-DE" sz="1200" b="1" kern="1200" dirty="0">
                           <a:solidFill>
                             <a:schemeClr val="lt1"/>
                           </a:solidFill>
@@ -2939,7 +2879,7 @@
                     <a:lstStyle/>
                     <a:p>
                       <a:r>
-                        <a:rPr lang="de-DE" sz="1000" dirty="0">
+                        <a:rPr lang="de-DE" sz="1400" dirty="0">
                           <a:solidFill>
                             <a:srgbClr val="000000"/>
                           </a:solidFill>
@@ -2956,7 +2896,7 @@
                     <a:lstStyle/>
                     <a:p>
                       <a:r>
-                        <a:rPr lang="de-DE" sz="1000" dirty="0">
+                        <a:rPr lang="de-DE" sz="1400" dirty="0">
                           <a:solidFill>
                             <a:srgbClr val="000000"/>
                           </a:solidFill>
@@ -2973,7 +2913,7 @@
                     <a:lstStyle/>
                     <a:p>
                       <a:r>
-                        <a:rPr lang="de-DE" sz="1000" dirty="0">
+                        <a:rPr lang="de-DE" sz="1400" dirty="0">
                           <a:solidFill>
                             <a:srgbClr val="000000"/>
                           </a:solidFill>
@@ -2982,7 +2922,11 @@
                       </a:r>
                     </a:p>
                   </a:txBody>
-                  <a:tcPr/>
+                  <a:tcPr>
+                    <a:solidFill>
+                      <a:srgbClr val="EAEFF7"/>
+                    </a:solidFill>
+                  </a:tcPr>
                 </a:tc>
                 <a:extLst>
                   <a:ext uri="{0D108BD9-81ED-4DB2-BD59-A6C34878D82A}">
@@ -3028,7 +2972,7 @@
                   <a:srgbClr val="000000"/>
                 </a:solidFill>
               </a:rPr>
-              <a:t>Bestandteile der Bibliothek</a:t>
+              <a:t>Komponenten der Bibliothek</a:t>
             </a:r>
           </a:p>
         </p:txBody>
@@ -3047,12 +2991,15 @@
         </p:nvSpPr>
         <p:spPr>
           <a:xfrm>
-            <a:off x="2872831" y="1926438"/>
-            <a:ext cx="914400" cy="625643"/>
+            <a:off x="2746337" y="2007326"/>
+            <a:ext cx="657769" cy="528548"/>
           </a:xfrm>
           <a:prstGeom prst="rightArrow">
             <a:avLst/>
           </a:prstGeom>
+          <a:solidFill>
+            <a:srgbClr val="5B9BD5"/>
+          </a:solidFill>
         </p:spPr>
         <p:style>
           <a:lnRef idx="2">
@@ -3093,8 +3040,8 @@
         </p:nvSpPr>
         <p:spPr>
           <a:xfrm>
-            <a:off x="3787231" y="939304"/>
-            <a:ext cx="2261026" cy="307777"/>
+            <a:off x="6176593" y="935800"/>
+            <a:ext cx="3156915" cy="307777"/>
           </a:xfrm>
           <a:prstGeom prst="rect">
             <a:avLst/>
@@ -3113,7 +3060,7 @@
                   <a:srgbClr val="000000"/>
                 </a:solidFill>
               </a:rPr>
-              <a:t>Flaschenzugsystem</a:t>
+              <a:t>Wechselwirkung zw. Komponenten</a:t>
             </a:r>
           </a:p>
         </p:txBody>
@@ -3132,8 +3079,8 @@
         </p:nvSpPr>
         <p:spPr>
           <a:xfrm>
-            <a:off x="712831" y="3827892"/>
-            <a:ext cx="2261026" cy="307777"/>
+            <a:off x="675101" y="3893952"/>
+            <a:ext cx="2729005" cy="307777"/>
           </a:xfrm>
           <a:prstGeom prst="rect">
             <a:avLst/>
@@ -3152,84 +3099,7 @@
                   <a:srgbClr val="000000"/>
                 </a:solidFill>
               </a:rPr>
-              <a:t>Konnektoren</a:t>
-            </a:r>
-          </a:p>
-        </p:txBody>
-      </p:sp>
-      <p:sp>
-        <p:nvSpPr>
-          <p:cNvPr id="31" name="Textfeld 30">
-            <a:extLst>
-              <a:ext uri="{FF2B5EF4-FFF2-40B4-BE49-F238E27FC236}">
-                <a16:creationId xmlns:a16="http://schemas.microsoft.com/office/drawing/2014/main" id="{F7EA9731-4752-4881-A8C9-DE8123BDC7D7}"/>
-              </a:ext>
-            </a:extLst>
-          </p:cNvPr>
-          <p:cNvSpPr txBox="1"/>
-          <p:nvPr/>
-        </p:nvSpPr>
-        <p:spPr>
-          <a:xfrm>
-            <a:off x="6400516" y="941824"/>
-            <a:ext cx="2939449" cy="307777"/>
-          </a:xfrm>
-          <a:prstGeom prst="rect">
-            <a:avLst/>
-          </a:prstGeom>
-          <a:noFill/>
-        </p:spPr>
-        <p:txBody>
-          <a:bodyPr wrap="square" rtlCol="0">
-            <a:spAutoFit/>
-          </a:bodyPr>
-          <a:lstStyle/>
-          <a:p>
-            <a:r>
-              <a:rPr lang="de-DE" sz="1400" b="1" dirty="0">
-                <a:solidFill>
-                  <a:srgbClr val="000000"/>
-                </a:solidFill>
-              </a:rPr>
-              <a:t>Komponenteneigenschaften</a:t>
-            </a:r>
-          </a:p>
-        </p:txBody>
-      </p:sp>
-      <p:sp>
-        <p:nvSpPr>
-          <p:cNvPr id="33" name="Rechteck 32">
-            <a:extLst>
-              <a:ext uri="{FF2B5EF4-FFF2-40B4-BE49-F238E27FC236}">
-                <a16:creationId xmlns:a16="http://schemas.microsoft.com/office/drawing/2014/main" id="{7334C478-3528-4F7D-8CDD-FA79D4893499}"/>
-              </a:ext>
-            </a:extLst>
-          </p:cNvPr>
-          <p:cNvSpPr/>
-          <p:nvPr/>
-        </p:nvSpPr>
-        <p:spPr>
-          <a:xfrm>
-            <a:off x="712831" y="5427120"/>
-            <a:ext cx="5967102" cy="276999"/>
-          </a:xfrm>
-          <a:prstGeom prst="rect">
-            <a:avLst/>
-          </a:prstGeom>
-        </p:spPr>
-        <p:txBody>
-          <a:bodyPr wrap="square">
-            <a:spAutoFit/>
-          </a:bodyPr>
-          <a:lstStyle/>
-          <a:p>
-            <a:r>
-              <a:rPr lang="de-DE" sz="1200" dirty="0">
-                <a:solidFill>
-                  <a:srgbClr val="000000"/>
-                </a:solidFill>
-              </a:rPr>
-              <a:t>Spannungsquelle	  E-Motor	          Seilwinde	 Rolle	   Masse</a:t>
+              <a:t>Klassifikation Konnektoren</a:t>
             </a:r>
           </a:p>
         </p:txBody>
@@ -3245,144 +3115,23 @@
           </p:cNvPr>
           <p:cNvCxnSpPr>
             <a:cxnSpLocks/>
+            <a:stCxn id="32" idx="0"/>
+            <a:endCxn id="5" idx="2"/>
           </p:cNvCxnSpPr>
           <p:nvPr/>
         </p:nvCxnSpPr>
         <p:spPr>
-          <a:xfrm>
-            <a:off x="1978098" y="5565619"/>
-            <a:ext cx="505220" cy="0"/>
+          <a:xfrm flipV="1">
+            <a:off x="7201747" y="1789687"/>
+            <a:ext cx="0" cy="578722"/>
           </a:xfrm>
           <a:prstGeom prst="straightConnector1">
             <a:avLst/>
           </a:prstGeom>
           <a:ln w="38100">
-            <a:headEnd type="triangle"/>
-            <a:tailEnd type="triangle"/>
-          </a:ln>
-        </p:spPr>
-        <p:style>
-          <a:lnRef idx="1">
-            <a:schemeClr val="accent1"/>
-          </a:lnRef>
-          <a:fillRef idx="0">
-            <a:schemeClr val="accent1"/>
-          </a:fillRef>
-          <a:effectRef idx="0">
-            <a:schemeClr val="accent1"/>
-          </a:effectRef>
-          <a:fontRef idx="minor">
-            <a:schemeClr val="tx1"/>
-          </a:fontRef>
-        </p:style>
-      </p:cxnSp>
-      <p:cxnSp>
-        <p:nvCxnSpPr>
-          <p:cNvPr id="38" name="Gerade Verbindung mit Pfeil 37">
-            <a:extLst>
-              <a:ext uri="{FF2B5EF4-FFF2-40B4-BE49-F238E27FC236}">
-                <a16:creationId xmlns:a16="http://schemas.microsoft.com/office/drawing/2014/main" id="{79A44346-F457-4BAF-B1B9-058E8691BB49}"/>
-              </a:ext>
-            </a:extLst>
-          </p:cNvPr>
-          <p:cNvCxnSpPr>
-            <a:cxnSpLocks/>
-          </p:cNvCxnSpPr>
-          <p:nvPr/>
-        </p:nvCxnSpPr>
-        <p:spPr>
-          <a:xfrm>
-            <a:off x="3104825" y="5577461"/>
-            <a:ext cx="505220" cy="0"/>
-          </a:xfrm>
-          <a:prstGeom prst="straightConnector1">
-            <a:avLst/>
-          </a:prstGeom>
-          <a:ln w="38100">
-            <a:headEnd type="triangle"/>
-            <a:tailEnd type="triangle"/>
-          </a:ln>
-        </p:spPr>
-        <p:style>
-          <a:lnRef idx="1">
-            <a:schemeClr val="accent1"/>
-          </a:lnRef>
-          <a:fillRef idx="0">
-            <a:schemeClr val="accent1"/>
-          </a:fillRef>
-          <a:effectRef idx="0">
-            <a:schemeClr val="accent1"/>
-          </a:effectRef>
-          <a:fontRef idx="minor">
-            <a:schemeClr val="tx1"/>
-          </a:fontRef>
-        </p:style>
-      </p:cxnSp>
-      <p:cxnSp>
-        <p:nvCxnSpPr>
-          <p:cNvPr id="39" name="Gerade Verbindung mit Pfeil 38">
-            <a:extLst>
-              <a:ext uri="{FF2B5EF4-FFF2-40B4-BE49-F238E27FC236}">
-                <a16:creationId xmlns:a16="http://schemas.microsoft.com/office/drawing/2014/main" id="{EB441DB3-F694-4BC5-A55A-2DE2E0EBA224}"/>
-              </a:ext>
-            </a:extLst>
-          </p:cNvPr>
-          <p:cNvCxnSpPr>
-            <a:cxnSpLocks/>
-          </p:cNvCxnSpPr>
-          <p:nvPr/>
-        </p:nvCxnSpPr>
-        <p:spPr>
-          <a:xfrm>
-            <a:off x="4325629" y="5565619"/>
-            <a:ext cx="505220" cy="0"/>
-          </a:xfrm>
-          <a:prstGeom prst="straightConnector1">
-            <a:avLst/>
-          </a:prstGeom>
-          <a:ln w="38100">
-            <a:headEnd type="triangle"/>
-            <a:tailEnd type="triangle"/>
-          </a:ln>
-        </p:spPr>
-        <p:style>
-          <a:lnRef idx="1">
-            <a:schemeClr val="accent1"/>
-          </a:lnRef>
-          <a:fillRef idx="0">
-            <a:schemeClr val="accent1"/>
-          </a:fillRef>
-          <a:effectRef idx="0">
-            <a:schemeClr val="accent1"/>
-          </a:effectRef>
-          <a:fontRef idx="minor">
-            <a:schemeClr val="tx1"/>
-          </a:fontRef>
-        </p:style>
-      </p:cxnSp>
-      <p:cxnSp>
-        <p:nvCxnSpPr>
-          <p:cNvPr id="40" name="Gerade Verbindung mit Pfeil 39">
-            <a:extLst>
-              <a:ext uri="{FF2B5EF4-FFF2-40B4-BE49-F238E27FC236}">
-                <a16:creationId xmlns:a16="http://schemas.microsoft.com/office/drawing/2014/main" id="{289E86EA-C611-4DC0-BCD9-5F779259A08C}"/>
-              </a:ext>
-            </a:extLst>
-          </p:cNvPr>
-          <p:cNvCxnSpPr>
-            <a:cxnSpLocks/>
-          </p:cNvCxnSpPr>
-          <p:nvPr/>
-        </p:nvCxnSpPr>
-        <p:spPr>
-          <a:xfrm>
-            <a:off x="5238425" y="5565473"/>
-            <a:ext cx="505220" cy="0"/>
-          </a:xfrm>
-          <a:prstGeom prst="straightConnector1">
-            <a:avLst/>
-          </a:prstGeom>
-          <a:ln w="38100">
+            <a:solidFill>
+              <a:srgbClr val="000000"/>
+            </a:solidFill>
             <a:headEnd type="triangle"/>
             <a:tailEnd type="triangle"/>
           </a:ln>
@@ -3416,8 +3165,8 @@
         </p:nvSpPr>
         <p:spPr>
           <a:xfrm>
-            <a:off x="1843625" y="5619975"/>
-            <a:ext cx="782449" cy="353943"/>
+            <a:off x="6360164" y="1840668"/>
+            <a:ext cx="841583" cy="400110"/>
           </a:xfrm>
           <a:prstGeom prst="rect">
             <a:avLst/>
@@ -3431,7 +3180,7 @@
           <a:lstStyle/>
           <a:p>
             <a:r>
-              <a:rPr lang="de-DE" altLang="zh-CN" sz="850" spc="30" dirty="0">
+              <a:rPr lang="de-DE" altLang="zh-CN" sz="1000" spc="30" dirty="0">
                 <a:solidFill>
                   <a:srgbClr val="0E0D0B"/>
                 </a:solidFill>
@@ -3439,7 +3188,7 @@
                 <a:ea typeface="Times New Roman"/>
                 <a:cs typeface="Arial" panose="020B0604020202020204" pitchFamily="34" charset="0"/>
               </a:rPr>
-              <a:t>Spannung-Strom-C.</a:t>
+              <a:t>Spannung-Strom-K.</a:t>
             </a:r>
           </a:p>
         </p:txBody>
@@ -3458,8 +3207,8 @@
         </p:nvSpPr>
         <p:spPr>
           <a:xfrm>
-            <a:off x="3056792" y="5619975"/>
-            <a:ext cx="730439" cy="353943"/>
+            <a:off x="6360169" y="2762450"/>
+            <a:ext cx="841578" cy="400110"/>
           </a:xfrm>
           <a:prstGeom prst="rect">
             <a:avLst/>
@@ -3473,7 +3222,7 @@
           <a:lstStyle/>
           <a:p>
             <a:r>
-              <a:rPr lang="de-DE" altLang="zh-CN" sz="850" spc="30" dirty="0">
+              <a:rPr lang="de-DE" altLang="zh-CN" sz="1000" spc="30" dirty="0">
                 <a:solidFill>
                   <a:srgbClr val="0E0D0B"/>
                 </a:solidFill>
@@ -3481,7 +3230,7 @@
                 <a:ea typeface="Times New Roman"/>
                 <a:cs typeface="Arial" panose="020B0604020202020204" pitchFamily="34" charset="0"/>
               </a:rPr>
-              <a:t>Winkel-Moment-C.</a:t>
+              <a:t>Winkel-Moment-K.</a:t>
             </a:r>
           </a:p>
         </p:txBody>
@@ -3500,8 +3249,8 @@
         </p:nvSpPr>
         <p:spPr>
           <a:xfrm>
-            <a:off x="4325629" y="5619975"/>
-            <a:ext cx="555978" cy="353943"/>
+            <a:off x="6360163" y="3642064"/>
+            <a:ext cx="660515" cy="400110"/>
           </a:xfrm>
           <a:prstGeom prst="rect">
             <a:avLst/>
@@ -3515,7 +3264,7 @@
           <a:lstStyle/>
           <a:p>
             <a:r>
-              <a:rPr lang="de-DE" altLang="zh-CN" sz="850" spc="30" dirty="0">
+              <a:rPr lang="de-DE" altLang="zh-CN" sz="1000" spc="30" dirty="0">
                 <a:solidFill>
                   <a:srgbClr val="0E0D0B"/>
                 </a:solidFill>
@@ -3523,7 +3272,7 @@
                 <a:ea typeface="Times New Roman"/>
                 <a:cs typeface="Arial" panose="020B0604020202020204" pitchFamily="34" charset="0"/>
               </a:rPr>
-              <a:t>Kraft-Weg-C.</a:t>
+              <a:t>Kraft-Weg-K..</a:t>
             </a:r>
           </a:p>
         </p:txBody>
@@ -3542,8 +3291,8 @@
         </p:nvSpPr>
         <p:spPr>
           <a:xfrm>
-            <a:off x="5238425" y="5630618"/>
-            <a:ext cx="555978" cy="353943"/>
+            <a:off x="6360163" y="4528563"/>
+            <a:ext cx="719771" cy="400110"/>
           </a:xfrm>
           <a:prstGeom prst="rect">
             <a:avLst/>
@@ -3557,7 +3306,7 @@
           <a:lstStyle/>
           <a:p>
             <a:r>
-              <a:rPr lang="de-DE" altLang="zh-CN" sz="850" spc="30" dirty="0">
+              <a:rPr lang="de-DE" altLang="zh-CN" sz="1000" spc="30" dirty="0">
                 <a:solidFill>
                   <a:srgbClr val="0E0D0B"/>
                 </a:solidFill>
@@ -3565,138 +3314,904 @@
                 <a:ea typeface="Times New Roman"/>
                 <a:cs typeface="Arial" panose="020B0604020202020204" pitchFamily="34" charset="0"/>
               </a:rPr>
-              <a:t>Kraft-Weg-C.</a:t>
+              <a:t>Kraft-Weg-K</a:t>
+            </a:r>
+            <a:r>
+              <a:rPr lang="de-DE" altLang="zh-CN" sz="850" spc="30" dirty="0">
+                <a:solidFill>
+                  <a:srgbClr val="0E0D0B"/>
+                </a:solidFill>
+                <a:latin typeface="Arial" panose="020B0604020202020204" pitchFamily="34" charset="0"/>
+                <a:ea typeface="Times New Roman"/>
+                <a:cs typeface="Arial" panose="020B0604020202020204" pitchFamily="34" charset="0"/>
+              </a:rPr>
+              <a:t>.</a:t>
             </a:r>
           </a:p>
         </p:txBody>
       </p:sp>
       <p:sp>
         <p:nvSpPr>
-          <p:cNvPr id="45" name="Rechteck 44">
+          <p:cNvPr id="5" name="Textfeld 4">
             <a:extLst>
               <a:ext uri="{FF2B5EF4-FFF2-40B4-BE49-F238E27FC236}">
-                <a16:creationId xmlns:a16="http://schemas.microsoft.com/office/drawing/2014/main" id="{CC06474D-BFE0-4B60-B829-CF05A77E6B5E}"/>
+                <a16:creationId xmlns:a16="http://schemas.microsoft.com/office/drawing/2014/main" id="{80E1976C-274B-450D-B7E6-3F83139E3DB4}"/>
               </a:ext>
             </a:extLst>
           </p:cNvPr>
-          <p:cNvSpPr/>
+          <p:cNvSpPr txBox="1"/>
           <p:nvPr/>
         </p:nvSpPr>
         <p:spPr>
           <a:xfrm>
-            <a:off x="6396301" y="3397508"/>
-            <a:ext cx="2699573" cy="1754326"/>
+            <a:off x="6360164" y="1481910"/>
+            <a:ext cx="1683166" cy="307777"/>
           </a:xfrm>
           <a:prstGeom prst="rect">
             <a:avLst/>
           </a:prstGeom>
+          <a:noFill/>
+          <a:ln w="28575">
+            <a:solidFill>
+              <a:srgbClr val="5B9BD5"/>
+            </a:solidFill>
+          </a:ln>
         </p:spPr>
         <p:txBody>
-          <a:bodyPr wrap="square">
+          <a:bodyPr wrap="square" rtlCol="0">
+            <a:spAutoFit/>
+          </a:bodyPr>
+          <a:lstStyle/>
+          <a:p>
+            <a:pPr algn="ctr"/>
+            <a:r>
+              <a:rPr lang="de-DE" sz="1400" dirty="0">
+                <a:solidFill>
+                  <a:srgbClr val="000000"/>
+                </a:solidFill>
+              </a:rPr>
+              <a:t>Spannungsquelle</a:t>
+            </a:r>
+          </a:p>
+        </p:txBody>
+      </p:sp>
+      <p:sp>
+        <p:nvSpPr>
+          <p:cNvPr id="28" name="Textfeld 27">
+            <a:extLst>
+              <a:ext uri="{FF2B5EF4-FFF2-40B4-BE49-F238E27FC236}">
+                <a16:creationId xmlns:a16="http://schemas.microsoft.com/office/drawing/2014/main" id="{893FFDE7-1E88-4B3A-9C2A-82F40D104524}"/>
+              </a:ext>
+            </a:extLst>
+          </p:cNvPr>
+          <p:cNvSpPr txBox="1"/>
+          <p:nvPr/>
+        </p:nvSpPr>
+        <p:spPr>
+          <a:xfrm>
+            <a:off x="3610045" y="935799"/>
+            <a:ext cx="2261026" cy="307777"/>
+          </a:xfrm>
+          <a:prstGeom prst="rect">
+            <a:avLst/>
+          </a:prstGeom>
+          <a:noFill/>
+        </p:spPr>
+        <p:txBody>
+          <a:bodyPr wrap="square" rtlCol="0">
             <a:spAutoFit/>
           </a:bodyPr>
           <a:lstStyle/>
           <a:p>
             <a:r>
-              <a:rPr lang="de-DE" sz="1200" b="1" dirty="0">
+              <a:rPr lang="de-DE" sz="1400" b="1" dirty="0">
                 <a:solidFill>
                   <a:srgbClr val="000000"/>
                 </a:solidFill>
               </a:rPr>
-              <a:t>Spannungsquelle</a:t>
+              <a:t>Flaschenzugsystem</a:t>
+            </a:r>
+          </a:p>
+        </p:txBody>
+      </p:sp>
+      <p:sp>
+        <p:nvSpPr>
+          <p:cNvPr id="32" name="Textfeld 31">
+            <a:extLst>
+              <a:ext uri="{FF2B5EF4-FFF2-40B4-BE49-F238E27FC236}">
+                <a16:creationId xmlns:a16="http://schemas.microsoft.com/office/drawing/2014/main" id="{3F074C3B-6739-4681-B9B3-4ED4B655D8D0}"/>
+              </a:ext>
+            </a:extLst>
+          </p:cNvPr>
+          <p:cNvSpPr txBox="1"/>
+          <p:nvPr/>
+        </p:nvSpPr>
+        <p:spPr>
+          <a:xfrm>
+            <a:off x="6360164" y="2368409"/>
+            <a:ext cx="1683166" cy="307777"/>
+          </a:xfrm>
+          <a:prstGeom prst="rect">
+            <a:avLst/>
+          </a:prstGeom>
+          <a:noFill/>
+          <a:ln w="28575">
+            <a:solidFill>
+              <a:srgbClr val="5B9BD5"/>
+            </a:solidFill>
+          </a:ln>
+        </p:spPr>
+        <p:txBody>
+          <a:bodyPr wrap="square" rtlCol="0">
+            <a:spAutoFit/>
+          </a:bodyPr>
+          <a:lstStyle/>
+          <a:p>
+            <a:pPr algn="ctr"/>
+            <a:r>
+              <a:rPr lang="de-DE" sz="1400" dirty="0">
+                <a:solidFill>
+                  <a:srgbClr val="000000"/>
+                </a:solidFill>
+              </a:rPr>
+              <a:t>E-Motor</a:t>
+            </a:r>
+          </a:p>
+        </p:txBody>
+      </p:sp>
+      <p:sp>
+        <p:nvSpPr>
+          <p:cNvPr id="34" name="Textfeld 33">
+            <a:extLst>
+              <a:ext uri="{FF2B5EF4-FFF2-40B4-BE49-F238E27FC236}">
+                <a16:creationId xmlns:a16="http://schemas.microsoft.com/office/drawing/2014/main" id="{D5B7839D-03AE-437F-9E7B-F9F343F4AF9B}"/>
+              </a:ext>
+            </a:extLst>
+          </p:cNvPr>
+          <p:cNvSpPr txBox="1"/>
+          <p:nvPr/>
+        </p:nvSpPr>
+        <p:spPr>
+          <a:xfrm>
+            <a:off x="6360164" y="3252026"/>
+            <a:ext cx="1683166" cy="307777"/>
+          </a:xfrm>
+          <a:prstGeom prst="rect">
+            <a:avLst/>
+          </a:prstGeom>
+          <a:noFill/>
+          <a:ln w="28575">
+            <a:solidFill>
+              <a:srgbClr val="5B9BD5"/>
+            </a:solidFill>
+          </a:ln>
+        </p:spPr>
+        <p:txBody>
+          <a:bodyPr wrap="square" rtlCol="0">
+            <a:spAutoFit/>
+          </a:bodyPr>
+          <a:lstStyle/>
+          <a:p>
+            <a:pPr algn="ctr"/>
+            <a:r>
+              <a:rPr lang="de-DE" sz="1400" dirty="0">
+                <a:solidFill>
+                  <a:srgbClr val="000000"/>
+                </a:solidFill>
+              </a:rPr>
+              <a:t>Seilwinde</a:t>
+            </a:r>
+          </a:p>
+        </p:txBody>
+      </p:sp>
+      <p:sp>
+        <p:nvSpPr>
+          <p:cNvPr id="36" name="Textfeld 35">
+            <a:extLst>
+              <a:ext uri="{FF2B5EF4-FFF2-40B4-BE49-F238E27FC236}">
+                <a16:creationId xmlns:a16="http://schemas.microsoft.com/office/drawing/2014/main" id="{ADC7DA6F-4A62-4CE1-AD0C-E6393B3E3EAC}"/>
+              </a:ext>
+            </a:extLst>
+          </p:cNvPr>
+          <p:cNvSpPr txBox="1"/>
+          <p:nvPr/>
+        </p:nvSpPr>
+        <p:spPr>
+          <a:xfrm>
+            <a:off x="6360164" y="5017420"/>
+            <a:ext cx="1683166" cy="307777"/>
+          </a:xfrm>
+          <a:prstGeom prst="rect">
+            <a:avLst/>
+          </a:prstGeom>
+          <a:noFill/>
+          <a:ln w="28575">
+            <a:solidFill>
+              <a:srgbClr val="5B9BD5"/>
+            </a:solidFill>
+          </a:ln>
+        </p:spPr>
+        <p:txBody>
+          <a:bodyPr wrap="square" rtlCol="0">
+            <a:spAutoFit/>
+          </a:bodyPr>
+          <a:lstStyle/>
+          <a:p>
+            <a:pPr algn="ctr"/>
+            <a:r>
+              <a:rPr lang="de-DE" sz="1400" dirty="0">
+                <a:solidFill>
+                  <a:srgbClr val="000000"/>
+                </a:solidFill>
+              </a:rPr>
+              <a:t>Masse</a:t>
+            </a:r>
+          </a:p>
+        </p:txBody>
+      </p:sp>
+      <p:sp>
+        <p:nvSpPr>
+          <p:cNvPr id="37" name="Textfeld 36">
+            <a:extLst>
+              <a:ext uri="{FF2B5EF4-FFF2-40B4-BE49-F238E27FC236}">
+                <a16:creationId xmlns:a16="http://schemas.microsoft.com/office/drawing/2014/main" id="{488DE905-E97D-4582-9353-5E05E75F4076}"/>
+              </a:ext>
+            </a:extLst>
+          </p:cNvPr>
+          <p:cNvSpPr txBox="1"/>
+          <p:nvPr/>
+        </p:nvSpPr>
+        <p:spPr>
+          <a:xfrm>
+            <a:off x="6360164" y="4133803"/>
+            <a:ext cx="1683166" cy="307777"/>
+          </a:xfrm>
+          <a:prstGeom prst="rect">
+            <a:avLst/>
+          </a:prstGeom>
+          <a:noFill/>
+          <a:ln w="28575">
+            <a:solidFill>
+              <a:srgbClr val="5B9BD5"/>
+            </a:solidFill>
+          </a:ln>
+        </p:spPr>
+        <p:txBody>
+          <a:bodyPr wrap="square" rtlCol="0">
+            <a:spAutoFit/>
+          </a:bodyPr>
+          <a:lstStyle/>
+          <a:p>
+            <a:pPr algn="ctr"/>
+            <a:r>
+              <a:rPr lang="de-DE" sz="1400" dirty="0">
+                <a:solidFill>
+                  <a:srgbClr val="000000"/>
+                </a:solidFill>
+              </a:rPr>
+              <a:t>Rolle(n)</a:t>
+            </a:r>
+          </a:p>
+        </p:txBody>
+      </p:sp>
+      <p:cxnSp>
+        <p:nvCxnSpPr>
+          <p:cNvPr id="46" name="Gerade Verbindung mit Pfeil 45">
+            <a:extLst>
+              <a:ext uri="{FF2B5EF4-FFF2-40B4-BE49-F238E27FC236}">
+                <a16:creationId xmlns:a16="http://schemas.microsoft.com/office/drawing/2014/main" id="{8C6BCBC5-1531-4583-96AD-3B6D87404344}"/>
+              </a:ext>
+            </a:extLst>
+          </p:cNvPr>
+          <p:cNvCxnSpPr>
+            <a:cxnSpLocks/>
+            <a:stCxn id="34" idx="0"/>
+            <a:endCxn id="32" idx="2"/>
+          </p:cNvCxnSpPr>
+          <p:nvPr/>
+        </p:nvCxnSpPr>
+        <p:spPr>
+          <a:xfrm flipV="1">
+            <a:off x="7201747" y="2676186"/>
+            <a:ext cx="0" cy="575840"/>
+          </a:xfrm>
+          <a:prstGeom prst="straightConnector1">
+            <a:avLst/>
+          </a:prstGeom>
+          <a:ln w="38100">
+            <a:solidFill>
+              <a:srgbClr val="000000"/>
+            </a:solidFill>
+            <a:headEnd type="triangle"/>
+            <a:tailEnd type="triangle"/>
+          </a:ln>
+        </p:spPr>
+        <p:style>
+          <a:lnRef idx="1">
+            <a:schemeClr val="accent1"/>
+          </a:lnRef>
+          <a:fillRef idx="0">
+            <a:schemeClr val="accent1"/>
+          </a:fillRef>
+          <a:effectRef idx="0">
+            <a:schemeClr val="accent1"/>
+          </a:effectRef>
+          <a:fontRef idx="minor">
+            <a:schemeClr val="tx1"/>
+          </a:fontRef>
+        </p:style>
+      </p:cxnSp>
+      <p:cxnSp>
+        <p:nvCxnSpPr>
+          <p:cNvPr id="47" name="Gerade Verbindung mit Pfeil 46">
+            <a:extLst>
+              <a:ext uri="{FF2B5EF4-FFF2-40B4-BE49-F238E27FC236}">
+                <a16:creationId xmlns:a16="http://schemas.microsoft.com/office/drawing/2014/main" id="{F70C0D86-BA79-41DB-BF3C-381250A72CB5}"/>
+              </a:ext>
+            </a:extLst>
+          </p:cNvPr>
+          <p:cNvCxnSpPr>
+            <a:cxnSpLocks/>
+            <a:stCxn id="37" idx="0"/>
+            <a:endCxn id="34" idx="2"/>
+          </p:cNvCxnSpPr>
+          <p:nvPr/>
+        </p:nvCxnSpPr>
+        <p:spPr>
+          <a:xfrm flipV="1">
+            <a:off x="7201747" y="3559803"/>
+            <a:ext cx="0" cy="574000"/>
+          </a:xfrm>
+          <a:prstGeom prst="straightConnector1">
+            <a:avLst/>
+          </a:prstGeom>
+          <a:ln w="38100">
+            <a:solidFill>
+              <a:srgbClr val="000000"/>
+            </a:solidFill>
+            <a:headEnd type="triangle"/>
+            <a:tailEnd type="triangle"/>
+          </a:ln>
+        </p:spPr>
+        <p:style>
+          <a:lnRef idx="1">
+            <a:schemeClr val="accent1"/>
+          </a:lnRef>
+          <a:fillRef idx="0">
+            <a:schemeClr val="accent1"/>
+          </a:fillRef>
+          <a:effectRef idx="0">
+            <a:schemeClr val="accent1"/>
+          </a:effectRef>
+          <a:fontRef idx="minor">
+            <a:schemeClr val="tx1"/>
+          </a:fontRef>
+        </p:style>
+      </p:cxnSp>
+      <p:cxnSp>
+        <p:nvCxnSpPr>
+          <p:cNvPr id="48" name="Gerade Verbindung mit Pfeil 47">
+            <a:extLst>
+              <a:ext uri="{FF2B5EF4-FFF2-40B4-BE49-F238E27FC236}">
+                <a16:creationId xmlns:a16="http://schemas.microsoft.com/office/drawing/2014/main" id="{10976696-6AF9-4C9D-8869-CDF62A4BE61F}"/>
+              </a:ext>
+            </a:extLst>
+          </p:cNvPr>
+          <p:cNvCxnSpPr>
+            <a:cxnSpLocks/>
+            <a:stCxn id="36" idx="0"/>
+            <a:endCxn id="37" idx="2"/>
+          </p:cNvCxnSpPr>
+          <p:nvPr/>
+        </p:nvCxnSpPr>
+        <p:spPr>
+          <a:xfrm flipV="1">
+            <a:off x="7201747" y="4441580"/>
+            <a:ext cx="0" cy="575840"/>
+          </a:xfrm>
+          <a:prstGeom prst="straightConnector1">
+            <a:avLst/>
+          </a:prstGeom>
+          <a:ln w="38100">
+            <a:solidFill>
+              <a:srgbClr val="000000"/>
+            </a:solidFill>
+            <a:headEnd type="triangle"/>
+            <a:tailEnd type="triangle"/>
+          </a:ln>
+        </p:spPr>
+        <p:style>
+          <a:lnRef idx="1">
+            <a:schemeClr val="accent1"/>
+          </a:lnRef>
+          <a:fillRef idx="0">
+            <a:schemeClr val="accent1"/>
+          </a:fillRef>
+          <a:effectRef idx="0">
+            <a:schemeClr val="accent1"/>
+          </a:effectRef>
+          <a:fontRef idx="minor">
+            <a:schemeClr val="tx1"/>
+          </a:fontRef>
+        </p:style>
+      </p:cxnSp>
+      <p:cxnSp>
+        <p:nvCxnSpPr>
+          <p:cNvPr id="64" name="Gerade Verbindung mit Pfeil 63">
+            <a:extLst>
+              <a:ext uri="{FF2B5EF4-FFF2-40B4-BE49-F238E27FC236}">
+                <a16:creationId xmlns:a16="http://schemas.microsoft.com/office/drawing/2014/main" id="{FD0ED3A2-8024-4388-80FA-D61E6DA2D6B1}"/>
+              </a:ext>
+            </a:extLst>
+          </p:cNvPr>
+          <p:cNvCxnSpPr>
+            <a:cxnSpLocks/>
+          </p:cNvCxnSpPr>
+          <p:nvPr/>
+        </p:nvCxnSpPr>
+        <p:spPr>
+          <a:xfrm flipV="1">
+            <a:off x="9464171" y="1840668"/>
+            <a:ext cx="0" cy="431439"/>
+          </a:xfrm>
+          <a:prstGeom prst="straightConnector1">
+            <a:avLst/>
+          </a:prstGeom>
+          <a:ln w="38100">
+            <a:solidFill>
+              <a:srgbClr val="000000"/>
+            </a:solidFill>
+            <a:headEnd type="triangle"/>
+            <a:tailEnd type="triangle"/>
+          </a:ln>
+        </p:spPr>
+        <p:style>
+          <a:lnRef idx="1">
+            <a:schemeClr val="accent1"/>
+          </a:lnRef>
+          <a:fillRef idx="0">
+            <a:schemeClr val="accent1"/>
+          </a:fillRef>
+          <a:effectRef idx="0">
+            <a:schemeClr val="accent1"/>
+          </a:effectRef>
+          <a:fontRef idx="minor">
+            <a:schemeClr val="tx1"/>
+          </a:fontRef>
+        </p:style>
+      </p:cxnSp>
+      <p:sp>
+        <p:nvSpPr>
+          <p:cNvPr id="72" name="Textfeld 71">
+            <a:extLst>
+              <a:ext uri="{FF2B5EF4-FFF2-40B4-BE49-F238E27FC236}">
+                <a16:creationId xmlns:a16="http://schemas.microsoft.com/office/drawing/2014/main" id="{02CCFE96-A1C8-415C-AA7D-D5EC4758D70E}"/>
+              </a:ext>
+            </a:extLst>
+          </p:cNvPr>
+          <p:cNvSpPr txBox="1"/>
+          <p:nvPr/>
+        </p:nvSpPr>
+        <p:spPr>
+          <a:xfrm>
+            <a:off x="8214196" y="1471943"/>
+            <a:ext cx="1403936" cy="2308324"/>
+          </a:xfrm>
+          <a:custGeom>
+            <a:avLst/>
+            <a:gdLst>
+              <a:gd name="connsiteX0" fmla="*/ 0 w 1403936"/>
+              <a:gd name="connsiteY0" fmla="*/ 0 h 2308324"/>
+              <a:gd name="connsiteX1" fmla="*/ 425861 w 1403936"/>
+              <a:gd name="connsiteY1" fmla="*/ 0 h 2308324"/>
+              <a:gd name="connsiteX2" fmla="*/ 907879 w 1403936"/>
+              <a:gd name="connsiteY2" fmla="*/ 0 h 2308324"/>
+              <a:gd name="connsiteX3" fmla="*/ 1403936 w 1403936"/>
+              <a:gd name="connsiteY3" fmla="*/ 0 h 2308324"/>
+              <a:gd name="connsiteX4" fmla="*/ 1403936 w 1403936"/>
+              <a:gd name="connsiteY4" fmla="*/ 553998 h 2308324"/>
+              <a:gd name="connsiteX5" fmla="*/ 1403936 w 1403936"/>
+              <a:gd name="connsiteY5" fmla="*/ 1107996 h 2308324"/>
+              <a:gd name="connsiteX6" fmla="*/ 1403936 w 1403936"/>
+              <a:gd name="connsiteY6" fmla="*/ 1731243 h 2308324"/>
+              <a:gd name="connsiteX7" fmla="*/ 1403936 w 1403936"/>
+              <a:gd name="connsiteY7" fmla="*/ 2308324 h 2308324"/>
+              <a:gd name="connsiteX8" fmla="*/ 978075 w 1403936"/>
+              <a:gd name="connsiteY8" fmla="*/ 2308324 h 2308324"/>
+              <a:gd name="connsiteX9" fmla="*/ 482018 w 1403936"/>
+              <a:gd name="connsiteY9" fmla="*/ 2308324 h 2308324"/>
+              <a:gd name="connsiteX10" fmla="*/ 0 w 1403936"/>
+              <a:gd name="connsiteY10" fmla="*/ 2308324 h 2308324"/>
+              <a:gd name="connsiteX11" fmla="*/ 0 w 1403936"/>
+              <a:gd name="connsiteY11" fmla="*/ 1754326 h 2308324"/>
+              <a:gd name="connsiteX12" fmla="*/ 0 w 1403936"/>
+              <a:gd name="connsiteY12" fmla="*/ 1177245 h 2308324"/>
+              <a:gd name="connsiteX13" fmla="*/ 0 w 1403936"/>
+              <a:gd name="connsiteY13" fmla="*/ 577081 h 2308324"/>
+              <a:gd name="connsiteX14" fmla="*/ 0 w 1403936"/>
+              <a:gd name="connsiteY14" fmla="*/ 0 h 2308324"/>
+            </a:gdLst>
+            <a:ahLst/>
+            <a:cxnLst>
+              <a:cxn ang="0">
+                <a:pos x="connsiteX0" y="connsiteY0"/>
+              </a:cxn>
+              <a:cxn ang="0">
+                <a:pos x="connsiteX1" y="connsiteY1"/>
+              </a:cxn>
+              <a:cxn ang="0">
+                <a:pos x="connsiteX2" y="connsiteY2"/>
+              </a:cxn>
+              <a:cxn ang="0">
+                <a:pos x="connsiteX3" y="connsiteY3"/>
+              </a:cxn>
+              <a:cxn ang="0">
+                <a:pos x="connsiteX4" y="connsiteY4"/>
+              </a:cxn>
+              <a:cxn ang="0">
+                <a:pos x="connsiteX5" y="connsiteY5"/>
+              </a:cxn>
+              <a:cxn ang="0">
+                <a:pos x="connsiteX6" y="connsiteY6"/>
+              </a:cxn>
+              <a:cxn ang="0">
+                <a:pos x="connsiteX7" y="connsiteY7"/>
+              </a:cxn>
+              <a:cxn ang="0">
+                <a:pos x="connsiteX8" y="connsiteY8"/>
+              </a:cxn>
+              <a:cxn ang="0">
+                <a:pos x="connsiteX9" y="connsiteY9"/>
+              </a:cxn>
+              <a:cxn ang="0">
+                <a:pos x="connsiteX10" y="connsiteY10"/>
+              </a:cxn>
+              <a:cxn ang="0">
+                <a:pos x="connsiteX11" y="connsiteY11"/>
+              </a:cxn>
+              <a:cxn ang="0">
+                <a:pos x="connsiteX12" y="connsiteY12"/>
+              </a:cxn>
+              <a:cxn ang="0">
+                <a:pos x="connsiteX13" y="connsiteY13"/>
+              </a:cxn>
+              <a:cxn ang="0">
+                <a:pos x="connsiteX14" y="connsiteY14"/>
+              </a:cxn>
+            </a:cxnLst>
+            <a:rect l="l" t="t" r="r" b="b"/>
+            <a:pathLst>
+              <a:path w="1403936" h="2308324" extrusionOk="0">
+                <a:moveTo>
+                  <a:pt x="0" y="0"/>
+                </a:moveTo>
+                <a:cubicBezTo>
+                  <a:pt x="191792" y="-17292"/>
+                  <a:pt x="224307" y="-8472"/>
+                  <a:pt x="425861" y="0"/>
+                </a:cubicBezTo>
+                <a:cubicBezTo>
+                  <a:pt x="627415" y="8472"/>
+                  <a:pt x="782187" y="-1734"/>
+                  <a:pt x="907879" y="0"/>
+                </a:cubicBezTo>
+                <a:cubicBezTo>
+                  <a:pt x="1033571" y="1734"/>
+                  <a:pt x="1175548" y="-10205"/>
+                  <a:pt x="1403936" y="0"/>
+                </a:cubicBezTo>
+                <a:cubicBezTo>
+                  <a:pt x="1402329" y="238152"/>
+                  <a:pt x="1378321" y="440255"/>
+                  <a:pt x="1403936" y="553998"/>
+                </a:cubicBezTo>
+                <a:cubicBezTo>
+                  <a:pt x="1429551" y="667741"/>
+                  <a:pt x="1404946" y="893913"/>
+                  <a:pt x="1403936" y="1107996"/>
+                </a:cubicBezTo>
+                <a:cubicBezTo>
+                  <a:pt x="1402926" y="1322079"/>
+                  <a:pt x="1376954" y="1563319"/>
+                  <a:pt x="1403936" y="1731243"/>
+                </a:cubicBezTo>
+                <a:cubicBezTo>
+                  <a:pt x="1430918" y="1899167"/>
+                  <a:pt x="1432310" y="2139638"/>
+                  <a:pt x="1403936" y="2308324"/>
+                </a:cubicBezTo>
+                <a:cubicBezTo>
+                  <a:pt x="1310438" y="2310141"/>
+                  <a:pt x="1149753" y="2287695"/>
+                  <a:pt x="978075" y="2308324"/>
+                </a:cubicBezTo>
+                <a:cubicBezTo>
+                  <a:pt x="806397" y="2328953"/>
+                  <a:pt x="643246" y="2284540"/>
+                  <a:pt x="482018" y="2308324"/>
+                </a:cubicBezTo>
+                <a:cubicBezTo>
+                  <a:pt x="320790" y="2332108"/>
+                  <a:pt x="135528" y="2298198"/>
+                  <a:pt x="0" y="2308324"/>
+                </a:cubicBezTo>
+                <a:cubicBezTo>
+                  <a:pt x="26766" y="2183582"/>
+                  <a:pt x="3640" y="1886740"/>
+                  <a:pt x="0" y="1754326"/>
+                </a:cubicBezTo>
+                <a:cubicBezTo>
+                  <a:pt x="-3640" y="1621912"/>
+                  <a:pt x="-9968" y="1431986"/>
+                  <a:pt x="0" y="1177245"/>
+                </a:cubicBezTo>
+                <a:cubicBezTo>
+                  <a:pt x="9968" y="922504"/>
+                  <a:pt x="-8710" y="832303"/>
+                  <a:pt x="0" y="577081"/>
+                </a:cubicBezTo>
+                <a:cubicBezTo>
+                  <a:pt x="8710" y="321859"/>
+                  <a:pt x="5872" y="235415"/>
+                  <a:pt x="0" y="0"/>
+                </a:cubicBezTo>
+                <a:close/>
+              </a:path>
+            </a:pathLst>
+          </a:custGeom>
+          <a:noFill/>
+          <a:ln>
+            <a:solidFill>
+              <a:schemeClr val="tx1"/>
+            </a:solidFill>
+            <a:extLst>
+              <a:ext uri="{C807C97D-BFC1-408E-A445-0C87EB9F89A2}">
+                <ask:lineSketchStyleProps xmlns:ask="http://schemas.microsoft.com/office/drawing/2018/sketchyshapes" sd="2880501738">
+                  <a:prstGeom prst="rect">
+                    <a:avLst/>
+                  </a:prstGeom>
+                  <ask:type>
+                    <ask:lineSketchFreehand/>
+                  </ask:type>
+                </ask:lineSketchStyleProps>
+              </a:ext>
+            </a:extLst>
+          </a:ln>
+        </p:spPr>
+        <p:txBody>
+          <a:bodyPr wrap="square" rtlCol="0">
+            <a:spAutoFit/>
+          </a:bodyPr>
+          <a:lstStyle/>
+          <a:p>
+            <a:r>
+              <a:rPr lang="de-DE" altLang="zh-CN" sz="1200" b="1" spc="30" dirty="0">
+                <a:solidFill>
+                  <a:srgbClr val="0E0D0B"/>
+                </a:solidFill>
+                <a:latin typeface="Arial" panose="020B0604020202020204" pitchFamily="34" charset="0"/>
+                <a:ea typeface="Times New Roman"/>
+                <a:cs typeface="Arial" panose="020B0604020202020204" pitchFamily="34" charset="0"/>
+              </a:rPr>
+              <a:t>Legende</a:t>
             </a:r>
           </a:p>
           <a:p>
-            <a:pPr marL="171450" indent="-171450">
-              <a:buFont typeface="Arial" panose="020B0604020202020204" pitchFamily="34" charset="0"/>
-              <a:buChar char="•"/>
-            </a:pPr>
+            <a:endParaRPr lang="de-DE" altLang="zh-CN" sz="1200" spc="30" dirty="0">
+              <a:solidFill>
+                <a:srgbClr val="0E0D0B"/>
+              </a:solidFill>
+              <a:latin typeface="Arial" panose="020B0604020202020204" pitchFamily="34" charset="0"/>
+              <a:ea typeface="Times New Roman"/>
+              <a:cs typeface="Arial" panose="020B0604020202020204" pitchFamily="34" charset="0"/>
+            </a:endParaRPr>
+          </a:p>
+          <a:p>
             <a:r>
-              <a:rPr lang="de-DE" sz="1200" dirty="0">
-                <a:solidFill>
-                  <a:srgbClr val="000000"/>
-                </a:solidFill>
+              <a:rPr lang="de-DE" altLang="zh-CN" sz="1200" spc="30" dirty="0">
+                <a:solidFill>
+                  <a:srgbClr val="0E0D0B"/>
+                </a:solidFill>
+                <a:latin typeface="Arial" panose="020B0604020202020204" pitchFamily="34" charset="0"/>
+                <a:ea typeface="Times New Roman"/>
+                <a:cs typeface="Arial" panose="020B0604020202020204" pitchFamily="34" charset="0"/>
               </a:rPr>
-              <a:t>Parameter Spannung darf nur positiv sein</a:t>
+              <a:t>Bidirektionaler</a:t>
             </a:r>
           </a:p>
           <a:p>
-            <a:pPr marL="171450" indent="-171450">
-              <a:buFont typeface="Arial" panose="020B0604020202020204" pitchFamily="34" charset="0"/>
-              <a:buChar char="•"/>
-            </a:pPr>
             <a:r>
-              <a:rPr lang="de-DE" sz="1200" dirty="0">
-                <a:solidFill>
-                  <a:srgbClr val="000000"/>
-                </a:solidFill>
+              <a:rPr lang="de-DE" altLang="zh-CN" sz="1200" spc="30" dirty="0">
+                <a:solidFill>
+                  <a:srgbClr val="0E0D0B"/>
+                </a:solidFill>
+                <a:latin typeface="Arial" panose="020B0604020202020204" pitchFamily="34" charset="0"/>
+                <a:ea typeface="Times New Roman"/>
+                <a:cs typeface="Arial" panose="020B0604020202020204" pitchFamily="34" charset="0"/>
               </a:rPr>
-              <a:t>Parameter Richtung bestimmt Drehverhalten des Flaschenzugs</a:t>
+              <a:t>Konnektor</a:t>
             </a:r>
           </a:p>
           <a:p>
-            <a:pPr marL="573775" lvl="1" indent="-171450">
-              <a:buFont typeface="Courier New" panose="02070309020205020404" pitchFamily="49" charset="0"/>
-              <a:buChar char="o"/>
-            </a:pPr>
+            <a:endParaRPr lang="de-DE" altLang="zh-CN" sz="1200" spc="30" dirty="0">
+              <a:solidFill>
+                <a:srgbClr val="0E0D0B"/>
+              </a:solidFill>
+              <a:latin typeface="Arial" panose="020B0604020202020204" pitchFamily="34" charset="0"/>
+              <a:ea typeface="Times New Roman"/>
+              <a:cs typeface="Arial" panose="020B0604020202020204" pitchFamily="34" charset="0"/>
+            </a:endParaRPr>
+          </a:p>
+          <a:p>
+            <a:endParaRPr lang="de-DE" altLang="zh-CN" sz="1200" spc="30" dirty="0">
+              <a:solidFill>
+                <a:srgbClr val="0E0D0B"/>
+              </a:solidFill>
+              <a:latin typeface="Arial" panose="020B0604020202020204" pitchFamily="34" charset="0"/>
+              <a:ea typeface="Times New Roman"/>
+              <a:cs typeface="Arial" panose="020B0604020202020204" pitchFamily="34" charset="0"/>
+            </a:endParaRPr>
+          </a:p>
+          <a:p>
             <a:r>
-              <a:rPr lang="de-DE" sz="1200" dirty="0">
-                <a:solidFill>
-                  <a:srgbClr val="000000"/>
-                </a:solidFill>
+              <a:rPr lang="de-DE" altLang="zh-CN" sz="1200" spc="30" dirty="0">
+                <a:solidFill>
+                  <a:srgbClr val="0E0D0B"/>
+                </a:solidFill>
+                <a:latin typeface="Arial" panose="020B0604020202020204" pitchFamily="34" charset="0"/>
+                <a:ea typeface="Times New Roman"/>
+                <a:cs typeface="Arial" panose="020B0604020202020204" pitchFamily="34" charset="0"/>
               </a:rPr>
-              <a:t>Richtung (True) </a:t>
-            </a:r>
-            <a:r>
-              <a:rPr lang="de-DE" sz="1200" dirty="0">
-                <a:solidFill>
-                  <a:srgbClr val="000000"/>
-                </a:solidFill>
-                <a:sym typeface="Wingdings" panose="05000000000000000000" pitchFamily="2" charset="2"/>
-              </a:rPr>
-              <a:t> Masse wird angehoben</a:t>
+              <a:t>Anheben der</a:t>
             </a:r>
           </a:p>
           <a:p>
-            <a:pPr marL="573775" lvl="1" indent="-171450">
-              <a:buFont typeface="Courier New" panose="02070309020205020404" pitchFamily="49" charset="0"/>
-              <a:buChar char="o"/>
-            </a:pPr>
             <a:r>
-              <a:rPr lang="de-DE" sz="1200" dirty="0">
-                <a:solidFill>
-                  <a:srgbClr val="000000"/>
-                </a:solidFill>
-                <a:sym typeface="Wingdings" panose="05000000000000000000" pitchFamily="2" charset="2"/>
+              <a:rPr lang="de-DE" altLang="zh-CN" sz="1200" spc="30" dirty="0">
+                <a:solidFill>
+                  <a:srgbClr val="0E0D0B"/>
+                </a:solidFill>
+                <a:latin typeface="Arial" panose="020B0604020202020204" pitchFamily="34" charset="0"/>
+                <a:ea typeface="Times New Roman"/>
+                <a:cs typeface="Arial" panose="020B0604020202020204" pitchFamily="34" charset="0"/>
               </a:rPr>
-              <a:t>Richtung (</a:t>
+              <a:t>Masse</a:t>
             </a:r>
+          </a:p>
+          <a:p>
+            <a:endParaRPr lang="de-DE" altLang="zh-CN" sz="1200" spc="30" dirty="0">
+              <a:solidFill>
+                <a:srgbClr val="0E0D0B"/>
+              </a:solidFill>
+              <a:latin typeface="Arial" panose="020B0604020202020204" pitchFamily="34" charset="0"/>
+              <a:ea typeface="Times New Roman"/>
+              <a:cs typeface="Arial" panose="020B0604020202020204" pitchFamily="34" charset="0"/>
+            </a:endParaRPr>
+          </a:p>
+          <a:p>
+            <a:endParaRPr lang="de-DE" altLang="zh-CN" sz="1200" spc="30" dirty="0">
+              <a:solidFill>
+                <a:srgbClr val="0E0D0B"/>
+              </a:solidFill>
+              <a:latin typeface="Arial" panose="020B0604020202020204" pitchFamily="34" charset="0"/>
+              <a:ea typeface="Times New Roman"/>
+              <a:cs typeface="Arial" panose="020B0604020202020204" pitchFamily="34" charset="0"/>
+            </a:endParaRPr>
+          </a:p>
+          <a:p>
             <a:r>
-              <a:rPr lang="en-US" sz="1200" dirty="0">
-                <a:solidFill>
-                  <a:srgbClr val="000000"/>
-                </a:solidFill>
-                <a:sym typeface="Wingdings" panose="05000000000000000000" pitchFamily="2" charset="2"/>
+              <a:rPr lang="de-DE" altLang="zh-CN" sz="1200" spc="30" dirty="0">
+                <a:solidFill>
+                  <a:srgbClr val="0E0D0B"/>
+                </a:solidFill>
+                <a:latin typeface="Arial" panose="020B0604020202020204" pitchFamily="34" charset="0"/>
+                <a:ea typeface="Times New Roman"/>
+                <a:cs typeface="Arial" panose="020B0604020202020204" pitchFamily="34" charset="0"/>
               </a:rPr>
-              <a:t>False</a:t>
+              <a:t>Senken der</a:t>
             </a:r>
+          </a:p>
+          <a:p>
             <a:r>
-              <a:rPr lang="de-DE" sz="1200" dirty="0">
-                <a:solidFill>
-                  <a:srgbClr val="000000"/>
-                </a:solidFill>
-                <a:sym typeface="Wingdings" panose="05000000000000000000" pitchFamily="2" charset="2"/>
+              <a:rPr lang="de-DE" altLang="zh-CN" sz="1200" spc="30" dirty="0">
+                <a:solidFill>
+                  <a:srgbClr val="0E0D0B"/>
+                </a:solidFill>
+                <a:latin typeface="Arial" panose="020B0604020202020204" pitchFamily="34" charset="0"/>
+                <a:ea typeface="Times New Roman"/>
+                <a:cs typeface="Arial" panose="020B0604020202020204" pitchFamily="34" charset="0"/>
               </a:rPr>
-              <a:t>)  Masse wird gesenkt</a:t>
+              <a:t>Masse</a:t>
             </a:r>
-            <a:endParaRPr lang="de-DE" sz="1200" dirty="0">
-              <a:solidFill>
-                <a:srgbClr val="000000"/>
-              </a:solidFill>
-            </a:endParaRPr>
           </a:p>
         </p:txBody>
       </p:sp>
+      <p:cxnSp>
+        <p:nvCxnSpPr>
+          <p:cNvPr id="74" name="Gerade Verbindung mit Pfeil 73">
+            <a:extLst>
+              <a:ext uri="{FF2B5EF4-FFF2-40B4-BE49-F238E27FC236}">
+                <a16:creationId xmlns:a16="http://schemas.microsoft.com/office/drawing/2014/main" id="{3BFA9F4F-4664-465E-B4E9-EF736D9D9D20}"/>
+              </a:ext>
+            </a:extLst>
+          </p:cNvPr>
+          <p:cNvCxnSpPr/>
+          <p:nvPr/>
+        </p:nvCxnSpPr>
+        <p:spPr>
+          <a:xfrm>
+            <a:off x="9434084" y="2602356"/>
+            <a:ext cx="0" cy="326834"/>
+          </a:xfrm>
+          <a:prstGeom prst="straightConnector1">
+            <a:avLst/>
+          </a:prstGeom>
+          <a:ln w="38100">
+            <a:solidFill>
+              <a:srgbClr val="000000"/>
+            </a:solidFill>
+            <a:tailEnd type="triangle"/>
+          </a:ln>
+        </p:spPr>
+        <p:style>
+          <a:lnRef idx="1">
+            <a:schemeClr val="accent1"/>
+          </a:lnRef>
+          <a:fillRef idx="0">
+            <a:schemeClr val="accent1"/>
+          </a:fillRef>
+          <a:effectRef idx="0">
+            <a:schemeClr val="accent1"/>
+          </a:effectRef>
+          <a:fontRef idx="minor">
+            <a:schemeClr val="tx1"/>
+          </a:fontRef>
+        </p:style>
+      </p:cxnSp>
+      <p:cxnSp>
+        <p:nvCxnSpPr>
+          <p:cNvPr id="75" name="Gerade Verbindung mit Pfeil 74">
+            <a:extLst>
+              <a:ext uri="{FF2B5EF4-FFF2-40B4-BE49-F238E27FC236}">
+                <a16:creationId xmlns:a16="http://schemas.microsoft.com/office/drawing/2014/main" id="{C20D30E5-EA94-4FE5-A903-11C4DBF99415}"/>
+              </a:ext>
+            </a:extLst>
+          </p:cNvPr>
+          <p:cNvCxnSpPr>
+            <a:cxnSpLocks/>
+          </p:cNvCxnSpPr>
+          <p:nvPr/>
+        </p:nvCxnSpPr>
+        <p:spPr>
+          <a:xfrm flipV="1">
+            <a:off x="9428859" y="3325377"/>
+            <a:ext cx="0" cy="316687"/>
+          </a:xfrm>
+          <a:prstGeom prst="straightConnector1">
+            <a:avLst/>
+          </a:prstGeom>
+          <a:ln w="38100">
+            <a:solidFill>
+              <a:srgbClr val="000000"/>
+            </a:solidFill>
+            <a:tailEnd type="triangle"/>
+          </a:ln>
+        </p:spPr>
+        <p:style>
+          <a:lnRef idx="1">
+            <a:schemeClr val="accent1"/>
+          </a:lnRef>
+          <a:fillRef idx="0">
+            <a:schemeClr val="accent1"/>
+          </a:fillRef>
+          <a:effectRef idx="0">
+            <a:schemeClr val="accent1"/>
+          </a:effectRef>
+          <a:fontRef idx="minor">
+            <a:schemeClr val="tx1"/>
+          </a:fontRef>
+        </p:style>
+      </p:cxnSp>
     </p:spTree>
     <p:extLst>
       <p:ext uri="{BB962C8B-B14F-4D97-AF65-F5344CB8AC3E}">
@@ -3732,7 +4247,7 @@
           <p:cNvPr id="2" name="Titel 1">
             <a:extLst>
               <a:ext uri="{FF2B5EF4-FFF2-40B4-BE49-F238E27FC236}">
-                <a16:creationId xmlns:a16="http://schemas.microsoft.com/office/drawing/2014/main" id="{24569F02-7F7E-430C-BC2E-0365C034A785}"/>
+                <a16:creationId xmlns:a16="http://schemas.microsoft.com/office/drawing/2014/main" id="{80D07F2C-64C5-4A46-9F91-81C3094052AA}"/>
               </a:ext>
             </a:extLst>
           </p:cNvPr>
@@ -3754,445 +4269,803 @@
           <a:lstStyle/>
           <a:p>
             <a:r>
-              <a:rPr lang="de-DE" dirty="0"/>
-              <a:t>Funktionalitäten der Flaschenzug-Bibliothek</a:t>
+              <a:rPr lang="de-DE" b="1" dirty="0"/>
+              <a:t>Funktionalitäten der Komponenten</a:t>
             </a:r>
           </a:p>
         </p:txBody>
       </p:sp>
-      <p:sp>
-        <p:nvSpPr>
-          <p:cNvPr id="6" name="Rechteck 5">
+      <p:graphicFrame>
+        <p:nvGraphicFramePr>
+          <p:cNvPr id="5" name="Tabelle 3">
             <a:extLst>
               <a:ext uri="{FF2B5EF4-FFF2-40B4-BE49-F238E27FC236}">
-                <a16:creationId xmlns:a16="http://schemas.microsoft.com/office/drawing/2014/main" id="{0B354552-6E6E-4BC1-9607-991E85C4DA30}"/>
+                <a16:creationId xmlns:a16="http://schemas.microsoft.com/office/drawing/2014/main" id="{84B86826-D170-4BEC-A54A-200A262ADB5C}"/>
               </a:ext>
             </a:extLst>
           </p:cNvPr>
-          <p:cNvSpPr/>
-          <p:nvPr/>
-        </p:nvSpPr>
-        <p:spPr>
-          <a:xfrm>
-            <a:off x="1085849" y="4213894"/>
-            <a:ext cx="4953000" cy="1384995"/>
-          </a:xfrm>
-          <a:prstGeom prst="rect">
-            <a:avLst/>
-          </a:prstGeom>
-        </p:spPr>
-        <p:txBody>
-          <a:bodyPr>
-            <a:spAutoFit/>
-          </a:bodyPr>
-          <a:lstStyle/>
-          <a:p>
-            <a:r>
-              <a:rPr lang="de-DE" sz="1200" b="1" dirty="0">
-                <a:solidFill>
-                  <a:srgbClr val="000000"/>
-                </a:solidFill>
-              </a:rPr>
-              <a:t>Seilrolle</a:t>
-            </a:r>
-          </a:p>
-          <a:p>
-            <a:pPr marL="171450" indent="-171450">
-              <a:buFont typeface="Arial" panose="020B0604020202020204" pitchFamily="34" charset="0"/>
-              <a:buChar char="•"/>
-            </a:pPr>
-            <a:r>
-              <a:rPr lang="de-DE" sz="1200" dirty="0">
-                <a:solidFill>
-                  <a:srgbClr val="000000"/>
-                </a:solidFill>
-              </a:rPr>
-              <a:t>Seilrollenradius beträgt standardgemäß 0,5m</a:t>
-            </a:r>
-          </a:p>
-          <a:p>
-            <a:pPr marL="171450" indent="-171450">
-              <a:buFont typeface="Arial" panose="020B0604020202020204" pitchFamily="34" charset="0"/>
-              <a:buChar char="•"/>
-            </a:pPr>
-            <a:r>
-              <a:rPr lang="de-DE" sz="1200" dirty="0">
-                <a:solidFill>
-                  <a:srgbClr val="000000"/>
-                </a:solidFill>
-              </a:rPr>
-              <a:t>Mit der nebenstehenden Berechnung kann mit dem Winkel die Strecke berechnet werden, bzw. andersrum.</a:t>
-            </a:r>
-          </a:p>
-          <a:p>
-            <a:pPr marL="171450" indent="-171450">
-              <a:buFont typeface="Arial" panose="020B0604020202020204" pitchFamily="34" charset="0"/>
-              <a:buChar char="•"/>
-            </a:pPr>
-            <a:r>
-              <a:rPr lang="de-DE" sz="1200" dirty="0">
-                <a:solidFill>
-                  <a:srgbClr val="000000"/>
-                </a:solidFill>
-              </a:rPr>
-              <a:t>Ableitung der Potenzialgrößen führt zur Geschwindigkeit</a:t>
-            </a:r>
-          </a:p>
-          <a:p>
-            <a:pPr marL="171450" indent="-171450">
-              <a:buFont typeface="Arial" panose="020B0604020202020204" pitchFamily="34" charset="0"/>
-              <a:buChar char="•"/>
-            </a:pPr>
-            <a:r>
-              <a:rPr lang="de-DE" sz="1200" dirty="0">
-                <a:solidFill>
-                  <a:srgbClr val="000000"/>
-                </a:solidFill>
-              </a:rPr>
-              <a:t>Mit dem gegebenem Rollenradius kann die Geschwindigkeit in die Winkelgeschwindigkeit umgerechnet werden</a:t>
-            </a:r>
-          </a:p>
-        </p:txBody>
-      </p:sp>
-      <mc:AlternateContent xmlns:mc="http://schemas.openxmlformats.org/markup-compatibility/2006">
-        <mc:Choice xmlns:a14="http://schemas.microsoft.com/office/drawing/2010/main" Requires="a14">
-          <p:sp>
-            <p:nvSpPr>
-              <p:cNvPr id="8" name="Rechteck 7">
+          <p:cNvGraphicFramePr>
+            <a:graphicFrameLocks noGrp="1"/>
+          </p:cNvGraphicFramePr>
+          <p:nvPr>
+            <p:extLst>
+              <p:ext uri="{D42A27DB-BD31-4B8C-83A1-F6EECF244321}">
+                <p14:modId xmlns:p14="http://schemas.microsoft.com/office/powerpoint/2010/main" val="816483533"/>
+              </p:ext>
+            </p:extLst>
+          </p:nvPr>
+        </p:nvGraphicFramePr>
+        <p:xfrm>
+          <a:off x="720000" y="899266"/>
+          <a:ext cx="8014817" cy="4523318"/>
+        </p:xfrm>
+        <a:graphic>
+          <a:graphicData uri="http://schemas.openxmlformats.org/drawingml/2006/table">
+            <a:tbl>
+              <a:tblPr firstRow="1" bandRow="1">
+                <a:tableStyleId>{5C22544A-7EE6-4342-B048-85BDC9FD1C3A}</a:tableStyleId>
+              </a:tblPr>
+              <a:tblGrid>
+                <a:gridCol w="2107374">
+                  <a:extLst>
+                    <a:ext uri="{9D8B030D-6E8A-4147-A177-3AD203B41FA5}">
+                      <a16:colId xmlns:a16="http://schemas.microsoft.com/office/drawing/2014/main" val="1354563449"/>
+                    </a:ext>
+                  </a:extLst>
+                </a:gridCol>
+                <a:gridCol w="3495236">
+                  <a:extLst>
+                    <a:ext uri="{9D8B030D-6E8A-4147-A177-3AD203B41FA5}">
+                      <a16:colId xmlns:a16="http://schemas.microsoft.com/office/drawing/2014/main" val="2200538700"/>
+                    </a:ext>
+                  </a:extLst>
+                </a:gridCol>
+                <a:gridCol w="2412207">
+                  <a:extLst>
+                    <a:ext uri="{9D8B030D-6E8A-4147-A177-3AD203B41FA5}">
+                      <a16:colId xmlns:a16="http://schemas.microsoft.com/office/drawing/2014/main" val="362572319"/>
+                    </a:ext>
+                  </a:extLst>
+                </a:gridCol>
+              </a:tblGrid>
+              <a:tr h="367921">
+                <a:tc>
+                  <a:txBody>
+                    <a:bodyPr/>
+                    <a:lstStyle/>
+                    <a:p>
+                      <a:pPr marL="0" algn="l" defTabSz="914400" rtl="0" eaLnBrk="1" latinLnBrk="0" hangingPunct="1"/>
+                      <a:endParaRPr lang="de-DE" sz="1600" b="1" kern="1200" dirty="0">
+                        <a:solidFill>
+                          <a:schemeClr val="bg1"/>
+                        </a:solidFill>
+                        <a:latin typeface="+mn-lt"/>
+                        <a:ea typeface="+mn-ea"/>
+                        <a:cs typeface="+mn-cs"/>
+                      </a:endParaRPr>
+                    </a:p>
+                  </a:txBody>
+                  <a:tcPr anchor="ctr"/>
+                </a:tc>
+                <a:tc>
+                  <a:txBody>
+                    <a:bodyPr/>
+                    <a:lstStyle/>
+                    <a:p>
+                      <a:r>
+                        <a:rPr lang="de-DE" sz="1600" b="1" dirty="0">
+                          <a:solidFill>
+                            <a:schemeClr val="bg1"/>
+                          </a:solidFill>
+                        </a:rPr>
+                        <a:t>Funktionalität</a:t>
+                      </a:r>
+                    </a:p>
+                  </a:txBody>
+                  <a:tcPr anchor="ctr"/>
+                </a:tc>
+                <a:tc>
+                  <a:txBody>
+                    <a:bodyPr/>
+                    <a:lstStyle/>
+                    <a:p>
+                      <a:r>
+                        <a:rPr lang="de-DE" sz="1600" b="1" dirty="0">
+                          <a:solidFill>
+                            <a:schemeClr val="bg1"/>
+                          </a:solidFill>
+                        </a:rPr>
+                        <a:t>Voraussetzungen</a:t>
+                      </a:r>
+                    </a:p>
+                  </a:txBody>
+                  <a:tcPr anchor="ctr"/>
+                </a:tc>
                 <a:extLst>
-                  <a:ext uri="{FF2B5EF4-FFF2-40B4-BE49-F238E27FC236}">
-                    <a16:creationId xmlns:a16="http://schemas.microsoft.com/office/drawing/2014/main" id="{085E753D-66AC-4FA6-8E94-121C0137DC95}"/>
+                  <a:ext uri="{0D108BD9-81ED-4DB2-BD59-A6C34878D82A}">
+                    <a16:rowId xmlns:a16="http://schemas.microsoft.com/office/drawing/2014/main" val="1695366984"/>
                   </a:ext>
                 </a:extLst>
-              </p:cNvPr>
-              <p:cNvSpPr/>
-              <p:nvPr/>
-            </p:nvSpPr>
-            <p:spPr>
-              <a:xfrm>
-                <a:off x="1196945" y="2564095"/>
-                <a:ext cx="3745846" cy="1618007"/>
-              </a:xfrm>
-              <a:prstGeom prst="rect">
-                <a:avLst/>
-              </a:prstGeom>
-            </p:spPr>
-            <p:txBody>
-              <a:bodyPr wrap="square">
-                <a:spAutoFit/>
-              </a:bodyPr>
-              <a:lstStyle/>
-              <a:p>
-                <a:r>
-                  <a:rPr lang="de-DE" sz="1400" b="1" dirty="0">
+              </a:tr>
+              <a:tr h="0">
+                <a:tc>
+                  <a:txBody>
+                    <a:bodyPr/>
+                    <a:lstStyle/>
+                    <a:p>
+                      <a:pPr marL="0" algn="l" defTabSz="914400" rtl="0" eaLnBrk="1" latinLnBrk="0" hangingPunct="1"/>
+                      <a:r>
+                        <a:rPr lang="de-DE" sz="1600" b="1" kern="1200" dirty="0">
+                          <a:solidFill>
+                            <a:schemeClr val="bg1"/>
+                          </a:solidFill>
+                          <a:latin typeface="+mn-lt"/>
+                          <a:ea typeface="+mn-ea"/>
+                          <a:cs typeface="+mn-cs"/>
+                        </a:rPr>
+                        <a:t>Spannungsquelle</a:t>
+                      </a:r>
+                    </a:p>
+                  </a:txBody>
+                  <a:tcPr>
                     <a:solidFill>
-                      <a:srgbClr val="000000"/>
+                      <a:srgbClr val="5B9BD5"/>
                     </a:solidFill>
-                  </a:rPr>
-                  <a:t>Masse</a:t>
-                </a:r>
-              </a:p>
-              <a:p>
-                <a:pPr marL="171450" indent="-171450">
-                  <a:buFont typeface="Arial" panose="020B0604020202020204" pitchFamily="34" charset="0"/>
-                  <a:buChar char="•"/>
-                </a:pPr>
-                <a:r>
-                  <a:rPr lang="de-DE" sz="1200" dirty="0">
+                  </a:tcPr>
+                </a:tc>
+                <a:tc>
+                  <a:txBody>
+                    <a:bodyPr/>
+                    <a:lstStyle/>
+                    <a:p>
+                      <a:r>
+                        <a:rPr lang="de-DE" sz="1200" b="1" dirty="0">
+                          <a:solidFill>
+                            <a:srgbClr val="000000"/>
+                          </a:solidFill>
+                        </a:rPr>
+                        <a:t>Drehrichtung</a:t>
+                      </a:r>
+                    </a:p>
+                    <a:p>
+                      <a:pPr marL="171450" indent="-171450">
+                        <a:buFont typeface="Arial" panose="020B0604020202020204" pitchFamily="34" charset="0"/>
+                        <a:buChar char="•"/>
+                      </a:pPr>
+                      <a:r>
+                        <a:rPr lang="de-DE" sz="1200" dirty="0">
+                          <a:solidFill>
+                            <a:srgbClr val="000000"/>
+                          </a:solidFill>
+                        </a:rPr>
+                        <a:t>Positive Richtung (True) </a:t>
+                      </a:r>
+                      <a:r>
+                        <a:rPr lang="de-DE" sz="1200" dirty="0">
+                          <a:solidFill>
+                            <a:srgbClr val="000000"/>
+                          </a:solidFill>
+                          <a:sym typeface="Wingdings" panose="05000000000000000000" pitchFamily="2" charset="2"/>
+                        </a:rPr>
+                        <a:t> Masse wird angehoben</a:t>
+                      </a:r>
+                    </a:p>
+                    <a:p>
+                      <a:pPr marL="171450" indent="-171450">
+                        <a:buFont typeface="Arial" panose="020B0604020202020204" pitchFamily="34" charset="0"/>
+                        <a:buChar char="•"/>
+                      </a:pPr>
+                      <a:r>
+                        <a:rPr lang="de-DE" sz="1200" dirty="0">
+                          <a:solidFill>
+                            <a:srgbClr val="000000"/>
+                          </a:solidFill>
+                          <a:sym typeface="Wingdings" panose="05000000000000000000" pitchFamily="2" charset="2"/>
+                        </a:rPr>
+                        <a:t>Negative Richtung (</a:t>
+                      </a:r>
+                      <a:r>
+                        <a:rPr lang="en-US" sz="1200" dirty="0">
+                          <a:solidFill>
+                            <a:srgbClr val="000000"/>
+                          </a:solidFill>
+                          <a:sym typeface="Wingdings" panose="05000000000000000000" pitchFamily="2" charset="2"/>
+                        </a:rPr>
+                        <a:t>False</a:t>
+                      </a:r>
+                      <a:r>
+                        <a:rPr lang="de-DE" sz="1200" dirty="0">
+                          <a:solidFill>
+                            <a:srgbClr val="000000"/>
+                          </a:solidFill>
+                          <a:sym typeface="Wingdings" panose="05000000000000000000" pitchFamily="2" charset="2"/>
+                        </a:rPr>
+                        <a:t>)  Masse wird gesenkt</a:t>
+                      </a:r>
+                      <a:endParaRPr lang="de-DE" sz="1200" dirty="0">
+                        <a:solidFill>
+                          <a:srgbClr val="000000"/>
+                        </a:solidFill>
+                      </a:endParaRPr>
+                    </a:p>
+                  </a:txBody>
+                  <a:tcPr>
                     <a:solidFill>
-                      <a:srgbClr val="000000"/>
+                      <a:srgbClr val="EAEFF7"/>
                     </a:solidFill>
-                  </a:rPr>
-                  <a:t>Nur pos. Werte für die Masse zulässig</a:t>
-                </a:r>
-              </a:p>
-              <a:p>
-                <a:pPr marL="171450" indent="-171450">
-                  <a:buFont typeface="Arial" panose="020B0604020202020204" pitchFamily="34" charset="0"/>
-                  <a:buChar char="•"/>
-                </a:pPr>
-                <a:r>
-                  <a:rPr lang="de-DE" sz="1200" dirty="0">
+                  </a:tcPr>
+                </a:tc>
+                <a:tc>
+                  <a:txBody>
+                    <a:bodyPr/>
+                    <a:lstStyle/>
+                    <a:p>
+                      <a:pPr marL="171450" marR="0" lvl="0" indent="-171450" algn="l" defTabSz="914400" rtl="0" eaLnBrk="1" fontAlgn="auto" latinLnBrk="0" hangingPunct="1">
+                        <a:lnSpc>
+                          <a:spcPct val="100000"/>
+                        </a:lnSpc>
+                        <a:spcBef>
+                          <a:spcPts val="0"/>
+                        </a:spcBef>
+                        <a:spcAft>
+                          <a:spcPts val="0"/>
+                        </a:spcAft>
+                        <a:buClrTx/>
+                        <a:buSzTx/>
+                        <a:buFont typeface="Arial" panose="020B0604020202020204" pitchFamily="34" charset="0"/>
+                        <a:buChar char="•"/>
+                        <a:tabLst/>
+                        <a:defRPr/>
+                      </a:pPr>
+                      <a:r>
+                        <a:rPr lang="de-DE" sz="1200" kern="1200" dirty="0">
+                          <a:solidFill>
+                            <a:srgbClr val="000000"/>
+                          </a:solidFill>
+                          <a:latin typeface="+mn-lt"/>
+                          <a:ea typeface="+mn-ea"/>
+                          <a:cs typeface="+mn-cs"/>
+                        </a:rPr>
+                        <a:t>Spannungs-Parameter darf nur positiv sein</a:t>
+                      </a:r>
+                    </a:p>
+                    <a:p>
+                      <a:endParaRPr lang="de-DE" dirty="0"/>
+                    </a:p>
+                  </a:txBody>
+                  <a:tcPr>
                     <a:solidFill>
-                      <a:srgbClr val="000000"/>
+                      <a:srgbClr val="EAEFF7"/>
                     </a:solidFill>
-                  </a:rPr>
-                  <a:t>Bei hohen Massen muss ggf. Rollenanzahl erhöht werden</a:t>
-                </a:r>
-              </a:p>
-              <a:p>
-                <a:pPr marL="171450" indent="-171450">
-                  <a:buFont typeface="Arial" panose="020B0604020202020204" pitchFamily="34" charset="0"/>
-                  <a:buChar char="•"/>
-                </a:pPr>
-                <a14:m>
-                  <m:oMath xmlns:m="http://schemas.openxmlformats.org/officeDocument/2006/math">
-                    <m:sSub>
-                      <m:sSubPr>
-                        <m:ctrlPr>
-                          <a:rPr lang="de-DE" sz="1200">
-                            <a:solidFill>
-                              <a:srgbClr val="000000"/>
-                            </a:solidFill>
-                          </a:rPr>
-                        </m:ctrlPr>
-                      </m:sSubPr>
-                      <m:e>
-                        <m:r>
-                          <a:rPr lang="de-DE" sz="1200">
-                            <a:solidFill>
-                              <a:srgbClr val="000000"/>
-                            </a:solidFill>
-                          </a:rPr>
-                          <m:t>𝐹</m:t>
-                        </m:r>
-                      </m:e>
-                      <m:sub>
-                        <m:r>
-                          <a:rPr lang="de-DE" sz="1200">
-                            <a:solidFill>
-                              <a:srgbClr val="000000"/>
-                            </a:solidFill>
-                          </a:rPr>
-                          <m:t>𝑔</m:t>
-                        </m:r>
-                      </m:sub>
-                    </m:sSub>
-                  </m:oMath>
-                </a14:m>
-                <a:r>
-                  <a:rPr lang="de-DE" sz="1200" dirty="0">
-                    <a:solidFill>
-                      <a:srgbClr val="000000"/>
-                    </a:solidFill>
-                  </a:rPr>
-                  <a:t> ist die Gewichtskraft und abhängig von der Masse</a:t>
-                </a:r>
-              </a:p>
-              <a:p>
-                <a:pPr marL="171450" indent="-171450">
-                  <a:buFont typeface="Arial" panose="020B0604020202020204" pitchFamily="34" charset="0"/>
-                  <a:buChar char="•"/>
-                </a:pPr>
-                <a:r>
-                  <a:rPr lang="de-DE" sz="1200" dirty="0">
-                    <a:solidFill>
-                      <a:srgbClr val="000000"/>
-                    </a:solidFill>
-                  </a:rPr>
-                  <a:t>Kräfte in Richtung Erde sind positiv definiert </a:t>
-                </a:r>
-                <a:r>
-                  <a:rPr lang="de-DE" sz="1200" dirty="0">
-                    <a:solidFill>
-                      <a:srgbClr val="000000"/>
-                    </a:solidFill>
-                    <a:sym typeface="Wingdings" panose="05000000000000000000" pitchFamily="2" charset="2"/>
-                  </a:rPr>
-                  <a:t> Kraft am Konnektor wirkt negativ</a:t>
-                </a:r>
-                <a:endParaRPr lang="de-DE" sz="1200" dirty="0">
-                  <a:solidFill>
-                    <a:srgbClr val="000000"/>
-                  </a:solidFill>
-                </a:endParaRPr>
-              </a:p>
-            </p:txBody>
-          </p:sp>
-        </mc:Choice>
-        <mc:Fallback>
-          <p:sp>
-            <p:nvSpPr>
-              <p:cNvPr id="8" name="Rechteck 7">
+                  </a:tcPr>
+                </a:tc>
                 <a:extLst>
-                  <a:ext uri="{FF2B5EF4-FFF2-40B4-BE49-F238E27FC236}">
-                    <a16:creationId xmlns:a16="http://schemas.microsoft.com/office/drawing/2014/main" id="{085E753D-66AC-4FA6-8E94-121C0137DC95}"/>
+                  <a:ext uri="{0D108BD9-81ED-4DB2-BD59-A6C34878D82A}">
+                    <a16:rowId xmlns:a16="http://schemas.microsoft.com/office/drawing/2014/main" val="3717759356"/>
                   </a:ext>
                 </a:extLst>
-              </p:cNvPr>
-              <p:cNvSpPr>
-                <a:spLocks noRot="1" noChangeAspect="1" noMove="1" noResize="1" noEditPoints="1" noAdjustHandles="1" noChangeArrowheads="1" noChangeShapeType="1" noTextEdit="1"/>
-              </p:cNvSpPr>
-              <p:nvPr/>
-            </p:nvSpPr>
-            <p:spPr>
-              <a:xfrm>
-                <a:off x="1196945" y="2564095"/>
-                <a:ext cx="3745846" cy="1618007"/>
-              </a:xfrm>
-              <a:prstGeom prst="rect">
-                <a:avLst/>
-              </a:prstGeom>
-              <a:blipFill>
-                <a:blip r:embed="rId2"/>
-                <a:stretch>
-                  <a:fillRect l="-488" t="-755" b="-1887"/>
-                </a:stretch>
-              </a:blipFill>
-            </p:spPr>
-            <p:txBody>
-              <a:bodyPr/>
-              <a:lstStyle/>
-              <a:p>
-                <a:r>
-                  <a:rPr lang="de-DE">
-                    <a:noFill/>
-                  </a:rPr>
-                  <a:t> </a:t>
-                </a:r>
-              </a:p>
-            </p:txBody>
-          </p:sp>
-        </mc:Fallback>
-      </mc:AlternateContent>
-      <p:sp>
-        <p:nvSpPr>
-          <p:cNvPr id="11" name="Textfeld 10">
-            <a:extLst>
-              <a:ext uri="{FF2B5EF4-FFF2-40B4-BE49-F238E27FC236}">
-                <a16:creationId xmlns:a16="http://schemas.microsoft.com/office/drawing/2014/main" id="{2BE236B8-1794-4866-A09B-C31D9ACEC399}"/>
-              </a:ext>
-            </a:extLst>
-          </p:cNvPr>
-          <p:cNvSpPr txBox="1"/>
-          <p:nvPr/>
-        </p:nvSpPr>
-        <p:spPr>
-          <a:xfrm>
-            <a:off x="1085849" y="840546"/>
-            <a:ext cx="3856941" cy="307777"/>
-          </a:xfrm>
-          <a:prstGeom prst="rect">
-            <a:avLst/>
-          </a:prstGeom>
-          <a:noFill/>
-        </p:spPr>
-        <p:txBody>
-          <a:bodyPr wrap="square" rtlCol="0">
-            <a:spAutoFit/>
-          </a:bodyPr>
-          <a:lstStyle/>
-          <a:p>
-            <a:r>
-              <a:rPr lang="de-DE" sz="1400" b="1" dirty="0">
-                <a:solidFill>
-                  <a:srgbClr val="000000"/>
-                </a:solidFill>
-              </a:rPr>
-              <a:t>Variabel parametrierbare Komponenten</a:t>
-            </a:r>
-          </a:p>
-        </p:txBody>
-      </p:sp>
-      <p:sp>
-        <p:nvSpPr>
-          <p:cNvPr id="12" name="Textfeld 11">
-            <a:extLst>
-              <a:ext uri="{FF2B5EF4-FFF2-40B4-BE49-F238E27FC236}">
-                <a16:creationId xmlns:a16="http://schemas.microsoft.com/office/drawing/2014/main" id="{E3F1DCFB-5DC9-4E5A-9367-327B0FFABF48}"/>
-              </a:ext>
-            </a:extLst>
-          </p:cNvPr>
-          <p:cNvSpPr txBox="1"/>
-          <p:nvPr/>
-        </p:nvSpPr>
-        <p:spPr>
-          <a:xfrm>
-            <a:off x="1196944" y="1148323"/>
-            <a:ext cx="3856941" cy="1415772"/>
-          </a:xfrm>
-          <a:prstGeom prst="rect">
-            <a:avLst/>
-          </a:prstGeom>
-          <a:noFill/>
-        </p:spPr>
-        <p:txBody>
-          <a:bodyPr wrap="square" rtlCol="0">
-            <a:spAutoFit/>
-          </a:bodyPr>
-          <a:lstStyle/>
-          <a:p>
-            <a:r>
-              <a:rPr lang="de-DE" sz="1400" b="1" dirty="0">
-                <a:solidFill>
-                  <a:srgbClr val="000000"/>
-                </a:solidFill>
-              </a:rPr>
-              <a:t>Anzahl der Rollen</a:t>
-            </a:r>
-          </a:p>
-          <a:p>
-            <a:pPr marL="171450" indent="-171450">
-              <a:buFont typeface="Arial" panose="020B0604020202020204" pitchFamily="34" charset="0"/>
-              <a:buChar char="•"/>
-            </a:pPr>
-            <a:r>
-              <a:rPr lang="de-DE" sz="1200" dirty="0" err="1">
-                <a:solidFill>
-                  <a:srgbClr val="000000"/>
-                </a:solidFill>
-              </a:rPr>
-              <a:t>Flaschenzug_Zugrichtung_unten</a:t>
-            </a:r>
-            <a:endParaRPr lang="de-DE" sz="600" dirty="0">
-              <a:solidFill>
-                <a:srgbClr val="000000"/>
-              </a:solidFill>
-            </a:endParaRPr>
-          </a:p>
-          <a:p>
-            <a:pPr marL="630925" lvl="1" indent="-228600">
-              <a:buFont typeface="Courier New" panose="02070309020205020404" pitchFamily="49" charset="0"/>
-              <a:buChar char="o"/>
-            </a:pPr>
-            <a:r>
-              <a:rPr lang="de-DE" sz="1200" dirty="0">
-                <a:solidFill>
-                  <a:srgbClr val="000000"/>
-                </a:solidFill>
-              </a:rPr>
-              <a:t>Festlegung der Rollenanzahl im unteren Bereich des Flaschenzugs</a:t>
-            </a:r>
-          </a:p>
-          <a:p>
-            <a:pPr marL="171450" indent="-171450">
-              <a:buFont typeface="Arial" panose="020B0604020202020204" pitchFamily="34" charset="0"/>
-              <a:buChar char="•"/>
-            </a:pPr>
-            <a:r>
-              <a:rPr lang="de-DE" sz="1200" dirty="0" err="1">
-                <a:solidFill>
-                  <a:srgbClr val="000000"/>
-                </a:solidFill>
-              </a:rPr>
-              <a:t>Flaschenzug_Zugrichtung_oben</a:t>
-            </a:r>
-            <a:endParaRPr lang="de-DE" sz="600" dirty="0">
-              <a:solidFill>
-                <a:srgbClr val="000000"/>
-              </a:solidFill>
-            </a:endParaRPr>
-          </a:p>
-          <a:p>
-            <a:pPr marL="630925" lvl="1" indent="-228600">
-              <a:buFont typeface="Courier New" panose="02070309020205020404" pitchFamily="49" charset="0"/>
-              <a:buChar char="o"/>
-            </a:pPr>
-            <a:r>
-              <a:rPr lang="de-DE" sz="1200" dirty="0">
-                <a:solidFill>
-                  <a:srgbClr val="000000"/>
-                </a:solidFill>
-              </a:rPr>
-              <a:t>Festlegung der Rollenanzahl im oberen Bereich des Flaschenzugs</a:t>
-            </a:r>
-          </a:p>
-        </p:txBody>
-      </p:sp>
+              </a:tr>
+              <a:tr h="497797">
+                <a:tc>
+                  <a:txBody>
+                    <a:bodyPr/>
+                    <a:lstStyle/>
+                    <a:p>
+                      <a:pPr marL="0" algn="l" defTabSz="914400" rtl="0" eaLnBrk="1" latinLnBrk="0" hangingPunct="1"/>
+                      <a:r>
+                        <a:rPr lang="de-DE" sz="1600" b="1" kern="1200" dirty="0">
+                          <a:solidFill>
+                            <a:schemeClr val="bg1"/>
+                          </a:solidFill>
+                          <a:latin typeface="+mn-lt"/>
+                          <a:ea typeface="+mn-ea"/>
+                          <a:cs typeface="+mn-cs"/>
+                        </a:rPr>
+                        <a:t>Einphasen-GM</a:t>
+                      </a:r>
+                    </a:p>
+                  </a:txBody>
+                  <a:tcPr>
+                    <a:solidFill>
+                      <a:srgbClr val="5B9BD5"/>
+                    </a:solidFill>
+                  </a:tcPr>
+                </a:tc>
+                <a:tc>
+                  <a:txBody>
+                    <a:bodyPr/>
+                    <a:lstStyle/>
+                    <a:p>
+                      <a:pPr marL="0" indent="0">
+                        <a:buFont typeface="Arial" panose="020B0604020202020204" pitchFamily="34" charset="0"/>
+                        <a:buNone/>
+                      </a:pPr>
+                      <a:r>
+                        <a:rPr lang="de-DE" sz="1200" b="1" dirty="0">
+                          <a:solidFill>
+                            <a:srgbClr val="000000"/>
+                          </a:solidFill>
+                        </a:rPr>
+                        <a:t>Betriebsmodus:</a:t>
+                      </a:r>
+                    </a:p>
+                    <a:p>
+                      <a:pPr marL="171450" indent="-171450">
+                        <a:buFont typeface="Arial" panose="020B0604020202020204" pitchFamily="34" charset="0"/>
+                        <a:buChar char="•"/>
+                      </a:pPr>
+                      <a:r>
+                        <a:rPr lang="de-DE" sz="1200" dirty="0">
+                          <a:solidFill>
+                            <a:srgbClr val="000000"/>
+                          </a:solidFill>
+                        </a:rPr>
+                        <a:t>An (True): Seile und Masse am Flaschenzug bewegen sich</a:t>
+                      </a:r>
+                    </a:p>
+                    <a:p>
+                      <a:pPr marL="171450" indent="-171450">
+                        <a:buFont typeface="Arial" panose="020B0604020202020204" pitchFamily="34" charset="0"/>
+                        <a:buChar char="•"/>
+                      </a:pPr>
+                      <a:r>
+                        <a:rPr lang="de-DE" sz="1200" dirty="0">
+                          <a:solidFill>
+                            <a:srgbClr val="000000"/>
+                          </a:solidFill>
+                        </a:rPr>
+                        <a:t>Aus (</a:t>
+                      </a:r>
+                      <a:r>
+                        <a:rPr lang="en-US" sz="1200" noProof="0" dirty="0">
+                          <a:solidFill>
+                            <a:srgbClr val="000000"/>
+                          </a:solidFill>
+                        </a:rPr>
+                        <a:t>False</a:t>
+                      </a:r>
+                      <a:r>
+                        <a:rPr lang="de-DE" sz="1200" dirty="0">
+                          <a:solidFill>
+                            <a:srgbClr val="000000"/>
+                          </a:solidFill>
+                        </a:rPr>
+                        <a:t>): Stillstehender Flaschenzug</a:t>
+                      </a:r>
+                    </a:p>
+                  </a:txBody>
+                  <a:tcPr>
+                    <a:solidFill>
+                      <a:srgbClr val="EAEFF7"/>
+                    </a:solidFill>
+                  </a:tcPr>
+                </a:tc>
+                <a:tc>
+                  <a:txBody>
+                    <a:bodyPr/>
+                    <a:lstStyle/>
+                    <a:p>
+                      <a:pPr marL="171450" marR="0" lvl="0" indent="-171450" algn="l" defTabSz="914400" rtl="0" eaLnBrk="1" fontAlgn="auto" latinLnBrk="0" hangingPunct="1">
+                        <a:lnSpc>
+                          <a:spcPct val="100000"/>
+                        </a:lnSpc>
+                        <a:spcBef>
+                          <a:spcPts val="0"/>
+                        </a:spcBef>
+                        <a:spcAft>
+                          <a:spcPts val="0"/>
+                        </a:spcAft>
+                        <a:buClrTx/>
+                        <a:buSzTx/>
+                        <a:buFont typeface="Arial" panose="020B0604020202020204" pitchFamily="34" charset="0"/>
+                        <a:buChar char="•"/>
+                        <a:tabLst/>
+                        <a:defRPr/>
+                      </a:pPr>
+                      <a:r>
+                        <a:rPr lang="de-DE" sz="1200" dirty="0">
+                          <a:solidFill>
+                            <a:srgbClr val="000000"/>
+                          </a:solidFill>
+                        </a:rPr>
+                        <a:t>Definition notwendiger Variablen des Einphasen-GM </a:t>
+                      </a:r>
+                      <a:r>
+                        <a:rPr lang="de-DE" sz="1200" dirty="0" err="1">
+                          <a:solidFill>
+                            <a:srgbClr val="000000"/>
+                          </a:solidFill>
+                        </a:rPr>
+                        <a:t>z.B</a:t>
+                      </a:r>
+                      <a:r>
+                        <a:rPr lang="de-DE" sz="1200" dirty="0">
+                          <a:solidFill>
+                            <a:srgbClr val="000000"/>
+                          </a:solidFill>
+                        </a:rPr>
+                        <a:t>…</a:t>
+                      </a:r>
+                      <a:r>
+                        <a:rPr lang="de-DE" sz="1200" dirty="0">
+                          <a:solidFill>
+                            <a:srgbClr val="FF0000"/>
+                          </a:solidFill>
+                        </a:rPr>
+                        <a:t>Aufzählen der Variablen</a:t>
+                      </a:r>
+                    </a:p>
+                  </a:txBody>
+                  <a:tcPr>
+                    <a:solidFill>
+                      <a:srgbClr val="EAEFF7"/>
+                    </a:solidFill>
+                  </a:tcPr>
+                </a:tc>
+                <a:extLst>
+                  <a:ext uri="{0D108BD9-81ED-4DB2-BD59-A6C34878D82A}">
+                    <a16:rowId xmlns:a16="http://schemas.microsoft.com/office/drawing/2014/main" val="3026926022"/>
+                  </a:ext>
+                </a:extLst>
+              </a:tr>
+              <a:tr h="497797">
+                <a:tc>
+                  <a:txBody>
+                    <a:bodyPr/>
+                    <a:lstStyle/>
+                    <a:p>
+                      <a:pPr marL="0" algn="l" defTabSz="914400" rtl="0" eaLnBrk="1" latinLnBrk="0" hangingPunct="1"/>
+                      <a:r>
+                        <a:rPr lang="de-DE" sz="1600" b="1" kern="1200" dirty="0">
+                          <a:solidFill>
+                            <a:schemeClr val="bg1"/>
+                          </a:solidFill>
+                          <a:latin typeface="+mn-lt"/>
+                          <a:ea typeface="+mn-ea"/>
+                          <a:cs typeface="+mn-cs"/>
+                        </a:rPr>
+                        <a:t>Seilwinde</a:t>
+                      </a:r>
+                    </a:p>
+                  </a:txBody>
+                  <a:tcPr>
+                    <a:solidFill>
+                      <a:srgbClr val="5B9BD5"/>
+                    </a:solidFill>
+                  </a:tcPr>
+                </a:tc>
+                <a:tc>
+                  <a:txBody>
+                    <a:bodyPr/>
+                    <a:lstStyle/>
+                    <a:p>
+                      <a:pPr algn="ctr"/>
+                      <a:r>
+                        <a:rPr lang="de-DE" sz="1200" b="1" kern="1200" dirty="0">
+                          <a:solidFill>
+                            <a:srgbClr val="000000"/>
+                          </a:solidFill>
+                          <a:latin typeface="+mn-lt"/>
+                          <a:ea typeface="+mn-ea"/>
+                          <a:cs typeface="+mn-cs"/>
+                        </a:rPr>
+                        <a:t>- Keine Funktionalität-</a:t>
+                      </a:r>
+                    </a:p>
+                  </a:txBody>
+                  <a:tcPr>
+                    <a:solidFill>
+                      <a:srgbClr val="EAEFF7"/>
+                    </a:solidFill>
+                  </a:tcPr>
+                </a:tc>
+                <a:tc>
+                  <a:txBody>
+                    <a:bodyPr/>
+                    <a:lstStyle/>
+                    <a:p>
+                      <a:pPr marL="171450" marR="0" lvl="0" indent="-171450" algn="l" defTabSz="914400" rtl="0" eaLnBrk="1" fontAlgn="auto" latinLnBrk="0" hangingPunct="1">
+                        <a:lnSpc>
+                          <a:spcPct val="100000"/>
+                        </a:lnSpc>
+                        <a:spcBef>
+                          <a:spcPts val="0"/>
+                        </a:spcBef>
+                        <a:spcAft>
+                          <a:spcPts val="0"/>
+                        </a:spcAft>
+                        <a:buClrTx/>
+                        <a:buSzTx/>
+                        <a:buFont typeface="Arial" panose="020B0604020202020204" pitchFamily="34" charset="0"/>
+                        <a:buChar char="•"/>
+                        <a:tabLst/>
+                        <a:defRPr/>
+                      </a:pPr>
+                      <a:r>
+                        <a:rPr lang="de-DE" sz="1200" kern="1200" dirty="0">
+                          <a:solidFill>
+                            <a:srgbClr val="000000"/>
+                          </a:solidFill>
+                          <a:latin typeface="+mn-lt"/>
+                          <a:ea typeface="+mn-ea"/>
+                          <a:cs typeface="+mn-cs"/>
+                        </a:rPr>
+                        <a:t>Seilrollenradius beträgt standardgemäß 0,5m</a:t>
+                      </a:r>
+                    </a:p>
+                  </a:txBody>
+                  <a:tcPr>
+                    <a:solidFill>
+                      <a:srgbClr val="EAEFF7"/>
+                    </a:solidFill>
+                  </a:tcPr>
+                </a:tc>
+                <a:extLst>
+                  <a:ext uri="{0D108BD9-81ED-4DB2-BD59-A6C34878D82A}">
+                    <a16:rowId xmlns:a16="http://schemas.microsoft.com/office/drawing/2014/main" val="1839727103"/>
+                  </a:ext>
+                </a:extLst>
+              </a:tr>
+              <a:tr h="497797">
+                <a:tc>
+                  <a:txBody>
+                    <a:bodyPr/>
+                    <a:lstStyle/>
+                    <a:p>
+                      <a:pPr marL="0" algn="l" defTabSz="914400" rtl="0" eaLnBrk="1" latinLnBrk="0" hangingPunct="1"/>
+                      <a:r>
+                        <a:rPr lang="de-DE" sz="1600" b="1" kern="1200" dirty="0">
+                          <a:solidFill>
+                            <a:schemeClr val="bg1"/>
+                          </a:solidFill>
+                          <a:latin typeface="+mn-lt"/>
+                          <a:ea typeface="+mn-ea"/>
+                          <a:cs typeface="+mn-cs"/>
+                        </a:rPr>
+                        <a:t>Rollen</a:t>
+                      </a:r>
+                    </a:p>
+                  </a:txBody>
+                  <a:tcPr>
+                    <a:solidFill>
+                      <a:srgbClr val="5B9BD5"/>
+                    </a:solidFill>
+                  </a:tcPr>
+                </a:tc>
+                <a:tc>
+                  <a:txBody>
+                    <a:bodyPr/>
+                    <a:lstStyle/>
+                    <a:p>
+                      <a:pPr marL="0" indent="0">
+                        <a:buFont typeface="Arial" panose="020B0604020202020204" pitchFamily="34" charset="0"/>
+                        <a:buNone/>
+                      </a:pPr>
+                      <a:r>
+                        <a:rPr lang="de-DE" sz="1200" b="1" dirty="0">
+                          <a:solidFill>
+                            <a:srgbClr val="000000"/>
+                          </a:solidFill>
+                        </a:rPr>
+                        <a:t>Rollenanzahl</a:t>
+                      </a:r>
+                    </a:p>
+                    <a:p>
+                      <a:pPr marL="171450" indent="-171450">
+                        <a:buFont typeface="Arial" panose="020B0604020202020204" pitchFamily="34" charset="0"/>
+                        <a:buChar char="•"/>
+                      </a:pPr>
+                      <a:r>
+                        <a:rPr lang="de-DE" sz="1200" dirty="0">
+                          <a:solidFill>
+                            <a:srgbClr val="000000"/>
+                          </a:solidFill>
+                        </a:rPr>
+                        <a:t>Rollenanzahl im unteren Bereich des Flaschenzugs frei wählbar</a:t>
+                      </a:r>
+                    </a:p>
+                    <a:p>
+                      <a:pPr marL="171450" indent="-171450">
+                        <a:buFont typeface="Arial" panose="020B0604020202020204" pitchFamily="34" charset="0"/>
+                        <a:buChar char="•"/>
+                      </a:pPr>
+                      <a:r>
+                        <a:rPr lang="de-DE" sz="1200" dirty="0">
+                          <a:solidFill>
+                            <a:srgbClr val="000000"/>
+                          </a:solidFill>
+                        </a:rPr>
+                        <a:t>Rollenanzahl im oberen Bereich des Flaschenzugs frei wählbar</a:t>
+                      </a:r>
+                      <a:endParaRPr lang="de-DE" sz="600" dirty="0">
+                        <a:solidFill>
+                          <a:srgbClr val="000000"/>
+                        </a:solidFill>
+                      </a:endParaRPr>
+                    </a:p>
+                  </a:txBody>
+                  <a:tcPr>
+                    <a:solidFill>
+                      <a:srgbClr val="EAEFF7"/>
+                    </a:solidFill>
+                  </a:tcPr>
+                </a:tc>
+                <a:tc>
+                  <a:txBody>
+                    <a:bodyPr/>
+                    <a:lstStyle/>
+                    <a:p>
+                      <a:pPr marL="171450" indent="-171450">
+                        <a:buFont typeface="Arial" panose="020B0604020202020204" pitchFamily="34" charset="0"/>
+                        <a:buChar char="•"/>
+                      </a:pPr>
+                      <a:r>
+                        <a:rPr lang="de-DE" sz="1200" kern="1200" dirty="0">
+                          <a:solidFill>
+                            <a:srgbClr val="000000"/>
+                          </a:solidFill>
+                          <a:latin typeface="+mn-lt"/>
+                          <a:ea typeface="+mn-ea"/>
+                          <a:cs typeface="+mn-cs"/>
+                        </a:rPr>
+                        <a:t>Die Rollenanzahl muss null im unteren Bereich und eins im oberen Bereich </a:t>
+                      </a:r>
+                      <a:r>
+                        <a:rPr lang="de-DE" sz="1200" b="1" kern="1200" dirty="0">
+                          <a:solidFill>
+                            <a:srgbClr val="000000"/>
+                          </a:solidFill>
+                          <a:latin typeface="+mn-lt"/>
+                          <a:ea typeface="+mn-ea"/>
+                          <a:cs typeface="+mn-cs"/>
+                        </a:rPr>
+                        <a:t>oder</a:t>
+                      </a:r>
+                      <a:r>
+                        <a:rPr lang="de-DE" sz="1200" kern="1200" dirty="0">
+                          <a:solidFill>
+                            <a:srgbClr val="000000"/>
+                          </a:solidFill>
+                          <a:latin typeface="+mn-lt"/>
+                          <a:ea typeface="+mn-ea"/>
+                          <a:cs typeface="+mn-cs"/>
+                        </a:rPr>
+                        <a:t> eins im unteren Bereich und null im unteren Bereich. </a:t>
+                      </a:r>
+                      <a:r>
+                        <a:rPr lang="de-DE" sz="1200" kern="1200" dirty="0">
+                          <a:solidFill>
+                            <a:srgbClr val="FF0000"/>
+                          </a:solidFill>
+                          <a:latin typeface="+mn-lt"/>
+                          <a:ea typeface="+mn-ea"/>
+                          <a:cs typeface="+mn-cs"/>
+                        </a:rPr>
+                        <a:t>(Mit Gruppe abchecken)</a:t>
+                      </a:r>
+                    </a:p>
+                  </a:txBody>
+                  <a:tcPr>
+                    <a:solidFill>
+                      <a:srgbClr val="EAEFF7"/>
+                    </a:solidFill>
+                  </a:tcPr>
+                </a:tc>
+                <a:extLst>
+                  <a:ext uri="{0D108BD9-81ED-4DB2-BD59-A6C34878D82A}">
+                    <a16:rowId xmlns:a16="http://schemas.microsoft.com/office/drawing/2014/main" val="3258016539"/>
+                  </a:ext>
+                </a:extLst>
+              </a:tr>
+              <a:tr h="497797">
+                <a:tc>
+                  <a:txBody>
+                    <a:bodyPr/>
+                    <a:lstStyle/>
+                    <a:p>
+                      <a:pPr marL="0" algn="l" defTabSz="914400" rtl="0" eaLnBrk="1" latinLnBrk="0" hangingPunct="1"/>
+                      <a:r>
+                        <a:rPr lang="de-DE" sz="1600" b="1" kern="1200" dirty="0">
+                          <a:solidFill>
+                            <a:schemeClr val="bg1"/>
+                          </a:solidFill>
+                          <a:latin typeface="+mn-lt"/>
+                          <a:ea typeface="+mn-ea"/>
+                          <a:cs typeface="+mn-cs"/>
+                        </a:rPr>
+                        <a:t>Masse</a:t>
+                      </a:r>
+                    </a:p>
+                  </a:txBody>
+                  <a:tcPr>
+                    <a:solidFill>
+                      <a:srgbClr val="5B9BD5"/>
+                    </a:solidFill>
+                  </a:tcPr>
+                </a:tc>
+                <a:tc>
+                  <a:txBody>
+                    <a:bodyPr/>
+                    <a:lstStyle/>
+                    <a:p>
+                      <a:r>
+                        <a:rPr lang="de-DE" sz="1200" b="1" kern="1200" dirty="0">
+                          <a:solidFill>
+                            <a:srgbClr val="000000"/>
+                          </a:solidFill>
+                          <a:latin typeface="+mn-lt"/>
+                          <a:ea typeface="+mn-ea"/>
+                          <a:cs typeface="+mn-cs"/>
+                        </a:rPr>
+                        <a:t>Frei wählbare Masse</a:t>
+                      </a:r>
+                    </a:p>
+                  </a:txBody>
+                  <a:tcPr>
+                    <a:solidFill>
+                      <a:srgbClr val="EAEFF7"/>
+                    </a:solidFill>
+                  </a:tcPr>
+                </a:tc>
+                <a:tc>
+                  <a:txBody>
+                    <a:bodyPr/>
+                    <a:lstStyle/>
+                    <a:p>
+                      <a:pPr marL="171450" indent="-171450">
+                        <a:buFont typeface="Arial" panose="020B0604020202020204" pitchFamily="34" charset="0"/>
+                        <a:buChar char="•"/>
+                      </a:pPr>
+                      <a:r>
+                        <a:rPr lang="de-DE" sz="1200" kern="1200" dirty="0">
+                          <a:solidFill>
+                            <a:srgbClr val="000000"/>
+                          </a:solidFill>
+                          <a:latin typeface="+mn-lt"/>
+                          <a:ea typeface="+mn-ea"/>
+                          <a:cs typeface="+mn-cs"/>
+                        </a:rPr>
+                        <a:t>Nur pos. Werte zulässig</a:t>
+                      </a:r>
+                    </a:p>
+                    <a:p>
+                      <a:pPr marL="171450" indent="-171450">
+                        <a:buFont typeface="Arial" panose="020B0604020202020204" pitchFamily="34" charset="0"/>
+                        <a:buChar char="•"/>
+                      </a:pPr>
+                      <a:r>
+                        <a:rPr lang="de-DE" sz="1200" kern="1200" dirty="0">
+                          <a:solidFill>
+                            <a:srgbClr val="000000"/>
+                          </a:solidFill>
+                          <a:latin typeface="+mn-lt"/>
+                          <a:ea typeface="+mn-ea"/>
+                          <a:cs typeface="+mn-cs"/>
+                        </a:rPr>
+                        <a:t>Bei hohen Massen muss ggf. Rollenanzahl erhöht werden</a:t>
+                      </a:r>
+                    </a:p>
+                  </a:txBody>
+                  <a:tcPr>
+                    <a:solidFill>
+                      <a:srgbClr val="EAEFF7"/>
+                    </a:solidFill>
+                  </a:tcPr>
+                </a:tc>
+                <a:extLst>
+                  <a:ext uri="{0D108BD9-81ED-4DB2-BD59-A6C34878D82A}">
+                    <a16:rowId xmlns:a16="http://schemas.microsoft.com/office/drawing/2014/main" val="3487731437"/>
+                  </a:ext>
+                </a:extLst>
+              </a:tr>
+            </a:tbl>
+          </a:graphicData>
+        </a:graphic>
+      </p:graphicFrame>
     </p:spTree>
     <p:extLst>
       <p:ext uri="{BB962C8B-B14F-4D97-AF65-F5344CB8AC3E}">
-        <p14:creationId xmlns:p14="http://schemas.microsoft.com/office/powerpoint/2010/main" val="338979817"/>
+        <p14:creationId xmlns:p14="http://schemas.microsoft.com/office/powerpoint/2010/main" val="2160748224"/>
       </p:ext>
     </p:extLst>
   </p:cSld>

--- a/Flaschenzug_Präsentation.pptx
+++ b/Flaschenzug_Präsentation.pptx
@@ -5,15 +5,16 @@
     <p:sldMasterId id="2147483672" r:id="rId1"/>
   </p:sldMasterIdLst>
   <p:notesMasterIdLst>
-    <p:notesMasterId r:id="rId5"/>
+    <p:notesMasterId r:id="rId6"/>
   </p:notesMasterIdLst>
   <p:handoutMasterIdLst>
-    <p:handoutMasterId r:id="rId6"/>
+    <p:handoutMasterId r:id="rId7"/>
   </p:handoutMasterIdLst>
   <p:sldIdLst>
     <p:sldId id="268" r:id="rId2"/>
-    <p:sldId id="295" r:id="rId3"/>
+    <p:sldId id="298" r:id="rId3"/>
     <p:sldId id="297" r:id="rId4"/>
+    <p:sldId id="295" r:id="rId5"/>
   </p:sldIdLst>
   <p:sldSz cx="9906000" cy="6858000" type="A4"/>
   <p:notesSz cx="6858000" cy="9144000"/>
@@ -205,7 +206,7 @@
           <a:p>
             <a:fld id="{9A3AFE3A-2CA8-F64E-AFD3-48D0B181CB4E}" type="datetimeFigureOut">
               <a:rPr lang="de-DE" smtClean="0"/>
-              <a:t>11.12.2019</a:t>
+              <a:t>18.12.2019</a:t>
             </a:fld>
             <a:endParaRPr lang="de-DE"/>
           </a:p>
@@ -370,7 +371,7 @@
           <a:p>
             <a:fld id="{24E4A54A-5FDC-3640-9346-2A564B830E0C}" type="datetimeFigureOut">
               <a:rPr lang="de-DE" smtClean="0"/>
-              <a:t>11.12.2019</a:t>
+              <a:t>18.12.2019</a:t>
             </a:fld>
             <a:endParaRPr lang="de-DE"/>
           </a:p>
@@ -1329,7 +1330,7 @@
         </p:blipFill>
         <p:spPr>
           <a:xfrm>
-            <a:off x="8566149" y="6158699"/>
+            <a:off x="8566149" y="6349759"/>
             <a:ext cx="904875" cy="275188"/>
           </a:xfrm>
           <a:prstGeom prst="rect">
@@ -1347,7 +1348,7 @@
         </p:nvSpPr>
         <p:spPr>
           <a:xfrm>
-            <a:off x="2764465" y="6158699"/>
+            <a:off x="2764465" y="6351187"/>
             <a:ext cx="2292031" cy="384976"/>
           </a:xfrm>
           <a:prstGeom prst="rect">
@@ -1548,7 +1549,7 @@
         </p:nvSpPr>
         <p:spPr>
           <a:xfrm>
-            <a:off x="5809832" y="6158699"/>
+            <a:off x="5809832" y="6352670"/>
             <a:ext cx="2334707" cy="169099"/>
           </a:xfrm>
           <a:prstGeom prst="rect">
@@ -1744,7 +1745,7 @@
         </p:nvSpPr>
         <p:spPr>
           <a:xfrm>
-            <a:off x="1084961" y="6158699"/>
+            <a:off x="1084961" y="6349759"/>
             <a:ext cx="1767481" cy="156936"/>
           </a:xfrm>
           <a:prstGeom prst="rect">
@@ -2459,6 +2460,3264 @@
 
 <file path=ppt/slides/slide2.xml><?xml version="1.0" encoding="utf-8"?>
 <p:sld xmlns:a="http://schemas.openxmlformats.org/drawingml/2006/main" xmlns:r="http://schemas.openxmlformats.org/officeDocument/2006/relationships" xmlns:p="http://schemas.openxmlformats.org/presentationml/2006/main">
+  <p:cSld>
+    <p:spTree>
+      <p:nvGrpSpPr>
+        <p:cNvPr id="1" name=""/>
+        <p:cNvGrpSpPr/>
+        <p:nvPr/>
+      </p:nvGrpSpPr>
+      <p:grpSpPr>
+        <a:xfrm>
+          <a:off x="0" y="0"/>
+          <a:ext cx="0" cy="0"/>
+          <a:chOff x="0" y="0"/>
+          <a:chExt cx="0" cy="0"/>
+        </a:xfrm>
+      </p:grpSpPr>
+      <p:sp>
+        <p:nvSpPr>
+          <p:cNvPr id="2" name="Titel 1">
+            <a:extLst>
+              <a:ext uri="{FF2B5EF4-FFF2-40B4-BE49-F238E27FC236}">
+                <a16:creationId xmlns:a16="http://schemas.microsoft.com/office/drawing/2014/main" id="{4D40CB3F-CA6C-4370-897D-41D43CFCF242}"/>
+              </a:ext>
+            </a:extLst>
+          </p:cNvPr>
+          <p:cNvSpPr>
+            <a:spLocks noGrp="1"/>
+          </p:cNvSpPr>
+          <p:nvPr>
+            <p:ph type="title"/>
+          </p:nvPr>
+        </p:nvSpPr>
+        <p:spPr/>
+        <p:txBody>
+          <a:bodyPr/>
+          <a:lstStyle/>
+          <a:p>
+            <a:r>
+              <a:rPr lang="de-DE" dirty="0"/>
+              <a:t>Entwicklungsprozess (Aufschrieb Robin)</a:t>
+            </a:r>
+          </a:p>
+        </p:txBody>
+      </p:sp>
+      <p:sp>
+        <p:nvSpPr>
+          <p:cNvPr id="4" name="Textfeld 3">
+            <a:extLst>
+              <a:ext uri="{FF2B5EF4-FFF2-40B4-BE49-F238E27FC236}">
+                <a16:creationId xmlns:a16="http://schemas.microsoft.com/office/drawing/2014/main" id="{58327C69-E8E9-43E5-A499-3483EE982F8E}"/>
+              </a:ext>
+            </a:extLst>
+          </p:cNvPr>
+          <p:cNvSpPr txBox="1"/>
+          <p:nvPr/>
+        </p:nvSpPr>
+        <p:spPr>
+          <a:xfrm>
+            <a:off x="5647765" y="1196474"/>
+            <a:ext cx="3866105" cy="3108543"/>
+          </a:xfrm>
+          <a:prstGeom prst="rect">
+            <a:avLst/>
+          </a:prstGeom>
+          <a:noFill/>
+        </p:spPr>
+        <p:txBody>
+          <a:bodyPr wrap="square" rtlCol="0">
+            <a:spAutoFit/>
+          </a:bodyPr>
+          <a:lstStyle/>
+          <a:p>
+            <a:r>
+              <a:rPr lang="de-DE" sz="1400" dirty="0"/>
+              <a:t>Flaschenzug</a:t>
+            </a:r>
+          </a:p>
+          <a:p>
+            <a:pPr marL="285750" indent="-285750">
+              <a:buFont typeface="Arial" panose="020B0604020202020204" pitchFamily="34" charset="0"/>
+              <a:buChar char="•"/>
+            </a:pPr>
+            <a:r>
+              <a:rPr lang="de-DE" sz="1400" dirty="0"/>
+              <a:t>Gewähltes Design: Flaschenzug als 1 System, Konzept mehrere Rollen schnell verworfen</a:t>
+            </a:r>
+          </a:p>
+          <a:p>
+            <a:pPr marL="285750" indent="-285750">
+              <a:buFont typeface="Arial" panose="020B0604020202020204" pitchFamily="34" charset="0"/>
+              <a:buChar char="•"/>
+            </a:pPr>
+            <a:r>
+              <a:rPr lang="de-DE" sz="1400" dirty="0"/>
+              <a:t>Übersichtlichkeit, selbe Funktionalität wie Mehrrollensystem (Mehrmodellsystem)</a:t>
+            </a:r>
+          </a:p>
+          <a:p>
+            <a:pPr marL="285750" indent="-285750">
+              <a:buFont typeface="Arial" panose="020B0604020202020204" pitchFamily="34" charset="0"/>
+              <a:buChar char="•"/>
+            </a:pPr>
+            <a:r>
+              <a:rPr lang="de-DE" sz="1400" dirty="0"/>
+              <a:t>Für unsere Anforderungen ausreichend, bei komplexeren Rollensystemen jedoch ungeeignet</a:t>
+            </a:r>
+          </a:p>
+          <a:p>
+            <a:pPr marL="285750" indent="-285750">
+              <a:buFont typeface="Arial" panose="020B0604020202020204" pitchFamily="34" charset="0"/>
+              <a:buChar char="•"/>
+            </a:pPr>
+            <a:r>
+              <a:rPr lang="de-DE" sz="1400" dirty="0"/>
+              <a:t>Bild aus Barths Folien stellt </a:t>
+            </a:r>
+            <a:r>
+              <a:rPr lang="de-DE" sz="1400" dirty="0">
+                <a:solidFill>
+                  <a:srgbClr val="FF0000"/>
+                </a:solidFill>
+              </a:rPr>
+              <a:t>Faktoren?</a:t>
+            </a:r>
+            <a:r>
+              <a:rPr lang="de-DE" sz="1400" dirty="0">
+                <a:solidFill>
+                  <a:srgbClr val="000000"/>
+                </a:solidFill>
+              </a:rPr>
+              <a:t> </a:t>
+            </a:r>
+            <a:r>
+              <a:rPr lang="de-DE" sz="1400" dirty="0"/>
+              <a:t>Durchweg dar, daher auch „gewählt“</a:t>
+            </a:r>
+          </a:p>
+          <a:p>
+            <a:pPr marL="285750" indent="-285750">
+              <a:buFont typeface="Arial" panose="020B0604020202020204" pitchFamily="34" charset="0"/>
+              <a:buChar char="•"/>
+            </a:pPr>
+            <a:r>
+              <a:rPr lang="de-DE" sz="1400" dirty="0"/>
+              <a:t>Zwei Bauweisen existieren </a:t>
+            </a:r>
+            <a:r>
+              <a:rPr lang="de-DE" sz="1400" dirty="0">
+                <a:sym typeface="Wingdings" panose="05000000000000000000" pitchFamily="2" charset="2"/>
+              </a:rPr>
+              <a:t> Zwei verschiedene Modelle mit unterschiedlichen Formeln</a:t>
+            </a:r>
+            <a:endParaRPr lang="de-DE" sz="1400" dirty="0"/>
+          </a:p>
+        </p:txBody>
+      </p:sp>
+      <p:sp>
+        <p:nvSpPr>
+          <p:cNvPr id="8" name="Textfeld 7">
+            <a:extLst>
+              <a:ext uri="{FF2B5EF4-FFF2-40B4-BE49-F238E27FC236}">
+                <a16:creationId xmlns:a16="http://schemas.microsoft.com/office/drawing/2014/main" id="{FBE17FBC-953A-430B-A7C5-A1704BAF0209}"/>
+              </a:ext>
+            </a:extLst>
+          </p:cNvPr>
+          <p:cNvSpPr txBox="1"/>
+          <p:nvPr/>
+        </p:nvSpPr>
+        <p:spPr>
+          <a:xfrm>
+            <a:off x="1085849" y="1196474"/>
+            <a:ext cx="4061504" cy="3816429"/>
+          </a:xfrm>
+          <a:prstGeom prst="rect">
+            <a:avLst/>
+          </a:prstGeom>
+          <a:noFill/>
+        </p:spPr>
+        <p:txBody>
+          <a:bodyPr wrap="square" rtlCol="0">
+            <a:spAutoFit/>
+          </a:bodyPr>
+          <a:lstStyle/>
+          <a:p>
+            <a:r>
+              <a:rPr lang="de-DE" sz="1400" dirty="0"/>
+              <a:t>E-Motor</a:t>
+            </a:r>
+          </a:p>
+          <a:p>
+            <a:pPr marL="342900" indent="-342900">
+              <a:lnSpc>
+                <a:spcPct val="100000"/>
+              </a:lnSpc>
+              <a:buFont typeface="Arial" panose="020B0604020202020204" pitchFamily="34" charset="0"/>
+              <a:buChar char="•"/>
+            </a:pPr>
+            <a:r>
+              <a:rPr lang="de-DE" sz="1200" dirty="0"/>
+              <a:t>Modellierung lauf Aufgabenstellung als einphasiger E-Motor (GM) gewünscht</a:t>
+            </a:r>
+          </a:p>
+          <a:p>
+            <a:pPr marL="342900" indent="-342900">
+              <a:lnSpc>
+                <a:spcPct val="100000"/>
+              </a:lnSpc>
+              <a:buFont typeface="Arial" panose="020B0604020202020204" pitchFamily="34" charset="0"/>
+              <a:buChar char="•"/>
+            </a:pPr>
+            <a:r>
+              <a:rPr lang="de-DE" sz="1200" dirty="0"/>
+              <a:t>Formeln aus AS verwenden</a:t>
+            </a:r>
+          </a:p>
+          <a:p>
+            <a:pPr marL="342900" indent="-342900">
+              <a:lnSpc>
+                <a:spcPct val="100000"/>
+              </a:lnSpc>
+              <a:buFont typeface="Arial" panose="020B0604020202020204" pitchFamily="34" charset="0"/>
+              <a:buChar char="•"/>
+            </a:pPr>
+            <a:r>
+              <a:rPr lang="de-DE" sz="1200" dirty="0"/>
+              <a:t>Problem: Stromloser Zustand, System soll bewegungslos sein</a:t>
+            </a:r>
+          </a:p>
+          <a:p>
+            <a:pPr marL="342900" indent="-342900">
+              <a:lnSpc>
+                <a:spcPct val="100000"/>
+              </a:lnSpc>
+              <a:buFont typeface="Arial" panose="020B0604020202020204" pitchFamily="34" charset="0"/>
+              <a:buChar char="•"/>
+            </a:pPr>
+            <a:r>
+              <a:rPr lang="de-DE" sz="1200" dirty="0"/>
+              <a:t>Bei U = 0 aus Spannungsquelle allerdings Bewegung, das Laufmoment vom </a:t>
+            </a:r>
+            <a:r>
+              <a:rPr lang="de-DE" sz="1200" dirty="0" err="1"/>
+              <a:t>Selzug</a:t>
+            </a:r>
+            <a:r>
+              <a:rPr lang="de-DE" sz="1200" dirty="0"/>
+              <a:t> und Masse von Motor anliegen</a:t>
+            </a:r>
+          </a:p>
+          <a:p>
+            <a:pPr marL="342900" indent="-342900">
+              <a:lnSpc>
+                <a:spcPct val="100000"/>
+              </a:lnSpc>
+              <a:buFont typeface="Arial" panose="020B0604020202020204" pitchFamily="34" charset="0"/>
+              <a:buChar char="•"/>
+            </a:pPr>
+            <a:r>
+              <a:rPr lang="de-DE" sz="1200" dirty="0">
+                <a:sym typeface="Wingdings" panose="05000000000000000000" pitchFamily="2" charset="2"/>
+              </a:rPr>
+              <a:t> muss getrennt werden</a:t>
+            </a:r>
+          </a:p>
+          <a:p>
+            <a:pPr marL="342900" indent="-342900">
+              <a:lnSpc>
+                <a:spcPct val="100000"/>
+              </a:lnSpc>
+              <a:buFont typeface="Arial" panose="020B0604020202020204" pitchFamily="34" charset="0"/>
+              <a:buChar char="•"/>
+            </a:pPr>
+            <a:r>
+              <a:rPr lang="de-DE" sz="1200" dirty="0">
+                <a:sym typeface="Wingdings" panose="05000000000000000000" pitchFamily="2" charset="2"/>
+              </a:rPr>
+              <a:t>Implementierung Sicherheitsbremse: Wird verbunden mit Motor Ausgang und Seilwinde. Eingang an der Motorwelle.</a:t>
+            </a:r>
+          </a:p>
+          <a:p>
+            <a:pPr marL="342900" indent="-342900">
+              <a:lnSpc>
+                <a:spcPct val="100000"/>
+              </a:lnSpc>
+              <a:buFont typeface="Arial" panose="020B0604020202020204" pitchFamily="34" charset="0"/>
+              <a:buChar char="•"/>
+            </a:pPr>
+            <a:r>
+              <a:rPr lang="de-DE" sz="1200" dirty="0">
+                <a:sym typeface="Wingdings" panose="05000000000000000000" pitchFamily="2" charset="2"/>
+              </a:rPr>
+              <a:t>Bestromt über U / I – Connector aktuelle Steuerspannung mit</a:t>
+            </a:r>
+          </a:p>
+          <a:p>
+            <a:pPr marL="1028700" lvl="1" indent="-342900">
+              <a:lnSpc>
+                <a:spcPct val="100000"/>
+              </a:lnSpc>
+              <a:buFont typeface="Arial" panose="020B0604020202020204" pitchFamily="34" charset="0"/>
+              <a:buChar char="•"/>
+            </a:pPr>
+            <a:r>
+              <a:rPr lang="de-DE" sz="1200" dirty="0">
+                <a:sym typeface="Wingdings" panose="05000000000000000000" pitchFamily="2" charset="2"/>
+              </a:rPr>
+              <a:t>Bei U == 0 wird System „entkoppelt“</a:t>
+            </a:r>
+          </a:p>
+          <a:p>
+            <a:pPr marL="1028700" lvl="1" indent="-342900">
+              <a:lnSpc>
+                <a:spcPct val="100000"/>
+              </a:lnSpc>
+              <a:buFont typeface="Arial" panose="020B0604020202020204" pitchFamily="34" charset="0"/>
+              <a:buChar char="•"/>
+            </a:pPr>
+            <a:r>
+              <a:rPr lang="de-DE" sz="1200" dirty="0">
+                <a:sym typeface="Wingdings" panose="05000000000000000000" pitchFamily="2" charset="2"/>
+              </a:rPr>
+              <a:t>Bremsmoment wird ausgeschalten  </a:t>
+            </a:r>
+            <a:r>
+              <a:rPr lang="de-DE" sz="1200" dirty="0" err="1">
+                <a:sym typeface="Wingdings" panose="05000000000000000000" pitchFamily="2" charset="2"/>
+              </a:rPr>
+              <a:t>M_b</a:t>
+            </a:r>
+            <a:r>
+              <a:rPr lang="de-DE" sz="1200" dirty="0">
+                <a:sym typeface="Wingdings" panose="05000000000000000000" pitchFamily="2" charset="2"/>
+              </a:rPr>
+              <a:t> </a:t>
+            </a:r>
+            <a:r>
+              <a:rPr lang="de-DE" sz="1200" dirty="0" err="1">
+                <a:sym typeface="Wingdings" panose="05000000000000000000" pitchFamily="2" charset="2"/>
+              </a:rPr>
+              <a:t>M_const</a:t>
+            </a:r>
+            <a:r>
+              <a:rPr lang="de-DE" sz="1200" dirty="0">
+                <a:sym typeface="Wingdings" panose="05000000000000000000" pitchFamily="2" charset="2"/>
+              </a:rPr>
+              <a:t>., Moment auf Motorseite = 0</a:t>
+            </a:r>
+          </a:p>
+          <a:p>
+            <a:pPr marL="1028700" lvl="1" indent="-342900">
+              <a:lnSpc>
+                <a:spcPct val="100000"/>
+              </a:lnSpc>
+              <a:buFont typeface="Arial" panose="020B0604020202020204" pitchFamily="34" charset="0"/>
+              <a:buChar char="•"/>
+            </a:pPr>
+            <a:r>
+              <a:rPr lang="de-DE" sz="1200" dirty="0">
+                <a:sym typeface="Wingdings" panose="05000000000000000000" pitchFamily="2" charset="2"/>
+              </a:rPr>
+              <a:t>System bewegungslos</a:t>
+            </a:r>
+          </a:p>
+        </p:txBody>
+      </p:sp>
+      <p:sp>
+        <p:nvSpPr>
+          <p:cNvPr id="9" name="Textfeld 8">
+            <a:extLst>
+              <a:ext uri="{FF2B5EF4-FFF2-40B4-BE49-F238E27FC236}">
+                <a16:creationId xmlns:a16="http://schemas.microsoft.com/office/drawing/2014/main" id="{C8B35676-353F-4B9A-ADB0-35EAD0FE55E7}"/>
+              </a:ext>
+            </a:extLst>
+          </p:cNvPr>
+          <p:cNvSpPr txBox="1"/>
+          <p:nvPr/>
+        </p:nvSpPr>
+        <p:spPr>
+          <a:xfrm>
+            <a:off x="1085849" y="5012902"/>
+            <a:ext cx="4061504" cy="1384995"/>
+          </a:xfrm>
+          <a:prstGeom prst="rect">
+            <a:avLst/>
+          </a:prstGeom>
+          <a:noFill/>
+        </p:spPr>
+        <p:txBody>
+          <a:bodyPr wrap="square" rtlCol="0">
+            <a:spAutoFit/>
+          </a:bodyPr>
+          <a:lstStyle/>
+          <a:p>
+            <a:pPr marL="285750" indent="-285750">
+              <a:buFont typeface="Arial" panose="020B0604020202020204" pitchFamily="34" charset="0"/>
+              <a:buChar char="•"/>
+            </a:pPr>
+            <a:r>
+              <a:rPr lang="de-DE" sz="1200" dirty="0">
+                <a:sym typeface="Wingdings" panose="05000000000000000000" pitchFamily="2" charset="2"/>
+              </a:rPr>
+              <a:t>Spannungsquelle soll variables Ausgangssignal haben (seine </a:t>
+            </a:r>
+            <a:r>
+              <a:rPr lang="de-DE" sz="1200" dirty="0" err="1">
+                <a:sym typeface="Wingdings" panose="05000000000000000000" pitchFamily="2" charset="2"/>
+              </a:rPr>
+              <a:t>Vorgage</a:t>
+            </a:r>
+            <a:r>
+              <a:rPr lang="de-DE" sz="1200" dirty="0">
+                <a:sym typeface="Wingdings" panose="05000000000000000000" pitchFamily="2" charset="2"/>
+              </a:rPr>
+              <a:t>, persönliche Präferenz)</a:t>
+            </a:r>
+          </a:p>
+          <a:p>
+            <a:pPr marL="285750" indent="-285750">
+              <a:buFont typeface="Arial" panose="020B0604020202020204" pitchFamily="34" charset="0"/>
+              <a:buChar char="•"/>
+            </a:pPr>
+            <a:r>
+              <a:rPr lang="de-DE" sz="1200" dirty="0">
+                <a:sym typeface="Wingdings" panose="05000000000000000000" pitchFamily="2" charset="2"/>
+              </a:rPr>
+              <a:t>Implementierung drei Spannungslevel, Spannung zu definierten Zeitpunkten T1 und T2</a:t>
+            </a:r>
+          </a:p>
+          <a:p>
+            <a:pPr marL="285750" indent="-285750">
+              <a:buFont typeface="Arial" panose="020B0604020202020204" pitchFamily="34" charset="0"/>
+              <a:buChar char="•"/>
+            </a:pPr>
+            <a:endParaRPr lang="de-DE" sz="1200" dirty="0">
+              <a:sym typeface="Wingdings" panose="05000000000000000000" pitchFamily="2" charset="2"/>
+            </a:endParaRPr>
+          </a:p>
+          <a:p>
+            <a:pPr marL="285750" indent="-285750">
+              <a:buFont typeface="Arial" panose="020B0604020202020204" pitchFamily="34" charset="0"/>
+              <a:buChar char="•"/>
+            </a:pPr>
+            <a:r>
+              <a:rPr lang="de-DE" sz="1200" dirty="0">
+                <a:sym typeface="Wingdings" panose="05000000000000000000" pitchFamily="2" charset="2"/>
+              </a:rPr>
+              <a:t>Einfach zu implementierender Ansatz, könnte also deutlich erweitert werden z.B. andere Signalformen</a:t>
+            </a:r>
+          </a:p>
+        </p:txBody>
+      </p:sp>
+      <p:pic>
+        <p:nvPicPr>
+          <p:cNvPr id="10" name="Grafik 9">
+            <a:extLst>
+              <a:ext uri="{FF2B5EF4-FFF2-40B4-BE49-F238E27FC236}">
+                <a16:creationId xmlns:a16="http://schemas.microsoft.com/office/drawing/2014/main" id="{57D2A7EB-1F6E-43FE-80E1-A3B8D080DA77}"/>
+              </a:ext>
+            </a:extLst>
+          </p:cNvPr>
+          <p:cNvPicPr>
+            <a:picLocks noChangeAspect="1"/>
+          </p:cNvPicPr>
+          <p:nvPr/>
+        </p:nvPicPr>
+        <p:blipFill>
+          <a:blip r:embed="rId2"/>
+          <a:stretch>
+            <a:fillRect/>
+          </a:stretch>
+        </p:blipFill>
+        <p:spPr>
+          <a:xfrm>
+            <a:off x="5147353" y="5243047"/>
+            <a:ext cx="1862138" cy="924706"/>
+          </a:xfrm>
+          <a:prstGeom prst="rect">
+            <a:avLst/>
+          </a:prstGeom>
+        </p:spPr>
+      </p:pic>
+      <p:sp>
+        <p:nvSpPr>
+          <p:cNvPr id="7" name="Textfeld 6">
+            <a:extLst>
+              <a:ext uri="{FF2B5EF4-FFF2-40B4-BE49-F238E27FC236}">
+                <a16:creationId xmlns:a16="http://schemas.microsoft.com/office/drawing/2014/main" id="{F3527CDA-EA87-41F7-8BD1-E4D5A2C202A0}"/>
+              </a:ext>
+            </a:extLst>
+          </p:cNvPr>
+          <p:cNvSpPr txBox="1"/>
+          <p:nvPr/>
+        </p:nvSpPr>
+        <p:spPr>
+          <a:xfrm>
+            <a:off x="5742414" y="4305017"/>
+            <a:ext cx="3866105" cy="307777"/>
+          </a:xfrm>
+          <a:prstGeom prst="rect">
+            <a:avLst/>
+          </a:prstGeom>
+          <a:noFill/>
+        </p:spPr>
+        <p:txBody>
+          <a:bodyPr wrap="square" rtlCol="0">
+            <a:spAutoFit/>
+          </a:bodyPr>
+          <a:lstStyle/>
+          <a:p>
+            <a:r>
+              <a:rPr lang="de-DE" sz="1400" dirty="0"/>
+              <a:t>Bremse</a:t>
+            </a:r>
+          </a:p>
+        </p:txBody>
+      </p:sp>
+    </p:spTree>
+    <p:extLst>
+      <p:ext uri="{BB962C8B-B14F-4D97-AF65-F5344CB8AC3E}">
+        <p14:creationId xmlns:p14="http://schemas.microsoft.com/office/powerpoint/2010/main" val="3761935133"/>
+      </p:ext>
+    </p:extLst>
+  </p:cSld>
+  <p:clrMapOvr>
+    <a:masterClrMapping/>
+  </p:clrMapOvr>
+</p:sld>
+</file>
+
+<file path=ppt/slides/slide3.xml><?xml version="1.0" encoding="utf-8"?>
+<p:sld xmlns:a="http://schemas.openxmlformats.org/drawingml/2006/main" xmlns:r="http://schemas.openxmlformats.org/officeDocument/2006/relationships" xmlns:p="http://schemas.openxmlformats.org/presentationml/2006/main">
+  <p:cSld>
+    <p:spTree>
+      <p:nvGrpSpPr>
+        <p:cNvPr id="1" name=""/>
+        <p:cNvGrpSpPr/>
+        <p:nvPr/>
+      </p:nvGrpSpPr>
+      <p:grpSpPr>
+        <a:xfrm>
+          <a:off x="0" y="0"/>
+          <a:ext cx="0" cy="0"/>
+          <a:chOff x="0" y="0"/>
+          <a:chExt cx="0" cy="0"/>
+        </a:xfrm>
+      </p:grpSpPr>
+      <p:sp>
+        <p:nvSpPr>
+          <p:cNvPr id="2" name="Titel 1">
+            <a:extLst>
+              <a:ext uri="{FF2B5EF4-FFF2-40B4-BE49-F238E27FC236}">
+                <a16:creationId xmlns:a16="http://schemas.microsoft.com/office/drawing/2014/main" id="{80D07F2C-64C5-4A46-9F91-81C3094052AA}"/>
+              </a:ext>
+            </a:extLst>
+          </p:cNvPr>
+          <p:cNvSpPr>
+            <a:spLocks noGrp="1"/>
+          </p:cNvSpPr>
+          <p:nvPr>
+            <p:ph type="title"/>
+          </p:nvPr>
+        </p:nvSpPr>
+        <p:spPr>
+          <a:xfrm>
+            <a:off x="708917" y="268206"/>
+            <a:ext cx="7742267" cy="549271"/>
+          </a:xfrm>
+        </p:spPr>
+        <p:txBody>
+          <a:bodyPr/>
+          <a:lstStyle/>
+          <a:p>
+            <a:r>
+              <a:rPr lang="de-DE" b="1" dirty="0"/>
+              <a:t>Funktionalitäten der Komponenten</a:t>
+            </a:r>
+          </a:p>
+        </p:txBody>
+      </p:sp>
+      <mc:AlternateContent xmlns:mc="http://schemas.openxmlformats.org/markup-compatibility/2006" xmlns:a14="http://schemas.microsoft.com/office/drawing/2010/main">
+        <mc:Choice Requires="a14">
+          <p:graphicFrame>
+            <p:nvGraphicFramePr>
+              <p:cNvPr id="5" name="Tabelle 3">
+                <a:extLst>
+                  <a:ext uri="{FF2B5EF4-FFF2-40B4-BE49-F238E27FC236}">
+                    <a16:creationId xmlns:a16="http://schemas.microsoft.com/office/drawing/2014/main" id="{84B86826-D170-4BEC-A54A-200A262ADB5C}"/>
+                  </a:ext>
+                </a:extLst>
+              </p:cNvPr>
+              <p:cNvGraphicFramePr>
+                <a:graphicFrameLocks noGrp="1"/>
+              </p:cNvGraphicFramePr>
+              <p:nvPr>
+                <p:extLst>
+                  <p:ext uri="{D42A27DB-BD31-4B8C-83A1-F6EECF244321}">
+                    <p14:modId xmlns:p14="http://schemas.microsoft.com/office/powerpoint/2010/main" val="73657199"/>
+                  </p:ext>
+                </p:extLst>
+              </p:nvPr>
+            </p:nvGraphicFramePr>
+            <p:xfrm>
+              <a:off x="708917" y="755861"/>
+              <a:ext cx="8763856" cy="5490827"/>
+            </p:xfrm>
+            <a:graphic>
+              <a:graphicData uri="http://schemas.openxmlformats.org/drawingml/2006/table">
+                <a:tbl>
+                  <a:tblPr firstRow="1" bandRow="1">
+                    <a:tableStyleId>{5C22544A-7EE6-4342-B048-85BDC9FD1C3A}</a:tableStyleId>
+                  </a:tblPr>
+                  <a:tblGrid>
+                    <a:gridCol w="2075945">
+                      <a:extLst>
+                        <a:ext uri="{9D8B030D-6E8A-4147-A177-3AD203B41FA5}">
+                          <a16:colId xmlns:a16="http://schemas.microsoft.com/office/drawing/2014/main" val="1354563449"/>
+                        </a:ext>
+                      </a:extLst>
+                    </a:gridCol>
+                    <a:gridCol w="4712957">
+                      <a:extLst>
+                        <a:ext uri="{9D8B030D-6E8A-4147-A177-3AD203B41FA5}">
+                          <a16:colId xmlns:a16="http://schemas.microsoft.com/office/drawing/2014/main" val="2200538700"/>
+                        </a:ext>
+                      </a:extLst>
+                    </a:gridCol>
+                    <a:gridCol w="1974954">
+                      <a:extLst>
+                        <a:ext uri="{9D8B030D-6E8A-4147-A177-3AD203B41FA5}">
+                          <a16:colId xmlns:a16="http://schemas.microsoft.com/office/drawing/2014/main" val="362572319"/>
+                        </a:ext>
+                      </a:extLst>
+                    </a:gridCol>
+                  </a:tblGrid>
+                  <a:tr h="367921">
+                    <a:tc>
+                      <a:txBody>
+                        <a:bodyPr/>
+                        <a:lstStyle/>
+                        <a:p>
+                          <a:pPr marL="0" algn="l" defTabSz="914400" rtl="0" eaLnBrk="1" latinLnBrk="0" hangingPunct="1"/>
+                          <a:endParaRPr lang="de-DE" sz="1600" b="1" kern="1200" dirty="0">
+                            <a:solidFill>
+                              <a:schemeClr val="bg1"/>
+                            </a:solidFill>
+                            <a:latin typeface="+mn-lt"/>
+                            <a:ea typeface="+mn-ea"/>
+                            <a:cs typeface="+mn-cs"/>
+                          </a:endParaRPr>
+                        </a:p>
+                      </a:txBody>
+                      <a:tcPr anchor="ctr">
+                        <a:solidFill>
+                          <a:srgbClr val="FFC000"/>
+                        </a:solidFill>
+                      </a:tcPr>
+                    </a:tc>
+                    <a:tc>
+                      <a:txBody>
+                        <a:bodyPr/>
+                        <a:lstStyle/>
+                        <a:p>
+                          <a:pPr marL="0" algn="l" defTabSz="914400" rtl="0" eaLnBrk="1" latinLnBrk="0" hangingPunct="1"/>
+                          <a:r>
+                            <a:rPr lang="de-DE" sz="1600" b="1" kern="1200" baseline="0" dirty="0">
+                              <a:solidFill>
+                                <a:srgbClr val="626254"/>
+                              </a:solidFill>
+                              <a:latin typeface="Arial" charset="0"/>
+                              <a:ea typeface="+mn-ea"/>
+                              <a:cs typeface="+mn-cs"/>
+                            </a:rPr>
+                            <a:t>Funktionalität</a:t>
+                          </a:r>
+                        </a:p>
+                      </a:txBody>
+                      <a:tcPr anchor="ctr">
+                        <a:solidFill>
+                          <a:srgbClr val="FFC000"/>
+                        </a:solidFill>
+                      </a:tcPr>
+                    </a:tc>
+                    <a:tc>
+                      <a:txBody>
+                        <a:bodyPr/>
+                        <a:lstStyle/>
+                        <a:p>
+                          <a:pPr marL="0" algn="l" defTabSz="914400" rtl="0" eaLnBrk="1" latinLnBrk="0" hangingPunct="1"/>
+                          <a:r>
+                            <a:rPr lang="de-DE" sz="1600" b="1" kern="1200" baseline="0" dirty="0">
+                              <a:solidFill>
+                                <a:srgbClr val="626254"/>
+                              </a:solidFill>
+                              <a:latin typeface="Arial" charset="0"/>
+                              <a:ea typeface="+mn-ea"/>
+                              <a:cs typeface="+mn-cs"/>
+                            </a:rPr>
+                            <a:t>Einschränkungen</a:t>
+                          </a:r>
+                        </a:p>
+                      </a:txBody>
+                      <a:tcPr anchor="ctr">
+                        <a:solidFill>
+                          <a:srgbClr val="FFC000"/>
+                        </a:solidFill>
+                      </a:tcPr>
+                    </a:tc>
+                    <a:extLst>
+                      <a:ext uri="{0D108BD9-81ED-4DB2-BD59-A6C34878D82A}">
+                        <a16:rowId xmlns:a16="http://schemas.microsoft.com/office/drawing/2014/main" val="1695366984"/>
+                      </a:ext>
+                    </a:extLst>
+                  </a:tr>
+                  <a:tr h="0">
+                    <a:tc>
+                      <a:txBody>
+                        <a:bodyPr/>
+                        <a:lstStyle/>
+                        <a:p>
+                          <a:pPr marL="0" algn="l" defTabSz="914400" rtl="0" eaLnBrk="1" latinLnBrk="0" hangingPunct="1"/>
+                          <a:r>
+                            <a:rPr lang="de-DE" sz="1600" b="1" kern="1200" baseline="0" dirty="0">
+                              <a:solidFill>
+                                <a:srgbClr val="626254"/>
+                              </a:solidFill>
+                              <a:latin typeface="Arial" charset="0"/>
+                              <a:ea typeface="+mn-ea"/>
+                              <a:cs typeface="+mn-cs"/>
+                            </a:rPr>
+                            <a:t>Spannungs-</a:t>
+                          </a:r>
+                        </a:p>
+                        <a:p>
+                          <a:pPr marL="0" algn="l" defTabSz="914400" rtl="0" eaLnBrk="1" latinLnBrk="0" hangingPunct="1"/>
+                          <a:r>
+                            <a:rPr lang="de-DE" sz="1600" b="1" kern="1200" baseline="0" dirty="0">
+                              <a:solidFill>
+                                <a:srgbClr val="626254"/>
+                              </a:solidFill>
+                              <a:latin typeface="Arial" charset="0"/>
+                              <a:ea typeface="+mn-ea"/>
+                              <a:cs typeface="+mn-cs"/>
+                            </a:rPr>
+                            <a:t>quelle</a:t>
+                          </a:r>
+                        </a:p>
+                      </a:txBody>
+                      <a:tcPr>
+                        <a:solidFill>
+                          <a:srgbClr val="FFC000"/>
+                        </a:solidFill>
+                      </a:tcPr>
+                    </a:tc>
+                    <a:tc>
+                      <a:txBody>
+                        <a:bodyPr/>
+                        <a:lstStyle/>
+                        <a:p>
+                          <a:r>
+                            <a:rPr lang="de-DE" sz="1200" b="1" kern="1200" baseline="0" dirty="0">
+                              <a:solidFill>
+                                <a:srgbClr val="000000"/>
+                              </a:solidFill>
+                              <a:latin typeface="Arial" charset="0"/>
+                              <a:ea typeface="+mn-ea"/>
+                              <a:cs typeface="+mn-cs"/>
+                            </a:rPr>
+                            <a:t>Parameter-Drehrichtung</a:t>
+                          </a:r>
+                        </a:p>
+                        <a:p>
+                          <a:pPr marL="171450" indent="-171450">
+                            <a:buFont typeface="Arial" panose="020B0604020202020204" pitchFamily="34" charset="0"/>
+                            <a:buChar char="•"/>
+                          </a:pPr>
+                          <a:r>
+                            <a:rPr lang="de-DE" sz="1200" b="0" kern="1200" baseline="0" dirty="0">
+                              <a:solidFill>
+                                <a:srgbClr val="000000"/>
+                              </a:solidFill>
+                              <a:latin typeface="Arial" charset="0"/>
+                              <a:ea typeface="+mn-ea"/>
+                              <a:cs typeface="+mn-cs"/>
+                            </a:rPr>
+                            <a:t>Drehrichtung (True) </a:t>
+                          </a:r>
+                          <a:r>
+                            <a:rPr lang="de-DE" sz="1200" b="0" kern="1200" baseline="0" dirty="0">
+                              <a:solidFill>
+                                <a:srgbClr val="000000"/>
+                              </a:solidFill>
+                              <a:latin typeface="Arial" charset="0"/>
+                              <a:ea typeface="+mn-ea"/>
+                              <a:cs typeface="+mn-cs"/>
+                              <a:sym typeface="Wingdings" panose="05000000000000000000" pitchFamily="2" charset="2"/>
+                            </a:rPr>
+                            <a:t> Anheben der Masse</a:t>
+                          </a:r>
+                        </a:p>
+                        <a:p>
+                          <a:pPr marL="171450" indent="-171450" algn="l" defTabSz="914400" rtl="0" eaLnBrk="1" latinLnBrk="0" hangingPunct="1">
+                            <a:buFont typeface="Arial" panose="020B0604020202020204" pitchFamily="34" charset="0"/>
+                            <a:buChar char="•"/>
+                          </a:pPr>
+                          <a:r>
+                            <a:rPr lang="de-DE" sz="1200" b="0" kern="1200" baseline="0" dirty="0">
+                              <a:solidFill>
+                                <a:srgbClr val="000000"/>
+                              </a:solidFill>
+                              <a:latin typeface="Arial" charset="0"/>
+                              <a:ea typeface="+mn-ea"/>
+                              <a:cs typeface="+mn-cs"/>
+                              <a:sym typeface="Wingdings" panose="05000000000000000000" pitchFamily="2" charset="2"/>
+                            </a:rPr>
+                            <a:t>Drehrichtung (</a:t>
+                          </a:r>
+                          <a:r>
+                            <a:rPr lang="en-US" sz="1200" b="0" kern="1200" baseline="0" dirty="0">
+                              <a:solidFill>
+                                <a:srgbClr val="000000"/>
+                              </a:solidFill>
+                              <a:latin typeface="Arial" charset="0"/>
+                              <a:ea typeface="+mn-ea"/>
+                              <a:cs typeface="+mn-cs"/>
+                              <a:sym typeface="Wingdings" panose="05000000000000000000" pitchFamily="2" charset="2"/>
+                            </a:rPr>
+                            <a:t>False</a:t>
+                          </a:r>
+                          <a:r>
+                            <a:rPr lang="de-DE" sz="1200" b="0" kern="1200" baseline="0" dirty="0">
+                              <a:solidFill>
+                                <a:srgbClr val="000000"/>
+                              </a:solidFill>
+                              <a:latin typeface="Arial" charset="0"/>
+                              <a:ea typeface="+mn-ea"/>
+                              <a:cs typeface="+mn-cs"/>
+                              <a:sym typeface="Wingdings" panose="05000000000000000000" pitchFamily="2" charset="2"/>
+                            </a:rPr>
+                            <a:t>)  Absenken der Masse</a:t>
+                          </a:r>
+                        </a:p>
+                        <a:p>
+                          <a:pPr marL="0" indent="0" algn="l" defTabSz="914400" rtl="0" eaLnBrk="1" latinLnBrk="0" hangingPunct="1">
+                            <a:buFont typeface="Arial" panose="020B0604020202020204" pitchFamily="34" charset="0"/>
+                            <a:buNone/>
+                          </a:pPr>
+                          <a:r>
+                            <a:rPr lang="de-DE" sz="1200" b="1" kern="1200" baseline="0" dirty="0">
+                              <a:solidFill>
+                                <a:srgbClr val="000000"/>
+                              </a:solidFill>
+                              <a:latin typeface="Arial" charset="0"/>
+                              <a:ea typeface="+mn-ea"/>
+                              <a:cs typeface="+mn-cs"/>
+                              <a:sym typeface="Wingdings" panose="05000000000000000000" pitchFamily="2" charset="2"/>
+                            </a:rPr>
+                            <a:t>Parameter-Spannung</a:t>
+                          </a:r>
+                        </a:p>
+                        <a:p>
+                          <a:pPr marL="171450" indent="-171450" algn="l" defTabSz="914400" rtl="0" eaLnBrk="1" latinLnBrk="0" hangingPunct="1">
+                            <a:buFont typeface="Arial" panose="020B0604020202020204" pitchFamily="34" charset="0"/>
+                            <a:buChar char="•"/>
+                          </a:pPr>
+                          <a:r>
+                            <a:rPr lang="de-DE" sz="1200" b="0" kern="1200" baseline="0" dirty="0">
+                              <a:solidFill>
+                                <a:srgbClr val="000000"/>
+                              </a:solidFill>
+                              <a:latin typeface="Arial" charset="0"/>
+                              <a:ea typeface="+mn-ea"/>
+                              <a:cs typeface="+mn-cs"/>
+                              <a:sym typeface="Wingdings" panose="05000000000000000000" pitchFamily="2" charset="2"/>
+                            </a:rPr>
+                            <a:t>Spannung im positiven Zahlenbereich frei wählbar</a:t>
+                          </a:r>
+                        </a:p>
+                      </a:txBody>
+                      <a:tcPr>
+                        <a:solidFill>
+                          <a:schemeClr val="bg1">
+                            <a:lumMod val="95000"/>
+                          </a:schemeClr>
+                        </a:solidFill>
+                      </a:tcPr>
+                    </a:tc>
+                    <a:tc>
+                      <a:txBody>
+                        <a:bodyPr/>
+                        <a:lstStyle/>
+                        <a:p>
+                          <a:pPr marL="171450" marR="0" lvl="0" indent="-171450" algn="l" defTabSz="914400" rtl="0" eaLnBrk="1" fontAlgn="auto" latinLnBrk="0" hangingPunct="1">
+                            <a:lnSpc>
+                              <a:spcPct val="100000"/>
+                            </a:lnSpc>
+                            <a:spcBef>
+                              <a:spcPts val="0"/>
+                            </a:spcBef>
+                            <a:spcAft>
+                              <a:spcPts val="0"/>
+                            </a:spcAft>
+                            <a:buClrTx/>
+                            <a:buSzTx/>
+                            <a:buFont typeface="Arial" panose="020B0604020202020204" pitchFamily="34" charset="0"/>
+                            <a:buChar char="•"/>
+                            <a:tabLst/>
+                            <a:defRPr/>
+                          </a:pPr>
+                          <a:r>
+                            <a:rPr lang="de-DE" sz="1200" b="0" kern="1200" baseline="0" dirty="0">
+                              <a:solidFill>
+                                <a:srgbClr val="000000"/>
+                              </a:solidFill>
+                              <a:latin typeface="Arial" charset="0"/>
+                              <a:ea typeface="+mn-ea"/>
+                              <a:cs typeface="+mn-cs"/>
+                            </a:rPr>
+                            <a:t>Steuerung des Drehverhaltens über Parameter Drehrichtung</a:t>
+                          </a:r>
+                        </a:p>
+                        <a:p>
+                          <a:pPr marL="171450" marR="0" lvl="0" indent="-171450" algn="l" defTabSz="914400" rtl="0" eaLnBrk="1" fontAlgn="auto" latinLnBrk="0" hangingPunct="1">
+                            <a:lnSpc>
+                              <a:spcPct val="100000"/>
+                            </a:lnSpc>
+                            <a:spcBef>
+                              <a:spcPts val="0"/>
+                            </a:spcBef>
+                            <a:spcAft>
+                              <a:spcPts val="0"/>
+                            </a:spcAft>
+                            <a:buClrTx/>
+                            <a:buSzTx/>
+                            <a:buFont typeface="Arial" panose="020B0604020202020204" pitchFamily="34" charset="0"/>
+                            <a:buChar char="•"/>
+                            <a:tabLst/>
+                            <a:defRPr/>
+                          </a:pPr>
+                          <a:r>
+                            <a:rPr lang="de-DE" sz="1200" b="0" kern="1200" baseline="0" dirty="0">
+                              <a:solidFill>
+                                <a:srgbClr val="000000"/>
+                              </a:solidFill>
+                              <a:latin typeface="Arial" charset="0"/>
+                              <a:ea typeface="+mn-ea"/>
+                              <a:cs typeface="+mn-cs"/>
+                            </a:rPr>
+                            <a:t>Spannung &gt; 0 V</a:t>
+                          </a:r>
+                        </a:p>
+                      </a:txBody>
+                      <a:tcPr>
+                        <a:solidFill>
+                          <a:schemeClr val="bg1">
+                            <a:lumMod val="95000"/>
+                          </a:schemeClr>
+                        </a:solidFill>
+                      </a:tcPr>
+                    </a:tc>
+                    <a:extLst>
+                      <a:ext uri="{0D108BD9-81ED-4DB2-BD59-A6C34878D82A}">
+                        <a16:rowId xmlns:a16="http://schemas.microsoft.com/office/drawing/2014/main" val="3717759356"/>
+                      </a:ext>
+                    </a:extLst>
+                  </a:tr>
+                  <a:tr h="497797">
+                    <a:tc>
+                      <a:txBody>
+                        <a:bodyPr/>
+                        <a:lstStyle/>
+                        <a:p>
+                          <a:pPr marL="0" algn="l" defTabSz="914400" rtl="0" eaLnBrk="1" latinLnBrk="0" hangingPunct="1"/>
+                          <a:r>
+                            <a:rPr lang="de-DE" sz="1600" b="1" kern="1200" baseline="0" dirty="0">
+                              <a:solidFill>
+                                <a:srgbClr val="626254"/>
+                              </a:solidFill>
+                              <a:latin typeface="Arial" charset="0"/>
+                              <a:ea typeface="+mn-ea"/>
+                              <a:cs typeface="+mn-cs"/>
+                            </a:rPr>
+                            <a:t>Einphasen-</a:t>
+                          </a:r>
+                        </a:p>
+                        <a:p>
+                          <a:pPr marL="0" algn="l" defTabSz="914400" rtl="0" eaLnBrk="1" latinLnBrk="0" hangingPunct="1"/>
+                          <a:r>
+                            <a:rPr lang="de-DE" sz="1600" b="1" kern="1200" baseline="0" dirty="0">
+                              <a:solidFill>
+                                <a:srgbClr val="626254"/>
+                              </a:solidFill>
+                              <a:latin typeface="Arial" charset="0"/>
+                              <a:ea typeface="+mn-ea"/>
+                              <a:cs typeface="+mn-cs"/>
+                            </a:rPr>
+                            <a:t>GM</a:t>
+                          </a:r>
+                        </a:p>
+                      </a:txBody>
+                      <a:tcPr>
+                        <a:solidFill>
+                          <a:srgbClr val="FFC000"/>
+                        </a:solidFill>
+                      </a:tcPr>
+                    </a:tc>
+                    <a:tc>
+                      <a:txBody>
+                        <a:bodyPr/>
+                        <a:lstStyle/>
+                        <a:p>
+                          <a:pPr marL="0" indent="0" algn="l" defTabSz="914400" rtl="0" eaLnBrk="1" latinLnBrk="0" hangingPunct="1">
+                            <a:buFont typeface="Arial" panose="020B0604020202020204" pitchFamily="34" charset="0"/>
+                            <a:buNone/>
+                          </a:pPr>
+                          <a:r>
+                            <a:rPr lang="de-DE" sz="1200" b="1" kern="1200" baseline="0" dirty="0">
+                              <a:solidFill>
+                                <a:srgbClr val="000000"/>
+                              </a:solidFill>
+                              <a:latin typeface="Arial" charset="0"/>
+                              <a:ea typeface="+mn-ea"/>
+                              <a:cs typeface="+mn-cs"/>
+                            </a:rPr>
+                            <a:t>Parameter-Betriebsmodus:</a:t>
+                          </a:r>
+                        </a:p>
+                        <a:p>
+                          <a:pPr marL="171450" indent="-171450" algn="l" defTabSz="914400" rtl="0" eaLnBrk="1" latinLnBrk="0" hangingPunct="1">
+                            <a:buFont typeface="Arial" panose="020B0604020202020204" pitchFamily="34" charset="0"/>
+                            <a:buChar char="•"/>
+                          </a:pPr>
+                          <a:r>
+                            <a:rPr lang="de-DE" sz="1200" b="0" kern="1200" baseline="0" dirty="0">
+                              <a:solidFill>
+                                <a:srgbClr val="000000"/>
+                              </a:solidFill>
+                              <a:latin typeface="Arial" charset="0"/>
+                              <a:ea typeface="+mn-ea"/>
+                              <a:cs typeface="+mn-cs"/>
+                            </a:rPr>
+                            <a:t>An (True): Seile und Masse am Flaschenzug bewegen sich</a:t>
+                          </a:r>
+                        </a:p>
+                        <a:p>
+                          <a:pPr marL="171450" indent="-171450" algn="l" defTabSz="914400" rtl="0" eaLnBrk="1" latinLnBrk="0" hangingPunct="1">
+                            <a:buFont typeface="Arial" panose="020B0604020202020204" pitchFamily="34" charset="0"/>
+                            <a:buChar char="•"/>
+                          </a:pPr>
+                          <a:r>
+                            <a:rPr lang="de-DE" sz="1200" b="0" kern="1200" baseline="0" dirty="0">
+                              <a:solidFill>
+                                <a:srgbClr val="000000"/>
+                              </a:solidFill>
+                              <a:latin typeface="Arial" charset="0"/>
+                              <a:ea typeface="+mn-ea"/>
+                              <a:cs typeface="+mn-cs"/>
+                            </a:rPr>
+                            <a:t>Aus (</a:t>
+                          </a:r>
+                          <a:r>
+                            <a:rPr lang="en-US" sz="1200" b="0" kern="1200" baseline="0" noProof="0" dirty="0">
+                              <a:solidFill>
+                                <a:srgbClr val="000000"/>
+                              </a:solidFill>
+                              <a:latin typeface="Arial" charset="0"/>
+                              <a:ea typeface="+mn-ea"/>
+                              <a:cs typeface="+mn-cs"/>
+                            </a:rPr>
+                            <a:t>False</a:t>
+                          </a:r>
+                          <a:r>
+                            <a:rPr lang="de-DE" sz="1200" b="0" kern="1200" baseline="0" dirty="0">
+                              <a:solidFill>
+                                <a:srgbClr val="000000"/>
+                              </a:solidFill>
+                              <a:latin typeface="Arial" charset="0"/>
+                              <a:ea typeface="+mn-ea"/>
+                              <a:cs typeface="+mn-cs"/>
+                            </a:rPr>
+                            <a:t>): Stillstehender Flaschenzug mit </a:t>
+                          </a:r>
+                          <a:r>
+                            <a:rPr lang="de-DE" sz="1200" b="0" kern="1200" baseline="0" dirty="0" err="1">
+                              <a:solidFill>
+                                <a:srgbClr val="000000"/>
+                              </a:solidFill>
+                              <a:latin typeface="Arial" charset="0"/>
+                              <a:ea typeface="+mn-ea"/>
+                              <a:cs typeface="+mn-cs"/>
+                            </a:rPr>
+                            <a:t>unbestromtem</a:t>
+                          </a:r>
+                          <a:r>
+                            <a:rPr lang="de-DE" sz="1200" b="0" kern="1200" baseline="0" dirty="0">
+                              <a:solidFill>
+                                <a:srgbClr val="000000"/>
+                              </a:solidFill>
+                              <a:latin typeface="Arial" charset="0"/>
+                              <a:ea typeface="+mn-ea"/>
+                              <a:cs typeface="+mn-cs"/>
+                            </a:rPr>
+                            <a:t> Motor</a:t>
+                          </a:r>
+                        </a:p>
+                      </a:txBody>
+                      <a:tcPr>
+                        <a:solidFill>
+                          <a:schemeClr val="bg1">
+                            <a:lumMod val="95000"/>
+                          </a:schemeClr>
+                        </a:solidFill>
+                      </a:tcPr>
+                    </a:tc>
+                    <a:tc>
+                      <a:txBody>
+                        <a:bodyPr/>
+                        <a:lstStyle/>
+                        <a:p>
+                          <a:pPr marL="0" marR="0" lvl="0" indent="0" algn="l" defTabSz="914400" rtl="0" eaLnBrk="1" fontAlgn="auto" latinLnBrk="0" hangingPunct="1">
+                            <a:lnSpc>
+                              <a:spcPct val="100000"/>
+                            </a:lnSpc>
+                            <a:spcBef>
+                              <a:spcPts val="0"/>
+                            </a:spcBef>
+                            <a:spcAft>
+                              <a:spcPts val="0"/>
+                            </a:spcAft>
+                            <a:buClrTx/>
+                            <a:buSzTx/>
+                            <a:buFont typeface="Arial" panose="020B0604020202020204" pitchFamily="34" charset="0"/>
+                            <a:buNone/>
+                            <a:tabLst/>
+                            <a:defRPr/>
+                          </a:pPr>
+                          <a:r>
+                            <a:rPr lang="de-DE" sz="1200" b="0" kern="1200" baseline="0" dirty="0">
+                              <a:solidFill>
+                                <a:srgbClr val="000000"/>
+                              </a:solidFill>
+                              <a:latin typeface="Arial" charset="0"/>
+                              <a:ea typeface="+mn-ea"/>
+                              <a:cs typeface="+mn-cs"/>
+                            </a:rPr>
+                            <a:t>Notwendige Variablen:</a:t>
+                          </a:r>
+                        </a:p>
+                        <a:p>
+                          <a:pPr marL="171450" marR="0" lvl="0" indent="-171450" algn="l" defTabSz="914400" rtl="0" eaLnBrk="1" fontAlgn="auto" latinLnBrk="0" hangingPunct="1">
+                            <a:lnSpc>
+                              <a:spcPct val="100000"/>
+                            </a:lnSpc>
+                            <a:spcBef>
+                              <a:spcPts val="0"/>
+                            </a:spcBef>
+                            <a:spcAft>
+                              <a:spcPts val="0"/>
+                            </a:spcAft>
+                            <a:buClrTx/>
+                            <a:buSzTx/>
+                            <a:buFont typeface="Arial" panose="020B0604020202020204" pitchFamily="34" charset="0"/>
+                            <a:buChar char="•"/>
+                            <a:tabLst/>
+                            <a:defRPr/>
+                          </a:pPr>
+                          <a14:m>
+                            <m:oMath xmlns:m="http://schemas.openxmlformats.org/officeDocument/2006/math">
+                              <m:sSub>
+                                <m:sSubPr>
+                                  <m:ctrlPr>
+                                    <a:rPr lang="de-DE" sz="1200" b="0" i="1" kern="1200" baseline="0" smtClean="0">
+                                      <a:solidFill>
+                                        <a:srgbClr val="000000"/>
+                                      </a:solidFill>
+                                      <a:latin typeface="Cambria Math" panose="02040503050406030204" pitchFamily="18" charset="0"/>
+                                      <a:ea typeface="+mn-ea"/>
+                                      <a:cs typeface="+mn-cs"/>
+                                    </a:rPr>
+                                  </m:ctrlPr>
+                                </m:sSubPr>
+                                <m:e>
+                                  <m:r>
+                                    <a:rPr lang="de-DE" sz="1200" b="0" i="1" kern="1200" baseline="0" smtClean="0">
+                                      <a:solidFill>
+                                        <a:srgbClr val="000000"/>
+                                      </a:solidFill>
+                                      <a:latin typeface="Cambria Math" panose="02040503050406030204" pitchFamily="18" charset="0"/>
+                                      <a:ea typeface="+mn-ea"/>
+                                      <a:cs typeface="+mn-cs"/>
+                                    </a:rPr>
+                                    <m:t>𝑈</m:t>
+                                  </m:r>
+                                </m:e>
+                                <m:sub>
+                                  <m:r>
+                                    <a:rPr lang="de-DE" sz="1200" b="0" i="1" kern="1200" baseline="0" smtClean="0">
+                                      <a:solidFill>
+                                        <a:srgbClr val="000000"/>
+                                      </a:solidFill>
+                                      <a:latin typeface="Cambria Math" panose="02040503050406030204" pitchFamily="18" charset="0"/>
+                                      <a:ea typeface="+mn-ea"/>
+                                      <a:cs typeface="+mn-cs"/>
+                                    </a:rPr>
+                                    <m:t>𝑎</m:t>
+                                  </m:r>
+                                </m:sub>
+                              </m:sSub>
+                            </m:oMath>
+                          </a14:m>
+                          <a:r>
+                            <a:rPr lang="de-DE" sz="1200" b="0" kern="1200" baseline="0" dirty="0">
+                              <a:solidFill>
+                                <a:srgbClr val="000000"/>
+                              </a:solidFill>
+                              <a:latin typeface="Arial" charset="0"/>
+                              <a:ea typeface="+mn-ea"/>
+                              <a:cs typeface="+mn-cs"/>
+                            </a:rPr>
+                            <a:t>, </a:t>
+                          </a:r>
+                          <a14:m>
+                            <m:oMath xmlns:m="http://schemas.openxmlformats.org/officeDocument/2006/math">
+                              <m:sSub>
+                                <m:sSubPr>
+                                  <m:ctrlPr>
+                                    <a:rPr lang="de-DE" sz="1200" b="0" i="1" kern="1200" baseline="0" smtClean="0">
+                                      <a:solidFill>
+                                        <a:srgbClr val="000000"/>
+                                      </a:solidFill>
+                                      <a:latin typeface="Cambria Math" panose="02040503050406030204" pitchFamily="18" charset="0"/>
+                                      <a:ea typeface="+mn-ea"/>
+                                      <a:cs typeface="+mn-cs"/>
+                                    </a:rPr>
+                                  </m:ctrlPr>
+                                </m:sSubPr>
+                                <m:e>
+                                  <m:r>
+                                    <a:rPr lang="de-DE" sz="1200" b="0" i="1" kern="1200" baseline="0" smtClean="0">
+                                      <a:solidFill>
+                                        <a:srgbClr val="000000"/>
+                                      </a:solidFill>
+                                      <a:latin typeface="Cambria Math" panose="02040503050406030204" pitchFamily="18" charset="0"/>
+                                      <a:ea typeface="+mn-ea"/>
+                                      <a:cs typeface="+mn-cs"/>
+                                    </a:rPr>
+                                    <m:t>𝐼</m:t>
+                                  </m:r>
+                                </m:e>
+                                <m:sub>
+                                  <m:r>
+                                    <a:rPr lang="de-DE" sz="1200" b="0" i="1" kern="1200" baseline="0" smtClean="0">
+                                      <a:solidFill>
+                                        <a:srgbClr val="000000"/>
+                                      </a:solidFill>
+                                      <a:latin typeface="Cambria Math" panose="02040503050406030204" pitchFamily="18" charset="0"/>
+                                      <a:ea typeface="+mn-ea"/>
+                                      <a:cs typeface="+mn-cs"/>
+                                    </a:rPr>
+                                    <m:t>𝑎</m:t>
+                                  </m:r>
+                                </m:sub>
+                              </m:sSub>
+                            </m:oMath>
+                          </a14:m>
+                          <a:endParaRPr lang="de-DE" sz="1200" b="0" kern="1200" baseline="0" dirty="0">
+                            <a:solidFill>
+                              <a:srgbClr val="000000"/>
+                            </a:solidFill>
+                            <a:latin typeface="Arial" charset="0"/>
+                            <a:ea typeface="+mn-ea"/>
+                            <a:cs typeface="+mn-cs"/>
+                          </a:endParaRPr>
+                        </a:p>
+                        <a:p>
+                          <a:pPr marL="0" marR="0" lvl="0" indent="0" algn="l" defTabSz="914400" rtl="0" eaLnBrk="1" fontAlgn="auto" latinLnBrk="0" hangingPunct="1">
+                            <a:lnSpc>
+                              <a:spcPct val="100000"/>
+                            </a:lnSpc>
+                            <a:spcBef>
+                              <a:spcPts val="0"/>
+                            </a:spcBef>
+                            <a:spcAft>
+                              <a:spcPts val="0"/>
+                            </a:spcAft>
+                            <a:buClrTx/>
+                            <a:buSzTx/>
+                            <a:buFont typeface="Arial" panose="020B0604020202020204" pitchFamily="34" charset="0"/>
+                            <a:buNone/>
+                            <a:tabLst/>
+                            <a:defRPr/>
+                          </a:pPr>
+                          <a:r>
+                            <a:rPr lang="de-DE" sz="1200" b="0" kern="1200" baseline="0" dirty="0">
+                              <a:solidFill>
+                                <a:srgbClr val="000000"/>
+                              </a:solidFill>
+                              <a:latin typeface="Arial" charset="0"/>
+                              <a:ea typeface="+mn-ea"/>
+                              <a:cs typeface="+mn-cs"/>
+                            </a:rPr>
+                            <a:t>Notwendige Parameter:</a:t>
+                          </a:r>
+                        </a:p>
+                        <a:p>
+                          <a:pPr marL="171450" marR="0" lvl="0" indent="-171450" algn="l" defTabSz="914400" rtl="0" eaLnBrk="1" fontAlgn="auto" latinLnBrk="0" hangingPunct="1">
+                            <a:lnSpc>
+                              <a:spcPct val="100000"/>
+                            </a:lnSpc>
+                            <a:spcBef>
+                              <a:spcPts val="0"/>
+                            </a:spcBef>
+                            <a:spcAft>
+                              <a:spcPts val="0"/>
+                            </a:spcAft>
+                            <a:buClrTx/>
+                            <a:buSzTx/>
+                            <a:buFont typeface="Arial" panose="020B0604020202020204" pitchFamily="34" charset="0"/>
+                            <a:buChar char="•"/>
+                            <a:tabLst/>
+                            <a:defRPr/>
+                          </a:pPr>
+                          <a:endParaRPr lang="de-DE" sz="1200" b="0" kern="1200" baseline="0" dirty="0">
+                            <a:solidFill>
+                              <a:srgbClr val="000000"/>
+                            </a:solidFill>
+                            <a:latin typeface="Arial" charset="0"/>
+                            <a:ea typeface="+mn-ea"/>
+                            <a:cs typeface="+mn-cs"/>
+                          </a:endParaRPr>
+                        </a:p>
+                      </a:txBody>
+                      <a:tcPr>
+                        <a:solidFill>
+                          <a:schemeClr val="bg1">
+                            <a:lumMod val="95000"/>
+                          </a:schemeClr>
+                        </a:solidFill>
+                      </a:tcPr>
+                    </a:tc>
+                    <a:extLst>
+                      <a:ext uri="{0D108BD9-81ED-4DB2-BD59-A6C34878D82A}">
+                        <a16:rowId xmlns:a16="http://schemas.microsoft.com/office/drawing/2014/main" val="3026926022"/>
+                      </a:ext>
+                    </a:extLst>
+                  </a:tr>
+                  <a:tr h="497797">
+                    <a:tc>
+                      <a:txBody>
+                        <a:bodyPr/>
+                        <a:lstStyle/>
+                        <a:p>
+                          <a:pPr marL="0" algn="l" defTabSz="914400" rtl="0" eaLnBrk="1" latinLnBrk="0" hangingPunct="1"/>
+                          <a:r>
+                            <a:rPr lang="de-DE" sz="1600" b="1" kern="1200" baseline="0" dirty="0">
+                              <a:solidFill>
+                                <a:srgbClr val="626254"/>
+                              </a:solidFill>
+                              <a:latin typeface="Arial" charset="0"/>
+                              <a:ea typeface="+mn-ea"/>
+                              <a:cs typeface="+mn-cs"/>
+                            </a:rPr>
+                            <a:t>Seilwinde</a:t>
+                          </a:r>
+                        </a:p>
+                      </a:txBody>
+                      <a:tcPr>
+                        <a:solidFill>
+                          <a:srgbClr val="FFC000"/>
+                        </a:solidFill>
+                      </a:tcPr>
+                    </a:tc>
+                    <a:tc>
+                      <a:txBody>
+                        <a:bodyPr/>
+                        <a:lstStyle/>
+                        <a:p>
+                          <a:pPr marL="171450" indent="-171450" algn="l" defTabSz="914400" rtl="0" eaLnBrk="1" latinLnBrk="0" hangingPunct="1">
+                            <a:buFont typeface="Arial" panose="020B0604020202020204" pitchFamily="34" charset="0"/>
+                            <a:buChar char="•"/>
+                          </a:pPr>
+                          <a:r>
+                            <a:rPr lang="de-DE" sz="1200" b="0" kern="1200" baseline="0" dirty="0">
+                              <a:solidFill>
+                                <a:srgbClr val="000000"/>
+                              </a:solidFill>
+                              <a:latin typeface="Arial" charset="0"/>
+                              <a:ea typeface="+mn-ea"/>
+                              <a:cs typeface="+mn-cs"/>
+                            </a:rPr>
+                            <a:t>Umwandlung einer Kraft in ein Moment</a:t>
+                          </a:r>
+                        </a:p>
+                        <a:p>
+                          <a:pPr marL="171450" indent="-171450" algn="l" defTabSz="914400" rtl="0" eaLnBrk="1" latinLnBrk="0" hangingPunct="1">
+                            <a:buFont typeface="Arial" panose="020B0604020202020204" pitchFamily="34" charset="0"/>
+                            <a:buChar char="•"/>
+                          </a:pPr>
+                          <a:r>
+                            <a:rPr lang="de-DE" sz="1200" b="0" kern="1200" baseline="0" dirty="0">
+                              <a:solidFill>
+                                <a:srgbClr val="000000"/>
+                              </a:solidFill>
+                              <a:latin typeface="Arial" charset="0"/>
+                              <a:ea typeface="+mn-ea"/>
+                              <a:cs typeface="+mn-cs"/>
+                            </a:rPr>
+                            <a:t>Umwandlung einer Strecke in einen Winkel</a:t>
+                          </a:r>
+                        </a:p>
+                        <a:p>
+                          <a:pPr marL="171450" indent="-171450" algn="l" defTabSz="914400" rtl="0" eaLnBrk="1" latinLnBrk="0" hangingPunct="1">
+                            <a:buFont typeface="Arial" panose="020B0604020202020204" pitchFamily="34" charset="0"/>
+                            <a:buChar char="•"/>
+                          </a:pPr>
+                          <a:r>
+                            <a:rPr lang="de-DE" sz="1200" b="0" kern="1200" baseline="0" dirty="0" err="1">
+                              <a:solidFill>
+                                <a:srgbClr val="000000"/>
+                              </a:solidFill>
+                              <a:latin typeface="Arial" charset="0"/>
+                              <a:ea typeface="+mn-ea"/>
+                              <a:cs typeface="+mn-cs"/>
+                            </a:rPr>
+                            <a:t>phi_M_Connector</a:t>
+                          </a:r>
+                          <a:r>
+                            <a:rPr lang="de-DE" sz="1200" b="0" kern="1200" baseline="0" dirty="0">
+                              <a:solidFill>
+                                <a:srgbClr val="000000"/>
+                              </a:solidFill>
+                              <a:latin typeface="Arial" charset="0"/>
+                              <a:ea typeface="+mn-ea"/>
+                              <a:cs typeface="+mn-cs"/>
+                            </a:rPr>
+                            <a:t>: Welle überträgt Momente und Winkel</a:t>
+                          </a:r>
+                        </a:p>
+                        <a:p>
+                          <a:pPr marL="171450" indent="-171450" algn="l" defTabSz="914400" rtl="0" eaLnBrk="1" latinLnBrk="0" hangingPunct="1">
+                            <a:buFont typeface="Arial" panose="020B0604020202020204" pitchFamily="34" charset="0"/>
+                            <a:buChar char="•"/>
+                          </a:pPr>
+                          <a:r>
+                            <a:rPr lang="de-DE" sz="1200" b="0" kern="1200" baseline="0" dirty="0" err="1">
+                              <a:solidFill>
+                                <a:srgbClr val="000000"/>
+                              </a:solidFill>
+                              <a:latin typeface="Arial" charset="0"/>
+                              <a:ea typeface="+mn-ea"/>
+                              <a:cs typeface="+mn-cs"/>
+                            </a:rPr>
+                            <a:t>s_F_Connectr</a:t>
+                          </a:r>
+                          <a:r>
+                            <a:rPr lang="de-DE" sz="1200" b="0" kern="1200" baseline="0" dirty="0">
+                              <a:solidFill>
+                                <a:srgbClr val="000000"/>
+                              </a:solidFill>
+                              <a:latin typeface="Arial" charset="0"/>
+                              <a:ea typeface="+mn-ea"/>
+                              <a:cs typeface="+mn-cs"/>
+                            </a:rPr>
+                            <a:t>: Seil überträgt Kräfte und Strecken</a:t>
+                          </a:r>
+                        </a:p>
+                      </a:txBody>
+                      <a:tcPr>
+                        <a:solidFill>
+                          <a:schemeClr val="bg1">
+                            <a:lumMod val="95000"/>
+                          </a:schemeClr>
+                        </a:solidFill>
+                      </a:tcPr>
+                    </a:tc>
+                    <a:tc>
+                      <a:txBody>
+                        <a:bodyPr/>
+                        <a:lstStyle/>
+                        <a:p>
+                          <a:pPr marL="171450" marR="0" lvl="0" indent="-171450" algn="l" defTabSz="914400" rtl="0" eaLnBrk="1" fontAlgn="auto" latinLnBrk="0" hangingPunct="1">
+                            <a:lnSpc>
+                              <a:spcPct val="100000"/>
+                            </a:lnSpc>
+                            <a:spcBef>
+                              <a:spcPts val="0"/>
+                            </a:spcBef>
+                            <a:spcAft>
+                              <a:spcPts val="0"/>
+                            </a:spcAft>
+                            <a:buClrTx/>
+                            <a:buSzTx/>
+                            <a:buFont typeface="Arial" panose="020B0604020202020204" pitchFamily="34" charset="0"/>
+                            <a:buChar char="•"/>
+                            <a:tabLst/>
+                            <a:defRPr/>
+                          </a:pPr>
+                          <a:r>
+                            <a:rPr lang="de-DE" sz="1200" b="0" kern="1200" baseline="0" dirty="0">
+                              <a:solidFill>
+                                <a:srgbClr val="000000"/>
+                              </a:solidFill>
+                              <a:latin typeface="Arial" charset="0"/>
+                              <a:ea typeface="+mn-ea"/>
+                              <a:cs typeface="+mn-cs"/>
+                            </a:rPr>
+                            <a:t>Seilrollenradius &gt; 0 m</a:t>
+                          </a:r>
+                        </a:p>
+                        <a:p>
+                          <a:pPr marL="171450" marR="0" lvl="0" indent="-171450" algn="l" defTabSz="914400" rtl="0" eaLnBrk="1" fontAlgn="auto" latinLnBrk="0" hangingPunct="1">
+                            <a:lnSpc>
+                              <a:spcPct val="100000"/>
+                            </a:lnSpc>
+                            <a:spcBef>
+                              <a:spcPts val="0"/>
+                            </a:spcBef>
+                            <a:spcAft>
+                              <a:spcPts val="0"/>
+                            </a:spcAft>
+                            <a:buClrTx/>
+                            <a:buSzTx/>
+                            <a:buFont typeface="Arial" panose="020B0604020202020204" pitchFamily="34" charset="0"/>
+                            <a:buChar char="•"/>
+                            <a:tabLst/>
+                            <a:defRPr/>
+                          </a:pPr>
+                          <a:r>
+                            <a:rPr lang="de-DE" sz="1200" b="0" kern="1200" baseline="0" dirty="0">
+                              <a:solidFill>
+                                <a:srgbClr val="000000"/>
+                              </a:solidFill>
+                              <a:latin typeface="Arial" charset="0"/>
+                              <a:ea typeface="+mn-ea"/>
+                              <a:cs typeface="+mn-cs"/>
+                            </a:rPr>
+                            <a:t>Seilrollenradius beträgt standardgemäß 0,5m</a:t>
+                          </a:r>
+                        </a:p>
+                      </a:txBody>
+                      <a:tcPr>
+                        <a:solidFill>
+                          <a:schemeClr val="bg1">
+                            <a:lumMod val="95000"/>
+                          </a:schemeClr>
+                        </a:solidFill>
+                      </a:tcPr>
+                    </a:tc>
+                    <a:extLst>
+                      <a:ext uri="{0D108BD9-81ED-4DB2-BD59-A6C34878D82A}">
+                        <a16:rowId xmlns:a16="http://schemas.microsoft.com/office/drawing/2014/main" val="1839727103"/>
+                      </a:ext>
+                    </a:extLst>
+                  </a:tr>
+                  <a:tr h="497797">
+                    <a:tc>
+                      <a:txBody>
+                        <a:bodyPr/>
+                        <a:lstStyle/>
+                        <a:p>
+                          <a:pPr marL="0" algn="l" defTabSz="914400" rtl="0" eaLnBrk="1" latinLnBrk="0" hangingPunct="1"/>
+                          <a:r>
+                            <a:rPr lang="de-DE" sz="1600" b="1" kern="1200" baseline="0" dirty="0">
+                              <a:solidFill>
+                                <a:srgbClr val="626254"/>
+                              </a:solidFill>
+                              <a:latin typeface="Arial" charset="0"/>
+                              <a:ea typeface="+mn-ea"/>
+                              <a:cs typeface="+mn-cs"/>
+                            </a:rPr>
+                            <a:t>Rollen</a:t>
+                          </a:r>
+                        </a:p>
+                      </a:txBody>
+                      <a:tcPr>
+                        <a:solidFill>
+                          <a:srgbClr val="FFC000"/>
+                        </a:solidFill>
+                      </a:tcPr>
+                    </a:tc>
+                    <a:tc>
+                      <a:txBody>
+                        <a:bodyPr/>
+                        <a:lstStyle/>
+                        <a:p>
+                          <a:pPr marL="0" indent="0" algn="l" defTabSz="914400" rtl="0" eaLnBrk="1" latinLnBrk="0" hangingPunct="1">
+                            <a:buFont typeface="Arial" panose="020B0604020202020204" pitchFamily="34" charset="0"/>
+                            <a:buNone/>
+                          </a:pPr>
+                          <a:r>
+                            <a:rPr lang="de-DE" sz="1200" b="1" kern="1200" baseline="0" dirty="0">
+                              <a:solidFill>
+                                <a:srgbClr val="000000"/>
+                              </a:solidFill>
+                              <a:latin typeface="Arial" charset="0"/>
+                              <a:ea typeface="+mn-ea"/>
+                              <a:cs typeface="+mn-cs"/>
+                            </a:rPr>
+                            <a:t>Rollenanzahl</a:t>
+                          </a:r>
+                        </a:p>
+                        <a:p>
+                          <a:pPr marL="171450" indent="-171450" algn="l" defTabSz="914400" rtl="0" eaLnBrk="1" latinLnBrk="0" hangingPunct="1">
+                            <a:buFont typeface="Arial" panose="020B0604020202020204" pitchFamily="34" charset="0"/>
+                            <a:buChar char="•"/>
+                          </a:pPr>
+                          <a:r>
+                            <a:rPr lang="de-DE" sz="1200" b="0" kern="1200" baseline="0" dirty="0">
+                              <a:solidFill>
+                                <a:srgbClr val="000000"/>
+                              </a:solidFill>
+                              <a:latin typeface="Arial" charset="0"/>
+                              <a:ea typeface="+mn-ea"/>
+                              <a:cs typeface="+mn-cs"/>
+                            </a:rPr>
+                            <a:t>Rollenanzahl des Gesamtsystems frei wählbar</a:t>
+                          </a:r>
+                        </a:p>
+                        <a:p>
+                          <a:pPr marL="0" indent="0" algn="l" defTabSz="914400" rtl="0" eaLnBrk="1" latinLnBrk="0" hangingPunct="1">
+                            <a:buFont typeface="Arial" panose="020B0604020202020204" pitchFamily="34" charset="0"/>
+                            <a:buNone/>
+                          </a:pPr>
+                          <a:r>
+                            <a:rPr lang="de-DE" sz="1200" b="1" kern="1200" baseline="0" dirty="0">
+                              <a:solidFill>
+                                <a:srgbClr val="000000"/>
+                              </a:solidFill>
+                              <a:latin typeface="Arial" charset="0"/>
+                              <a:ea typeface="+mn-ea"/>
+                              <a:cs typeface="+mn-cs"/>
+                            </a:rPr>
+                            <a:t>Bauformen</a:t>
+                          </a:r>
+                        </a:p>
+                        <a:p>
+                          <a:pPr marL="171450" indent="-171450" algn="l" defTabSz="914400" rtl="0" eaLnBrk="1" latinLnBrk="0" hangingPunct="1">
+                            <a:buFont typeface="Arial" panose="020B0604020202020204" pitchFamily="34" charset="0"/>
+                            <a:buChar char="•"/>
+                          </a:pPr>
+                          <a:r>
+                            <a:rPr lang="de-DE" sz="1200" b="0" kern="1200" baseline="0" dirty="0">
+                              <a:solidFill>
+                                <a:srgbClr val="000000"/>
+                              </a:solidFill>
+                              <a:latin typeface="Arial" charset="0"/>
+                              <a:ea typeface="+mn-ea"/>
+                              <a:cs typeface="+mn-cs"/>
+                            </a:rPr>
+                            <a:t>Flaschenzug Angriffspunkt oben</a:t>
+                          </a:r>
+                        </a:p>
+                        <a:p>
+                          <a:pPr marL="171450" indent="-171450" algn="l" defTabSz="914400" rtl="0" eaLnBrk="1" latinLnBrk="0" hangingPunct="1">
+                            <a:buFont typeface="Arial" panose="020B0604020202020204" pitchFamily="34" charset="0"/>
+                            <a:buChar char="•"/>
+                          </a:pPr>
+                          <a:r>
+                            <a:rPr lang="de-DE" sz="1200" b="0" kern="1200" baseline="0" dirty="0">
+                              <a:solidFill>
+                                <a:srgbClr val="000000"/>
+                              </a:solidFill>
+                              <a:latin typeface="Arial" charset="0"/>
+                              <a:ea typeface="+mn-ea"/>
+                              <a:cs typeface="+mn-cs"/>
+                            </a:rPr>
+                            <a:t>Flaschenzug Angriffspunkt unten</a:t>
+                          </a:r>
+                        </a:p>
+                      </a:txBody>
+                      <a:tcPr>
+                        <a:solidFill>
+                          <a:schemeClr val="bg1">
+                            <a:lumMod val="95000"/>
+                          </a:schemeClr>
+                        </a:solidFill>
+                      </a:tcPr>
+                    </a:tc>
+                    <a:tc>
+                      <a:txBody>
+                        <a:bodyPr/>
+                        <a:lstStyle/>
+                        <a:p>
+                          <a:pPr marL="171450" marR="0" lvl="0" indent="-171450" algn="l" defTabSz="914400" rtl="0" eaLnBrk="1" fontAlgn="auto" latinLnBrk="0" hangingPunct="1">
+                            <a:lnSpc>
+                              <a:spcPct val="100000"/>
+                            </a:lnSpc>
+                            <a:spcBef>
+                              <a:spcPts val="0"/>
+                            </a:spcBef>
+                            <a:spcAft>
+                              <a:spcPts val="0"/>
+                            </a:spcAft>
+                            <a:buClrTx/>
+                            <a:buSzTx/>
+                            <a:buFont typeface="Arial" panose="020B0604020202020204" pitchFamily="34" charset="0"/>
+                            <a:buChar char="•"/>
+                            <a:tabLst/>
+                            <a:defRPr/>
+                          </a:pPr>
+                          <a:r>
+                            <a:rPr lang="de-DE" sz="1200" b="0" kern="1200" baseline="0" dirty="0">
+                              <a:solidFill>
+                                <a:srgbClr val="000000"/>
+                              </a:solidFill>
+                              <a:latin typeface="Arial" charset="0"/>
+                              <a:ea typeface="+mn-ea"/>
+                              <a:cs typeface="+mn-cs"/>
+                            </a:rPr>
+                            <a:t>Rollenanzahl n &gt; 0</a:t>
+                          </a:r>
+                        </a:p>
+                      </a:txBody>
+                      <a:tcPr>
+                        <a:solidFill>
+                          <a:schemeClr val="bg1">
+                            <a:lumMod val="95000"/>
+                          </a:schemeClr>
+                        </a:solidFill>
+                      </a:tcPr>
+                    </a:tc>
+                    <a:extLst>
+                      <a:ext uri="{0D108BD9-81ED-4DB2-BD59-A6C34878D82A}">
+                        <a16:rowId xmlns:a16="http://schemas.microsoft.com/office/drawing/2014/main" val="3258016539"/>
+                      </a:ext>
+                    </a:extLst>
+                  </a:tr>
+                  <a:tr h="497797">
+                    <a:tc>
+                      <a:txBody>
+                        <a:bodyPr/>
+                        <a:lstStyle/>
+                        <a:p>
+                          <a:pPr marL="0" algn="l" defTabSz="914400" rtl="0" eaLnBrk="1" latinLnBrk="0" hangingPunct="1"/>
+                          <a:r>
+                            <a:rPr lang="de-DE" sz="1600" b="1" kern="1200" baseline="0" dirty="0">
+                              <a:solidFill>
+                                <a:srgbClr val="626254"/>
+                              </a:solidFill>
+                              <a:latin typeface="Arial" charset="0"/>
+                              <a:ea typeface="+mn-ea"/>
+                              <a:cs typeface="+mn-cs"/>
+                            </a:rPr>
+                            <a:t>Masse</a:t>
+                          </a:r>
+                        </a:p>
+                      </a:txBody>
+                      <a:tcPr>
+                        <a:solidFill>
+                          <a:srgbClr val="FFC000"/>
+                        </a:solidFill>
+                      </a:tcPr>
+                    </a:tc>
+                    <a:tc>
+                      <a:txBody>
+                        <a:bodyPr/>
+                        <a:lstStyle/>
+                        <a:p>
+                          <a:pPr marL="171450" indent="-171450" algn="l" defTabSz="914400" rtl="0" eaLnBrk="1" latinLnBrk="0" hangingPunct="1">
+                            <a:buFont typeface="Arial" panose="020B0604020202020204" pitchFamily="34" charset="0"/>
+                            <a:buChar char="•"/>
+                          </a:pPr>
+                          <a:r>
+                            <a:rPr lang="de-DE" sz="1200" b="0" kern="1200" baseline="0" dirty="0">
+                              <a:solidFill>
+                                <a:srgbClr val="000000"/>
+                              </a:solidFill>
+                              <a:latin typeface="Arial" charset="0"/>
+                              <a:ea typeface="+mn-ea"/>
+                              <a:cs typeface="+mn-cs"/>
+                            </a:rPr>
+                            <a:t>Frei wählbare Masse</a:t>
+                          </a:r>
+                        </a:p>
+                      </a:txBody>
+                      <a:tcPr>
+                        <a:solidFill>
+                          <a:schemeClr val="bg1">
+                            <a:lumMod val="95000"/>
+                          </a:schemeClr>
+                        </a:solidFill>
+                      </a:tcPr>
+                    </a:tc>
+                    <a:tc>
+                      <a:txBody>
+                        <a:bodyPr/>
+                        <a:lstStyle/>
+                        <a:p>
+                          <a:pPr marL="171450" indent="-171450" algn="l" defTabSz="914400" rtl="0" eaLnBrk="1" latinLnBrk="0" hangingPunct="1">
+                            <a:buFont typeface="Arial" panose="020B0604020202020204" pitchFamily="34" charset="0"/>
+                            <a:buChar char="•"/>
+                          </a:pPr>
+                          <a:r>
+                            <a:rPr lang="de-DE" sz="1200" b="0" kern="1200" baseline="0" dirty="0">
+                              <a:solidFill>
+                                <a:srgbClr val="000000"/>
+                              </a:solidFill>
+                              <a:latin typeface="Arial" charset="0"/>
+                              <a:ea typeface="+mn-ea"/>
+                              <a:cs typeface="+mn-cs"/>
+                            </a:rPr>
+                            <a:t>Masse &gt; 0 kg</a:t>
+                          </a:r>
+                        </a:p>
+                        <a:p>
+                          <a:pPr marL="171450" indent="-171450" algn="l" defTabSz="914400" rtl="0" eaLnBrk="1" latinLnBrk="0" hangingPunct="1">
+                            <a:buFont typeface="Arial" panose="020B0604020202020204" pitchFamily="34" charset="0"/>
+                            <a:buChar char="•"/>
+                          </a:pPr>
+                          <a:r>
+                            <a:rPr lang="de-DE" sz="1200" b="0" kern="1200" baseline="0" dirty="0">
+                              <a:solidFill>
+                                <a:srgbClr val="000000"/>
+                              </a:solidFill>
+                              <a:latin typeface="Arial" charset="0"/>
+                              <a:ea typeface="+mn-ea"/>
+                              <a:cs typeface="+mn-cs"/>
+                            </a:rPr>
+                            <a:t>Bei hohen Massen muss ggf. Rollenanzahl erhöht werden</a:t>
+                          </a:r>
+                        </a:p>
+                      </a:txBody>
+                      <a:tcPr>
+                        <a:solidFill>
+                          <a:schemeClr val="bg1">
+                            <a:lumMod val="95000"/>
+                          </a:schemeClr>
+                        </a:solidFill>
+                      </a:tcPr>
+                    </a:tc>
+                    <a:extLst>
+                      <a:ext uri="{0D108BD9-81ED-4DB2-BD59-A6C34878D82A}">
+                        <a16:rowId xmlns:a16="http://schemas.microsoft.com/office/drawing/2014/main" val="3487731437"/>
+                      </a:ext>
+                    </a:extLst>
+                  </a:tr>
+                  <a:tr h="642346">
+                    <a:tc>
+                      <a:txBody>
+                        <a:bodyPr/>
+                        <a:lstStyle/>
+                        <a:p>
+                          <a:pPr marL="0" algn="l" defTabSz="914400" rtl="0" eaLnBrk="1" latinLnBrk="0" hangingPunct="1"/>
+                          <a:r>
+                            <a:rPr lang="de-DE" sz="1600" b="1" kern="1200" baseline="0" dirty="0">
+                              <a:solidFill>
+                                <a:srgbClr val="626254"/>
+                              </a:solidFill>
+                              <a:latin typeface="Arial" charset="0"/>
+                              <a:ea typeface="+mn-ea"/>
+                              <a:cs typeface="+mn-cs"/>
+                            </a:rPr>
+                            <a:t>Bremse</a:t>
+                          </a:r>
+                        </a:p>
+                      </a:txBody>
+                      <a:tcPr>
+                        <a:solidFill>
+                          <a:srgbClr val="FFC000"/>
+                        </a:solidFill>
+                      </a:tcPr>
+                    </a:tc>
+                    <a:tc>
+                      <a:txBody>
+                        <a:bodyPr/>
+                        <a:lstStyle/>
+                        <a:p>
+                          <a:pPr marL="0" indent="0" algn="l" defTabSz="914400" rtl="0" eaLnBrk="1" latinLnBrk="0" hangingPunct="1">
+                            <a:buFont typeface="Arial" panose="020B0604020202020204" pitchFamily="34" charset="0"/>
+                            <a:buNone/>
+                          </a:pPr>
+                          <a:endParaRPr lang="de-DE" sz="1200" b="1" kern="1200" baseline="0" dirty="0">
+                            <a:solidFill>
+                              <a:srgbClr val="000000"/>
+                            </a:solidFill>
+                            <a:latin typeface="Arial" charset="0"/>
+                            <a:ea typeface="+mn-ea"/>
+                            <a:cs typeface="+mn-cs"/>
+                          </a:endParaRPr>
+                        </a:p>
+                      </a:txBody>
+                      <a:tcPr>
+                        <a:solidFill>
+                          <a:schemeClr val="bg1">
+                            <a:lumMod val="95000"/>
+                          </a:schemeClr>
+                        </a:solidFill>
+                      </a:tcPr>
+                    </a:tc>
+                    <a:tc>
+                      <a:txBody>
+                        <a:bodyPr/>
+                        <a:lstStyle/>
+                        <a:p>
+                          <a:pPr marL="171450" indent="-171450" algn="l" defTabSz="914400" rtl="0" eaLnBrk="1" latinLnBrk="0" hangingPunct="1">
+                            <a:buFont typeface="Arial" panose="020B0604020202020204" pitchFamily="34" charset="0"/>
+                            <a:buChar char="•"/>
+                          </a:pPr>
+                          <a:endParaRPr lang="de-DE" sz="1200" b="0" kern="1200" baseline="0" dirty="0">
+                            <a:solidFill>
+                              <a:srgbClr val="000000"/>
+                            </a:solidFill>
+                            <a:latin typeface="Arial" charset="0"/>
+                            <a:ea typeface="+mn-ea"/>
+                            <a:cs typeface="+mn-cs"/>
+                          </a:endParaRPr>
+                        </a:p>
+                      </a:txBody>
+                      <a:tcPr>
+                        <a:solidFill>
+                          <a:schemeClr val="bg1">
+                            <a:lumMod val="95000"/>
+                          </a:schemeClr>
+                        </a:solidFill>
+                      </a:tcPr>
+                    </a:tc>
+                    <a:extLst>
+                      <a:ext uri="{0D108BD9-81ED-4DB2-BD59-A6C34878D82A}">
+                        <a16:rowId xmlns:a16="http://schemas.microsoft.com/office/drawing/2014/main" val="1496735500"/>
+                      </a:ext>
+                    </a:extLst>
+                  </a:tr>
+                </a:tbl>
+              </a:graphicData>
+            </a:graphic>
+          </p:graphicFrame>
+        </mc:Choice>
+        <mc:Fallback xmlns="">
+          <p:graphicFrame>
+            <p:nvGraphicFramePr>
+              <p:cNvPr id="5" name="Tabelle 3">
+                <a:extLst>
+                  <a:ext uri="{FF2B5EF4-FFF2-40B4-BE49-F238E27FC236}">
+                    <a16:creationId xmlns:a16="http://schemas.microsoft.com/office/drawing/2014/main" id="{84B86826-D170-4BEC-A54A-200A262ADB5C}"/>
+                  </a:ext>
+                </a:extLst>
+              </p:cNvPr>
+              <p:cNvGraphicFramePr>
+                <a:graphicFrameLocks noGrp="1"/>
+              </p:cNvGraphicFramePr>
+              <p:nvPr>
+                <p:extLst>
+                  <p:ext uri="{D42A27DB-BD31-4B8C-83A1-F6EECF244321}">
+                    <p14:modId xmlns:p14="http://schemas.microsoft.com/office/powerpoint/2010/main" val="453099576"/>
+                  </p:ext>
+                </p:extLst>
+              </p:nvPr>
+            </p:nvGraphicFramePr>
+            <p:xfrm>
+              <a:off x="708917" y="755861"/>
+              <a:ext cx="8763856" cy="5490827"/>
+            </p:xfrm>
+            <a:graphic>
+              <a:graphicData uri="http://schemas.openxmlformats.org/drawingml/2006/table">
+                <a:tbl>
+                  <a:tblPr firstRow="1" bandRow="1">
+                    <a:tableStyleId>{5C22544A-7EE6-4342-B048-85BDC9FD1C3A}</a:tableStyleId>
+                  </a:tblPr>
+                  <a:tblGrid>
+                    <a:gridCol w="2075945">
+                      <a:extLst>
+                        <a:ext uri="{9D8B030D-6E8A-4147-A177-3AD203B41FA5}">
+                          <a16:colId xmlns:a16="http://schemas.microsoft.com/office/drawing/2014/main" val="1354563449"/>
+                        </a:ext>
+                      </a:extLst>
+                    </a:gridCol>
+                    <a:gridCol w="4712957">
+                      <a:extLst>
+                        <a:ext uri="{9D8B030D-6E8A-4147-A177-3AD203B41FA5}">
+                          <a16:colId xmlns:a16="http://schemas.microsoft.com/office/drawing/2014/main" val="2200538700"/>
+                        </a:ext>
+                      </a:extLst>
+                    </a:gridCol>
+                    <a:gridCol w="1974954">
+                      <a:extLst>
+                        <a:ext uri="{9D8B030D-6E8A-4147-A177-3AD203B41FA5}">
+                          <a16:colId xmlns:a16="http://schemas.microsoft.com/office/drawing/2014/main" val="362572319"/>
+                        </a:ext>
+                      </a:extLst>
+                    </a:gridCol>
+                  </a:tblGrid>
+                  <a:tr h="367921">
+                    <a:tc>
+                      <a:txBody>
+                        <a:bodyPr/>
+                        <a:lstStyle/>
+                        <a:p>
+                          <a:pPr marL="0" algn="l" defTabSz="914400" rtl="0" eaLnBrk="1" latinLnBrk="0" hangingPunct="1"/>
+                          <a:endParaRPr lang="de-DE" sz="1600" b="1" kern="1200" dirty="0">
+                            <a:solidFill>
+                              <a:schemeClr val="bg1"/>
+                            </a:solidFill>
+                            <a:latin typeface="+mn-lt"/>
+                            <a:ea typeface="+mn-ea"/>
+                            <a:cs typeface="+mn-cs"/>
+                          </a:endParaRPr>
+                        </a:p>
+                      </a:txBody>
+                      <a:tcPr anchor="ctr">
+                        <a:solidFill>
+                          <a:srgbClr val="FFC000"/>
+                        </a:solidFill>
+                      </a:tcPr>
+                    </a:tc>
+                    <a:tc>
+                      <a:txBody>
+                        <a:bodyPr/>
+                        <a:lstStyle/>
+                        <a:p>
+                          <a:pPr marL="0" algn="l" defTabSz="914400" rtl="0" eaLnBrk="1" latinLnBrk="0" hangingPunct="1"/>
+                          <a:r>
+                            <a:rPr lang="de-DE" sz="1600" b="1" kern="1200" baseline="0" dirty="0">
+                              <a:solidFill>
+                                <a:srgbClr val="626254"/>
+                              </a:solidFill>
+                              <a:latin typeface="Arial" charset="0"/>
+                              <a:ea typeface="+mn-ea"/>
+                              <a:cs typeface="+mn-cs"/>
+                            </a:rPr>
+                            <a:t>Funktionalität</a:t>
+                          </a:r>
+                        </a:p>
+                      </a:txBody>
+                      <a:tcPr anchor="ctr">
+                        <a:solidFill>
+                          <a:srgbClr val="FFC000"/>
+                        </a:solidFill>
+                      </a:tcPr>
+                    </a:tc>
+                    <a:tc>
+                      <a:txBody>
+                        <a:bodyPr/>
+                        <a:lstStyle/>
+                        <a:p>
+                          <a:pPr marL="0" algn="l" defTabSz="914400" rtl="0" eaLnBrk="1" latinLnBrk="0" hangingPunct="1"/>
+                          <a:r>
+                            <a:rPr lang="de-DE" sz="1600" b="1" kern="1200" baseline="0" dirty="0">
+                              <a:solidFill>
+                                <a:srgbClr val="626254"/>
+                              </a:solidFill>
+                              <a:latin typeface="Arial" charset="0"/>
+                              <a:ea typeface="+mn-ea"/>
+                              <a:cs typeface="+mn-cs"/>
+                            </a:rPr>
+                            <a:t>Einschränkungen</a:t>
+                          </a:r>
+                        </a:p>
+                      </a:txBody>
+                      <a:tcPr anchor="ctr">
+                        <a:solidFill>
+                          <a:srgbClr val="FFC000"/>
+                        </a:solidFill>
+                      </a:tcPr>
+                    </a:tc>
+                    <a:extLst>
+                      <a:ext uri="{0D108BD9-81ED-4DB2-BD59-A6C34878D82A}">
+                        <a16:rowId xmlns:a16="http://schemas.microsoft.com/office/drawing/2014/main" val="1695366984"/>
+                      </a:ext>
+                    </a:extLst>
+                  </a:tr>
+                  <a:tr h="1005840">
+                    <a:tc>
+                      <a:txBody>
+                        <a:bodyPr/>
+                        <a:lstStyle/>
+                        <a:p>
+                          <a:pPr marL="0" algn="l" defTabSz="914400" rtl="0" eaLnBrk="1" latinLnBrk="0" hangingPunct="1"/>
+                          <a:r>
+                            <a:rPr lang="de-DE" sz="1600" b="1" kern="1200" baseline="0" dirty="0">
+                              <a:solidFill>
+                                <a:srgbClr val="626254"/>
+                              </a:solidFill>
+                              <a:latin typeface="Arial" charset="0"/>
+                              <a:ea typeface="+mn-ea"/>
+                              <a:cs typeface="+mn-cs"/>
+                            </a:rPr>
+                            <a:t>Spannungs-</a:t>
+                          </a:r>
+                        </a:p>
+                        <a:p>
+                          <a:pPr marL="0" algn="l" defTabSz="914400" rtl="0" eaLnBrk="1" latinLnBrk="0" hangingPunct="1"/>
+                          <a:r>
+                            <a:rPr lang="de-DE" sz="1600" b="1" kern="1200" baseline="0" dirty="0">
+                              <a:solidFill>
+                                <a:srgbClr val="626254"/>
+                              </a:solidFill>
+                              <a:latin typeface="Arial" charset="0"/>
+                              <a:ea typeface="+mn-ea"/>
+                              <a:cs typeface="+mn-cs"/>
+                            </a:rPr>
+                            <a:t>quelle</a:t>
+                          </a:r>
+                        </a:p>
+                      </a:txBody>
+                      <a:tcPr>
+                        <a:solidFill>
+                          <a:srgbClr val="FFC000"/>
+                        </a:solidFill>
+                      </a:tcPr>
+                    </a:tc>
+                    <a:tc>
+                      <a:txBody>
+                        <a:bodyPr/>
+                        <a:lstStyle/>
+                        <a:p>
+                          <a:r>
+                            <a:rPr lang="de-DE" sz="1200" b="1" kern="1200" baseline="0" dirty="0">
+                              <a:solidFill>
+                                <a:srgbClr val="000000"/>
+                              </a:solidFill>
+                              <a:latin typeface="Arial" charset="0"/>
+                              <a:ea typeface="+mn-ea"/>
+                              <a:cs typeface="+mn-cs"/>
+                            </a:rPr>
+                            <a:t>Parameter-Drehrichtung</a:t>
+                          </a:r>
+                        </a:p>
+                        <a:p>
+                          <a:pPr marL="171450" indent="-171450">
+                            <a:buFont typeface="Arial" panose="020B0604020202020204" pitchFamily="34" charset="0"/>
+                            <a:buChar char="•"/>
+                          </a:pPr>
+                          <a:r>
+                            <a:rPr lang="de-DE" sz="1200" b="0" kern="1200" baseline="0" dirty="0">
+                              <a:solidFill>
+                                <a:srgbClr val="000000"/>
+                              </a:solidFill>
+                              <a:latin typeface="Arial" charset="0"/>
+                              <a:ea typeface="+mn-ea"/>
+                              <a:cs typeface="+mn-cs"/>
+                            </a:rPr>
+                            <a:t>Drehrichtung (True) </a:t>
+                          </a:r>
+                          <a:r>
+                            <a:rPr lang="de-DE" sz="1200" b="0" kern="1200" baseline="0" dirty="0">
+                              <a:solidFill>
+                                <a:srgbClr val="000000"/>
+                              </a:solidFill>
+                              <a:latin typeface="Arial" charset="0"/>
+                              <a:ea typeface="+mn-ea"/>
+                              <a:cs typeface="+mn-cs"/>
+                              <a:sym typeface="Wingdings" panose="05000000000000000000" pitchFamily="2" charset="2"/>
+                            </a:rPr>
+                            <a:t> Anheben der Masse</a:t>
+                          </a:r>
+                        </a:p>
+                        <a:p>
+                          <a:pPr marL="171450" indent="-171450" algn="l" defTabSz="914400" rtl="0" eaLnBrk="1" latinLnBrk="0" hangingPunct="1">
+                            <a:buFont typeface="Arial" panose="020B0604020202020204" pitchFamily="34" charset="0"/>
+                            <a:buChar char="•"/>
+                          </a:pPr>
+                          <a:r>
+                            <a:rPr lang="de-DE" sz="1200" b="0" kern="1200" baseline="0" dirty="0">
+                              <a:solidFill>
+                                <a:srgbClr val="000000"/>
+                              </a:solidFill>
+                              <a:latin typeface="Arial" charset="0"/>
+                              <a:ea typeface="+mn-ea"/>
+                              <a:cs typeface="+mn-cs"/>
+                              <a:sym typeface="Wingdings" panose="05000000000000000000" pitchFamily="2" charset="2"/>
+                            </a:rPr>
+                            <a:t>Drehrichtung (</a:t>
+                          </a:r>
+                          <a:r>
+                            <a:rPr lang="en-US" sz="1200" b="0" kern="1200" baseline="0" dirty="0">
+                              <a:solidFill>
+                                <a:srgbClr val="000000"/>
+                              </a:solidFill>
+                              <a:latin typeface="Arial" charset="0"/>
+                              <a:ea typeface="+mn-ea"/>
+                              <a:cs typeface="+mn-cs"/>
+                              <a:sym typeface="Wingdings" panose="05000000000000000000" pitchFamily="2" charset="2"/>
+                            </a:rPr>
+                            <a:t>False</a:t>
+                          </a:r>
+                          <a:r>
+                            <a:rPr lang="de-DE" sz="1200" b="0" kern="1200" baseline="0" dirty="0">
+                              <a:solidFill>
+                                <a:srgbClr val="000000"/>
+                              </a:solidFill>
+                              <a:latin typeface="Arial" charset="0"/>
+                              <a:ea typeface="+mn-ea"/>
+                              <a:cs typeface="+mn-cs"/>
+                              <a:sym typeface="Wingdings" panose="05000000000000000000" pitchFamily="2" charset="2"/>
+                            </a:rPr>
+                            <a:t>)  Absenken der Masse</a:t>
+                          </a:r>
+                        </a:p>
+                        <a:p>
+                          <a:pPr marL="0" indent="0" algn="l" defTabSz="914400" rtl="0" eaLnBrk="1" latinLnBrk="0" hangingPunct="1">
+                            <a:buFont typeface="Arial" panose="020B0604020202020204" pitchFamily="34" charset="0"/>
+                            <a:buNone/>
+                          </a:pPr>
+                          <a:r>
+                            <a:rPr lang="de-DE" sz="1200" b="1" kern="1200" baseline="0" dirty="0">
+                              <a:solidFill>
+                                <a:srgbClr val="000000"/>
+                              </a:solidFill>
+                              <a:latin typeface="Arial" charset="0"/>
+                              <a:ea typeface="+mn-ea"/>
+                              <a:cs typeface="+mn-cs"/>
+                              <a:sym typeface="Wingdings" panose="05000000000000000000" pitchFamily="2" charset="2"/>
+                            </a:rPr>
+                            <a:t>Parameter-Spannung</a:t>
+                          </a:r>
+                        </a:p>
+                        <a:p>
+                          <a:pPr marL="171450" indent="-171450" algn="l" defTabSz="914400" rtl="0" eaLnBrk="1" latinLnBrk="0" hangingPunct="1">
+                            <a:buFont typeface="Arial" panose="020B0604020202020204" pitchFamily="34" charset="0"/>
+                            <a:buChar char="•"/>
+                          </a:pPr>
+                          <a:r>
+                            <a:rPr lang="de-DE" sz="1200" b="0" kern="1200" baseline="0" dirty="0">
+                              <a:solidFill>
+                                <a:srgbClr val="000000"/>
+                              </a:solidFill>
+                              <a:latin typeface="Arial" charset="0"/>
+                              <a:ea typeface="+mn-ea"/>
+                              <a:cs typeface="+mn-cs"/>
+                              <a:sym typeface="Wingdings" panose="05000000000000000000" pitchFamily="2" charset="2"/>
+                            </a:rPr>
+                            <a:t>Spannung im positiven Zahlenbereich frei wählbar</a:t>
+                          </a:r>
+                        </a:p>
+                      </a:txBody>
+                      <a:tcPr>
+                        <a:solidFill>
+                          <a:schemeClr val="bg1">
+                            <a:lumMod val="95000"/>
+                          </a:schemeClr>
+                        </a:solidFill>
+                      </a:tcPr>
+                    </a:tc>
+                    <a:tc>
+                      <a:txBody>
+                        <a:bodyPr/>
+                        <a:lstStyle/>
+                        <a:p>
+                          <a:pPr marL="171450" marR="0" lvl="0" indent="-171450" algn="l" defTabSz="914400" rtl="0" eaLnBrk="1" fontAlgn="auto" latinLnBrk="0" hangingPunct="1">
+                            <a:lnSpc>
+                              <a:spcPct val="100000"/>
+                            </a:lnSpc>
+                            <a:spcBef>
+                              <a:spcPts val="0"/>
+                            </a:spcBef>
+                            <a:spcAft>
+                              <a:spcPts val="0"/>
+                            </a:spcAft>
+                            <a:buClrTx/>
+                            <a:buSzTx/>
+                            <a:buFont typeface="Arial" panose="020B0604020202020204" pitchFamily="34" charset="0"/>
+                            <a:buChar char="•"/>
+                            <a:tabLst/>
+                            <a:defRPr/>
+                          </a:pPr>
+                          <a:r>
+                            <a:rPr lang="de-DE" sz="1200" b="0" kern="1200" baseline="0" dirty="0">
+                              <a:solidFill>
+                                <a:srgbClr val="000000"/>
+                              </a:solidFill>
+                              <a:latin typeface="Arial" charset="0"/>
+                              <a:ea typeface="+mn-ea"/>
+                              <a:cs typeface="+mn-cs"/>
+                            </a:rPr>
+                            <a:t>Steuerung des Drehverhaltens über Parameter Drehrichtung</a:t>
+                          </a:r>
+                        </a:p>
+                        <a:p>
+                          <a:pPr marL="171450" marR="0" lvl="0" indent="-171450" algn="l" defTabSz="914400" rtl="0" eaLnBrk="1" fontAlgn="auto" latinLnBrk="0" hangingPunct="1">
+                            <a:lnSpc>
+                              <a:spcPct val="100000"/>
+                            </a:lnSpc>
+                            <a:spcBef>
+                              <a:spcPts val="0"/>
+                            </a:spcBef>
+                            <a:spcAft>
+                              <a:spcPts val="0"/>
+                            </a:spcAft>
+                            <a:buClrTx/>
+                            <a:buSzTx/>
+                            <a:buFont typeface="Arial" panose="020B0604020202020204" pitchFamily="34" charset="0"/>
+                            <a:buChar char="•"/>
+                            <a:tabLst/>
+                            <a:defRPr/>
+                          </a:pPr>
+                          <a:r>
+                            <a:rPr lang="de-DE" sz="1200" b="0" kern="1200" baseline="0" dirty="0">
+                              <a:solidFill>
+                                <a:srgbClr val="000000"/>
+                              </a:solidFill>
+                              <a:latin typeface="Arial" charset="0"/>
+                              <a:ea typeface="+mn-ea"/>
+                              <a:cs typeface="+mn-cs"/>
+                            </a:rPr>
+                            <a:t>Spannung &gt; 0 V</a:t>
+                          </a:r>
+                        </a:p>
+                      </a:txBody>
+                      <a:tcPr>
+                        <a:solidFill>
+                          <a:schemeClr val="bg1">
+                            <a:lumMod val="95000"/>
+                          </a:schemeClr>
+                        </a:solidFill>
+                      </a:tcPr>
+                    </a:tc>
+                    <a:extLst>
+                      <a:ext uri="{0D108BD9-81ED-4DB2-BD59-A6C34878D82A}">
+                        <a16:rowId xmlns:a16="http://schemas.microsoft.com/office/drawing/2014/main" val="3717759356"/>
+                      </a:ext>
+                    </a:extLst>
+                  </a:tr>
+                  <a:tr h="822960">
+                    <a:tc>
+                      <a:txBody>
+                        <a:bodyPr/>
+                        <a:lstStyle/>
+                        <a:p>
+                          <a:pPr marL="0" algn="l" defTabSz="914400" rtl="0" eaLnBrk="1" latinLnBrk="0" hangingPunct="1"/>
+                          <a:r>
+                            <a:rPr lang="de-DE" sz="1600" b="1" kern="1200" baseline="0" dirty="0">
+                              <a:solidFill>
+                                <a:srgbClr val="626254"/>
+                              </a:solidFill>
+                              <a:latin typeface="Arial" charset="0"/>
+                              <a:ea typeface="+mn-ea"/>
+                              <a:cs typeface="+mn-cs"/>
+                            </a:rPr>
+                            <a:t>Einphasen-</a:t>
+                          </a:r>
+                        </a:p>
+                        <a:p>
+                          <a:pPr marL="0" algn="l" defTabSz="914400" rtl="0" eaLnBrk="1" latinLnBrk="0" hangingPunct="1"/>
+                          <a:r>
+                            <a:rPr lang="de-DE" sz="1600" b="1" kern="1200" baseline="0" dirty="0">
+                              <a:solidFill>
+                                <a:srgbClr val="626254"/>
+                              </a:solidFill>
+                              <a:latin typeface="Arial" charset="0"/>
+                              <a:ea typeface="+mn-ea"/>
+                              <a:cs typeface="+mn-cs"/>
+                            </a:rPr>
+                            <a:t>GM</a:t>
+                          </a:r>
+                        </a:p>
+                      </a:txBody>
+                      <a:tcPr>
+                        <a:solidFill>
+                          <a:srgbClr val="FFC000"/>
+                        </a:solidFill>
+                      </a:tcPr>
+                    </a:tc>
+                    <a:tc>
+                      <a:txBody>
+                        <a:bodyPr/>
+                        <a:lstStyle/>
+                        <a:p>
+                          <a:pPr marL="0" indent="0" algn="l" defTabSz="914400" rtl="0" eaLnBrk="1" latinLnBrk="0" hangingPunct="1">
+                            <a:buFont typeface="Arial" panose="020B0604020202020204" pitchFamily="34" charset="0"/>
+                            <a:buNone/>
+                          </a:pPr>
+                          <a:r>
+                            <a:rPr lang="de-DE" sz="1200" b="1" kern="1200" baseline="0" dirty="0">
+                              <a:solidFill>
+                                <a:srgbClr val="000000"/>
+                              </a:solidFill>
+                              <a:latin typeface="Arial" charset="0"/>
+                              <a:ea typeface="+mn-ea"/>
+                              <a:cs typeface="+mn-cs"/>
+                            </a:rPr>
+                            <a:t>Parameter-Betriebsmodus:</a:t>
+                          </a:r>
+                        </a:p>
+                        <a:p>
+                          <a:pPr marL="171450" indent="-171450" algn="l" defTabSz="914400" rtl="0" eaLnBrk="1" latinLnBrk="0" hangingPunct="1">
+                            <a:buFont typeface="Arial" panose="020B0604020202020204" pitchFamily="34" charset="0"/>
+                            <a:buChar char="•"/>
+                          </a:pPr>
+                          <a:r>
+                            <a:rPr lang="de-DE" sz="1200" b="0" kern="1200" baseline="0" dirty="0">
+                              <a:solidFill>
+                                <a:srgbClr val="000000"/>
+                              </a:solidFill>
+                              <a:latin typeface="Arial" charset="0"/>
+                              <a:ea typeface="+mn-ea"/>
+                              <a:cs typeface="+mn-cs"/>
+                            </a:rPr>
+                            <a:t>An (True): Seile und Masse am Flaschenzug bewegen sich</a:t>
+                          </a:r>
+                        </a:p>
+                        <a:p>
+                          <a:pPr marL="171450" indent="-171450" algn="l" defTabSz="914400" rtl="0" eaLnBrk="1" latinLnBrk="0" hangingPunct="1">
+                            <a:buFont typeface="Arial" panose="020B0604020202020204" pitchFamily="34" charset="0"/>
+                            <a:buChar char="•"/>
+                          </a:pPr>
+                          <a:r>
+                            <a:rPr lang="de-DE" sz="1200" b="0" kern="1200" baseline="0" dirty="0">
+                              <a:solidFill>
+                                <a:srgbClr val="000000"/>
+                              </a:solidFill>
+                              <a:latin typeface="Arial" charset="0"/>
+                              <a:ea typeface="+mn-ea"/>
+                              <a:cs typeface="+mn-cs"/>
+                            </a:rPr>
+                            <a:t>Aus (</a:t>
+                          </a:r>
+                          <a:r>
+                            <a:rPr lang="en-US" sz="1200" b="0" kern="1200" baseline="0" noProof="0" dirty="0">
+                              <a:solidFill>
+                                <a:srgbClr val="000000"/>
+                              </a:solidFill>
+                              <a:latin typeface="Arial" charset="0"/>
+                              <a:ea typeface="+mn-ea"/>
+                              <a:cs typeface="+mn-cs"/>
+                            </a:rPr>
+                            <a:t>False</a:t>
+                          </a:r>
+                          <a:r>
+                            <a:rPr lang="de-DE" sz="1200" b="0" kern="1200" baseline="0" dirty="0">
+                              <a:solidFill>
+                                <a:srgbClr val="000000"/>
+                              </a:solidFill>
+                              <a:latin typeface="Arial" charset="0"/>
+                              <a:ea typeface="+mn-ea"/>
+                              <a:cs typeface="+mn-cs"/>
+                            </a:rPr>
+                            <a:t>): Stillstehender Flaschenzug mit </a:t>
+                          </a:r>
+                          <a:r>
+                            <a:rPr lang="de-DE" sz="1200" b="0" kern="1200" baseline="0" dirty="0" err="1">
+                              <a:solidFill>
+                                <a:srgbClr val="000000"/>
+                              </a:solidFill>
+                              <a:latin typeface="Arial" charset="0"/>
+                              <a:ea typeface="+mn-ea"/>
+                              <a:cs typeface="+mn-cs"/>
+                            </a:rPr>
+                            <a:t>unbestromtem</a:t>
+                          </a:r>
+                          <a:r>
+                            <a:rPr lang="de-DE" sz="1200" b="0" kern="1200" baseline="0" dirty="0">
+                              <a:solidFill>
+                                <a:srgbClr val="000000"/>
+                              </a:solidFill>
+                              <a:latin typeface="Arial" charset="0"/>
+                              <a:ea typeface="+mn-ea"/>
+                              <a:cs typeface="+mn-cs"/>
+                            </a:rPr>
+                            <a:t> Motor</a:t>
+                          </a:r>
+                        </a:p>
+                      </a:txBody>
+                      <a:tcPr>
+                        <a:solidFill>
+                          <a:schemeClr val="bg1">
+                            <a:lumMod val="95000"/>
+                          </a:schemeClr>
+                        </a:solidFill>
+                      </a:tcPr>
+                    </a:tc>
+                    <a:tc>
+                      <a:txBody>
+                        <a:bodyPr/>
+                        <a:lstStyle/>
+                        <a:p>
+                          <a:endParaRPr lang="de-DE"/>
+                        </a:p>
+                      </a:txBody>
+                      <a:tcPr>
+                        <a:blipFill>
+                          <a:blip r:embed="rId2"/>
+                          <a:stretch>
+                            <a:fillRect l="-344136" t="-168148" r="-1543" b="-402222"/>
+                          </a:stretch>
+                        </a:blipFill>
+                      </a:tcPr>
+                    </a:tc>
+                    <a:extLst>
+                      <a:ext uri="{0D108BD9-81ED-4DB2-BD59-A6C34878D82A}">
+                        <a16:rowId xmlns:a16="http://schemas.microsoft.com/office/drawing/2014/main" val="3026926022"/>
+                      </a:ext>
+                    </a:extLst>
+                  </a:tr>
+                  <a:tr h="822960">
+                    <a:tc>
+                      <a:txBody>
+                        <a:bodyPr/>
+                        <a:lstStyle/>
+                        <a:p>
+                          <a:pPr marL="0" algn="l" defTabSz="914400" rtl="0" eaLnBrk="1" latinLnBrk="0" hangingPunct="1"/>
+                          <a:r>
+                            <a:rPr lang="de-DE" sz="1600" b="1" kern="1200" baseline="0" dirty="0">
+                              <a:solidFill>
+                                <a:srgbClr val="626254"/>
+                              </a:solidFill>
+                              <a:latin typeface="Arial" charset="0"/>
+                              <a:ea typeface="+mn-ea"/>
+                              <a:cs typeface="+mn-cs"/>
+                            </a:rPr>
+                            <a:t>Seilwinde</a:t>
+                          </a:r>
+                        </a:p>
+                      </a:txBody>
+                      <a:tcPr>
+                        <a:solidFill>
+                          <a:srgbClr val="FFC000"/>
+                        </a:solidFill>
+                      </a:tcPr>
+                    </a:tc>
+                    <a:tc>
+                      <a:txBody>
+                        <a:bodyPr/>
+                        <a:lstStyle/>
+                        <a:p>
+                          <a:pPr marL="171450" indent="-171450" algn="l" defTabSz="914400" rtl="0" eaLnBrk="1" latinLnBrk="0" hangingPunct="1">
+                            <a:buFont typeface="Arial" panose="020B0604020202020204" pitchFamily="34" charset="0"/>
+                            <a:buChar char="•"/>
+                          </a:pPr>
+                          <a:r>
+                            <a:rPr lang="de-DE" sz="1200" b="0" kern="1200" baseline="0" dirty="0">
+                              <a:solidFill>
+                                <a:srgbClr val="000000"/>
+                              </a:solidFill>
+                              <a:latin typeface="Arial" charset="0"/>
+                              <a:ea typeface="+mn-ea"/>
+                              <a:cs typeface="+mn-cs"/>
+                            </a:rPr>
+                            <a:t>Umwandlung einer Kraft in ein Moment</a:t>
+                          </a:r>
+                        </a:p>
+                        <a:p>
+                          <a:pPr marL="171450" indent="-171450" algn="l" defTabSz="914400" rtl="0" eaLnBrk="1" latinLnBrk="0" hangingPunct="1">
+                            <a:buFont typeface="Arial" panose="020B0604020202020204" pitchFamily="34" charset="0"/>
+                            <a:buChar char="•"/>
+                          </a:pPr>
+                          <a:r>
+                            <a:rPr lang="de-DE" sz="1200" b="0" kern="1200" baseline="0" dirty="0">
+                              <a:solidFill>
+                                <a:srgbClr val="000000"/>
+                              </a:solidFill>
+                              <a:latin typeface="Arial" charset="0"/>
+                              <a:ea typeface="+mn-ea"/>
+                              <a:cs typeface="+mn-cs"/>
+                            </a:rPr>
+                            <a:t>Umwandlung einer Strecke in einen Winkel</a:t>
+                          </a:r>
+                        </a:p>
+                        <a:p>
+                          <a:pPr marL="171450" indent="-171450" algn="l" defTabSz="914400" rtl="0" eaLnBrk="1" latinLnBrk="0" hangingPunct="1">
+                            <a:buFont typeface="Arial" panose="020B0604020202020204" pitchFamily="34" charset="0"/>
+                            <a:buChar char="•"/>
+                          </a:pPr>
+                          <a:r>
+                            <a:rPr lang="de-DE" sz="1200" b="0" kern="1200" baseline="0" dirty="0" err="1">
+                              <a:solidFill>
+                                <a:srgbClr val="000000"/>
+                              </a:solidFill>
+                              <a:latin typeface="Arial" charset="0"/>
+                              <a:ea typeface="+mn-ea"/>
+                              <a:cs typeface="+mn-cs"/>
+                            </a:rPr>
+                            <a:t>phi_M_Connector</a:t>
+                          </a:r>
+                          <a:r>
+                            <a:rPr lang="de-DE" sz="1200" b="0" kern="1200" baseline="0" dirty="0">
+                              <a:solidFill>
+                                <a:srgbClr val="000000"/>
+                              </a:solidFill>
+                              <a:latin typeface="Arial" charset="0"/>
+                              <a:ea typeface="+mn-ea"/>
+                              <a:cs typeface="+mn-cs"/>
+                            </a:rPr>
+                            <a:t>: Welle überträgt Momente und Winkel</a:t>
+                          </a:r>
+                        </a:p>
+                        <a:p>
+                          <a:pPr marL="171450" indent="-171450" algn="l" defTabSz="914400" rtl="0" eaLnBrk="1" latinLnBrk="0" hangingPunct="1">
+                            <a:buFont typeface="Arial" panose="020B0604020202020204" pitchFamily="34" charset="0"/>
+                            <a:buChar char="•"/>
+                          </a:pPr>
+                          <a:r>
+                            <a:rPr lang="de-DE" sz="1200" b="0" kern="1200" baseline="0" dirty="0" err="1">
+                              <a:solidFill>
+                                <a:srgbClr val="000000"/>
+                              </a:solidFill>
+                              <a:latin typeface="Arial" charset="0"/>
+                              <a:ea typeface="+mn-ea"/>
+                              <a:cs typeface="+mn-cs"/>
+                            </a:rPr>
+                            <a:t>s_F_Connectr</a:t>
+                          </a:r>
+                          <a:r>
+                            <a:rPr lang="de-DE" sz="1200" b="0" kern="1200" baseline="0" dirty="0">
+                              <a:solidFill>
+                                <a:srgbClr val="000000"/>
+                              </a:solidFill>
+                              <a:latin typeface="Arial" charset="0"/>
+                              <a:ea typeface="+mn-ea"/>
+                              <a:cs typeface="+mn-cs"/>
+                            </a:rPr>
+                            <a:t>: Seil überträgt Kräfte und Strecken</a:t>
+                          </a:r>
+                        </a:p>
+                      </a:txBody>
+                      <a:tcPr>
+                        <a:solidFill>
+                          <a:schemeClr val="bg1">
+                            <a:lumMod val="95000"/>
+                          </a:schemeClr>
+                        </a:solidFill>
+                      </a:tcPr>
+                    </a:tc>
+                    <a:tc>
+                      <a:txBody>
+                        <a:bodyPr/>
+                        <a:lstStyle/>
+                        <a:p>
+                          <a:pPr marL="171450" marR="0" lvl="0" indent="-171450" algn="l" defTabSz="914400" rtl="0" eaLnBrk="1" fontAlgn="auto" latinLnBrk="0" hangingPunct="1">
+                            <a:lnSpc>
+                              <a:spcPct val="100000"/>
+                            </a:lnSpc>
+                            <a:spcBef>
+                              <a:spcPts val="0"/>
+                            </a:spcBef>
+                            <a:spcAft>
+                              <a:spcPts val="0"/>
+                            </a:spcAft>
+                            <a:buClrTx/>
+                            <a:buSzTx/>
+                            <a:buFont typeface="Arial" panose="020B0604020202020204" pitchFamily="34" charset="0"/>
+                            <a:buChar char="•"/>
+                            <a:tabLst/>
+                            <a:defRPr/>
+                          </a:pPr>
+                          <a:r>
+                            <a:rPr lang="de-DE" sz="1200" b="0" kern="1200" baseline="0" dirty="0">
+                              <a:solidFill>
+                                <a:srgbClr val="000000"/>
+                              </a:solidFill>
+                              <a:latin typeface="Arial" charset="0"/>
+                              <a:ea typeface="+mn-ea"/>
+                              <a:cs typeface="+mn-cs"/>
+                            </a:rPr>
+                            <a:t>Seilrollenradius &gt; 0 m</a:t>
+                          </a:r>
+                        </a:p>
+                        <a:p>
+                          <a:pPr marL="171450" marR="0" lvl="0" indent="-171450" algn="l" defTabSz="914400" rtl="0" eaLnBrk="1" fontAlgn="auto" latinLnBrk="0" hangingPunct="1">
+                            <a:lnSpc>
+                              <a:spcPct val="100000"/>
+                            </a:lnSpc>
+                            <a:spcBef>
+                              <a:spcPts val="0"/>
+                            </a:spcBef>
+                            <a:spcAft>
+                              <a:spcPts val="0"/>
+                            </a:spcAft>
+                            <a:buClrTx/>
+                            <a:buSzTx/>
+                            <a:buFont typeface="Arial" panose="020B0604020202020204" pitchFamily="34" charset="0"/>
+                            <a:buChar char="•"/>
+                            <a:tabLst/>
+                            <a:defRPr/>
+                          </a:pPr>
+                          <a:r>
+                            <a:rPr lang="de-DE" sz="1200" b="0" kern="1200" baseline="0" dirty="0">
+                              <a:solidFill>
+                                <a:srgbClr val="000000"/>
+                              </a:solidFill>
+                              <a:latin typeface="Arial" charset="0"/>
+                              <a:ea typeface="+mn-ea"/>
+                              <a:cs typeface="+mn-cs"/>
+                            </a:rPr>
+                            <a:t>Seilrollenradius beträgt standardgemäß 0,5m</a:t>
+                          </a:r>
+                        </a:p>
+                      </a:txBody>
+                      <a:tcPr>
+                        <a:solidFill>
+                          <a:schemeClr val="bg1">
+                            <a:lumMod val="95000"/>
+                          </a:schemeClr>
+                        </a:solidFill>
+                      </a:tcPr>
+                    </a:tc>
+                    <a:extLst>
+                      <a:ext uri="{0D108BD9-81ED-4DB2-BD59-A6C34878D82A}">
+                        <a16:rowId xmlns:a16="http://schemas.microsoft.com/office/drawing/2014/main" val="1839727103"/>
+                      </a:ext>
+                    </a:extLst>
+                  </a:tr>
+                  <a:tr h="1005840">
+                    <a:tc>
+                      <a:txBody>
+                        <a:bodyPr/>
+                        <a:lstStyle/>
+                        <a:p>
+                          <a:pPr marL="0" algn="l" defTabSz="914400" rtl="0" eaLnBrk="1" latinLnBrk="0" hangingPunct="1"/>
+                          <a:r>
+                            <a:rPr lang="de-DE" sz="1600" b="1" kern="1200" baseline="0" dirty="0">
+                              <a:solidFill>
+                                <a:srgbClr val="626254"/>
+                              </a:solidFill>
+                              <a:latin typeface="Arial" charset="0"/>
+                              <a:ea typeface="+mn-ea"/>
+                              <a:cs typeface="+mn-cs"/>
+                            </a:rPr>
+                            <a:t>Rollen</a:t>
+                          </a:r>
+                        </a:p>
+                      </a:txBody>
+                      <a:tcPr>
+                        <a:solidFill>
+                          <a:srgbClr val="FFC000"/>
+                        </a:solidFill>
+                      </a:tcPr>
+                    </a:tc>
+                    <a:tc>
+                      <a:txBody>
+                        <a:bodyPr/>
+                        <a:lstStyle/>
+                        <a:p>
+                          <a:pPr marL="0" indent="0" algn="l" defTabSz="914400" rtl="0" eaLnBrk="1" latinLnBrk="0" hangingPunct="1">
+                            <a:buFont typeface="Arial" panose="020B0604020202020204" pitchFamily="34" charset="0"/>
+                            <a:buNone/>
+                          </a:pPr>
+                          <a:r>
+                            <a:rPr lang="de-DE" sz="1200" b="1" kern="1200" baseline="0" dirty="0">
+                              <a:solidFill>
+                                <a:srgbClr val="000000"/>
+                              </a:solidFill>
+                              <a:latin typeface="Arial" charset="0"/>
+                              <a:ea typeface="+mn-ea"/>
+                              <a:cs typeface="+mn-cs"/>
+                            </a:rPr>
+                            <a:t>Rollenanzahl</a:t>
+                          </a:r>
+                        </a:p>
+                        <a:p>
+                          <a:pPr marL="171450" indent="-171450" algn="l" defTabSz="914400" rtl="0" eaLnBrk="1" latinLnBrk="0" hangingPunct="1">
+                            <a:buFont typeface="Arial" panose="020B0604020202020204" pitchFamily="34" charset="0"/>
+                            <a:buChar char="•"/>
+                          </a:pPr>
+                          <a:r>
+                            <a:rPr lang="de-DE" sz="1200" b="0" kern="1200" baseline="0" dirty="0">
+                              <a:solidFill>
+                                <a:srgbClr val="000000"/>
+                              </a:solidFill>
+                              <a:latin typeface="Arial" charset="0"/>
+                              <a:ea typeface="+mn-ea"/>
+                              <a:cs typeface="+mn-cs"/>
+                            </a:rPr>
+                            <a:t>Rollenanzahl des Gesamtsystems frei wählbar</a:t>
+                          </a:r>
+                        </a:p>
+                        <a:p>
+                          <a:pPr marL="0" indent="0" algn="l" defTabSz="914400" rtl="0" eaLnBrk="1" latinLnBrk="0" hangingPunct="1">
+                            <a:buFont typeface="Arial" panose="020B0604020202020204" pitchFamily="34" charset="0"/>
+                            <a:buNone/>
+                          </a:pPr>
+                          <a:r>
+                            <a:rPr lang="de-DE" sz="1200" b="1" kern="1200" baseline="0" dirty="0">
+                              <a:solidFill>
+                                <a:srgbClr val="000000"/>
+                              </a:solidFill>
+                              <a:latin typeface="Arial" charset="0"/>
+                              <a:ea typeface="+mn-ea"/>
+                              <a:cs typeface="+mn-cs"/>
+                            </a:rPr>
+                            <a:t>Bauformen</a:t>
+                          </a:r>
+                        </a:p>
+                        <a:p>
+                          <a:pPr marL="171450" indent="-171450" algn="l" defTabSz="914400" rtl="0" eaLnBrk="1" latinLnBrk="0" hangingPunct="1">
+                            <a:buFont typeface="Arial" panose="020B0604020202020204" pitchFamily="34" charset="0"/>
+                            <a:buChar char="•"/>
+                          </a:pPr>
+                          <a:r>
+                            <a:rPr lang="de-DE" sz="1200" b="0" kern="1200" baseline="0" dirty="0">
+                              <a:solidFill>
+                                <a:srgbClr val="000000"/>
+                              </a:solidFill>
+                              <a:latin typeface="Arial" charset="0"/>
+                              <a:ea typeface="+mn-ea"/>
+                              <a:cs typeface="+mn-cs"/>
+                            </a:rPr>
+                            <a:t>Flaschenzug Angriffspunkt oben</a:t>
+                          </a:r>
+                        </a:p>
+                        <a:p>
+                          <a:pPr marL="171450" indent="-171450" algn="l" defTabSz="914400" rtl="0" eaLnBrk="1" latinLnBrk="0" hangingPunct="1">
+                            <a:buFont typeface="Arial" panose="020B0604020202020204" pitchFamily="34" charset="0"/>
+                            <a:buChar char="•"/>
+                          </a:pPr>
+                          <a:r>
+                            <a:rPr lang="de-DE" sz="1200" b="0" kern="1200" baseline="0" dirty="0">
+                              <a:solidFill>
+                                <a:srgbClr val="000000"/>
+                              </a:solidFill>
+                              <a:latin typeface="Arial" charset="0"/>
+                              <a:ea typeface="+mn-ea"/>
+                              <a:cs typeface="+mn-cs"/>
+                            </a:rPr>
+                            <a:t>Flaschenzug Angriffspunkt unten</a:t>
+                          </a:r>
+                        </a:p>
+                      </a:txBody>
+                      <a:tcPr>
+                        <a:solidFill>
+                          <a:schemeClr val="bg1">
+                            <a:lumMod val="95000"/>
+                          </a:schemeClr>
+                        </a:solidFill>
+                      </a:tcPr>
+                    </a:tc>
+                    <a:tc>
+                      <a:txBody>
+                        <a:bodyPr/>
+                        <a:lstStyle/>
+                        <a:p>
+                          <a:pPr marL="171450" marR="0" lvl="0" indent="-171450" algn="l" defTabSz="914400" rtl="0" eaLnBrk="1" fontAlgn="auto" latinLnBrk="0" hangingPunct="1">
+                            <a:lnSpc>
+                              <a:spcPct val="100000"/>
+                            </a:lnSpc>
+                            <a:spcBef>
+                              <a:spcPts val="0"/>
+                            </a:spcBef>
+                            <a:spcAft>
+                              <a:spcPts val="0"/>
+                            </a:spcAft>
+                            <a:buClrTx/>
+                            <a:buSzTx/>
+                            <a:buFont typeface="Arial" panose="020B0604020202020204" pitchFamily="34" charset="0"/>
+                            <a:buChar char="•"/>
+                            <a:tabLst/>
+                            <a:defRPr/>
+                          </a:pPr>
+                          <a:r>
+                            <a:rPr lang="de-DE" sz="1200" b="0" kern="1200" baseline="0" dirty="0">
+                              <a:solidFill>
+                                <a:srgbClr val="000000"/>
+                              </a:solidFill>
+                              <a:latin typeface="Arial" charset="0"/>
+                              <a:ea typeface="+mn-ea"/>
+                              <a:cs typeface="+mn-cs"/>
+                            </a:rPr>
+                            <a:t>Rollenanzahl n &gt; 0</a:t>
+                          </a:r>
+                        </a:p>
+                      </a:txBody>
+                      <a:tcPr>
+                        <a:solidFill>
+                          <a:schemeClr val="bg1">
+                            <a:lumMod val="95000"/>
+                          </a:schemeClr>
+                        </a:solidFill>
+                      </a:tcPr>
+                    </a:tc>
+                    <a:extLst>
+                      <a:ext uri="{0D108BD9-81ED-4DB2-BD59-A6C34878D82A}">
+                        <a16:rowId xmlns:a16="http://schemas.microsoft.com/office/drawing/2014/main" val="3258016539"/>
+                      </a:ext>
+                    </a:extLst>
+                  </a:tr>
+                  <a:tr h="822960">
+                    <a:tc>
+                      <a:txBody>
+                        <a:bodyPr/>
+                        <a:lstStyle/>
+                        <a:p>
+                          <a:pPr marL="0" algn="l" defTabSz="914400" rtl="0" eaLnBrk="1" latinLnBrk="0" hangingPunct="1"/>
+                          <a:r>
+                            <a:rPr lang="de-DE" sz="1600" b="1" kern="1200" baseline="0" dirty="0">
+                              <a:solidFill>
+                                <a:srgbClr val="626254"/>
+                              </a:solidFill>
+                              <a:latin typeface="Arial" charset="0"/>
+                              <a:ea typeface="+mn-ea"/>
+                              <a:cs typeface="+mn-cs"/>
+                            </a:rPr>
+                            <a:t>Masse</a:t>
+                          </a:r>
+                        </a:p>
+                      </a:txBody>
+                      <a:tcPr>
+                        <a:solidFill>
+                          <a:srgbClr val="FFC000"/>
+                        </a:solidFill>
+                      </a:tcPr>
+                    </a:tc>
+                    <a:tc>
+                      <a:txBody>
+                        <a:bodyPr/>
+                        <a:lstStyle/>
+                        <a:p>
+                          <a:pPr marL="171450" indent="-171450" algn="l" defTabSz="914400" rtl="0" eaLnBrk="1" latinLnBrk="0" hangingPunct="1">
+                            <a:buFont typeface="Arial" panose="020B0604020202020204" pitchFamily="34" charset="0"/>
+                            <a:buChar char="•"/>
+                          </a:pPr>
+                          <a:r>
+                            <a:rPr lang="de-DE" sz="1200" b="0" kern="1200" baseline="0" dirty="0">
+                              <a:solidFill>
+                                <a:srgbClr val="000000"/>
+                              </a:solidFill>
+                              <a:latin typeface="Arial" charset="0"/>
+                              <a:ea typeface="+mn-ea"/>
+                              <a:cs typeface="+mn-cs"/>
+                            </a:rPr>
+                            <a:t>Frei wählbare Masse</a:t>
+                          </a:r>
+                        </a:p>
+                      </a:txBody>
+                      <a:tcPr>
+                        <a:solidFill>
+                          <a:schemeClr val="bg1">
+                            <a:lumMod val="95000"/>
+                          </a:schemeClr>
+                        </a:solidFill>
+                      </a:tcPr>
+                    </a:tc>
+                    <a:tc>
+                      <a:txBody>
+                        <a:bodyPr/>
+                        <a:lstStyle/>
+                        <a:p>
+                          <a:pPr marL="171450" indent="-171450" algn="l" defTabSz="914400" rtl="0" eaLnBrk="1" latinLnBrk="0" hangingPunct="1">
+                            <a:buFont typeface="Arial" panose="020B0604020202020204" pitchFamily="34" charset="0"/>
+                            <a:buChar char="•"/>
+                          </a:pPr>
+                          <a:r>
+                            <a:rPr lang="de-DE" sz="1200" b="0" kern="1200" baseline="0" dirty="0">
+                              <a:solidFill>
+                                <a:srgbClr val="000000"/>
+                              </a:solidFill>
+                              <a:latin typeface="Arial" charset="0"/>
+                              <a:ea typeface="+mn-ea"/>
+                              <a:cs typeface="+mn-cs"/>
+                            </a:rPr>
+                            <a:t>Masse &gt; 0 kg</a:t>
+                          </a:r>
+                        </a:p>
+                        <a:p>
+                          <a:pPr marL="171450" indent="-171450" algn="l" defTabSz="914400" rtl="0" eaLnBrk="1" latinLnBrk="0" hangingPunct="1">
+                            <a:buFont typeface="Arial" panose="020B0604020202020204" pitchFamily="34" charset="0"/>
+                            <a:buChar char="•"/>
+                          </a:pPr>
+                          <a:r>
+                            <a:rPr lang="de-DE" sz="1200" b="0" kern="1200" baseline="0" dirty="0">
+                              <a:solidFill>
+                                <a:srgbClr val="000000"/>
+                              </a:solidFill>
+                              <a:latin typeface="Arial" charset="0"/>
+                              <a:ea typeface="+mn-ea"/>
+                              <a:cs typeface="+mn-cs"/>
+                            </a:rPr>
+                            <a:t>Bei hohen Massen muss ggf. Rollenanzahl erhöht werden</a:t>
+                          </a:r>
+                        </a:p>
+                      </a:txBody>
+                      <a:tcPr>
+                        <a:solidFill>
+                          <a:schemeClr val="bg1">
+                            <a:lumMod val="95000"/>
+                          </a:schemeClr>
+                        </a:solidFill>
+                      </a:tcPr>
+                    </a:tc>
+                    <a:extLst>
+                      <a:ext uri="{0D108BD9-81ED-4DB2-BD59-A6C34878D82A}">
+                        <a16:rowId xmlns:a16="http://schemas.microsoft.com/office/drawing/2014/main" val="3487731437"/>
+                      </a:ext>
+                    </a:extLst>
+                  </a:tr>
+                  <a:tr h="642346">
+                    <a:tc>
+                      <a:txBody>
+                        <a:bodyPr/>
+                        <a:lstStyle/>
+                        <a:p>
+                          <a:pPr marL="0" algn="l" defTabSz="914400" rtl="0" eaLnBrk="1" latinLnBrk="0" hangingPunct="1"/>
+                          <a:r>
+                            <a:rPr lang="de-DE" sz="1600" b="1" kern="1200" baseline="0" dirty="0">
+                              <a:solidFill>
+                                <a:srgbClr val="626254"/>
+                              </a:solidFill>
+                              <a:latin typeface="Arial" charset="0"/>
+                              <a:ea typeface="+mn-ea"/>
+                              <a:cs typeface="+mn-cs"/>
+                            </a:rPr>
+                            <a:t>Bremse</a:t>
+                          </a:r>
+                        </a:p>
+                      </a:txBody>
+                      <a:tcPr>
+                        <a:solidFill>
+                          <a:srgbClr val="FFC000"/>
+                        </a:solidFill>
+                      </a:tcPr>
+                    </a:tc>
+                    <a:tc>
+                      <a:txBody>
+                        <a:bodyPr/>
+                        <a:lstStyle/>
+                        <a:p>
+                          <a:pPr marL="0" indent="0" algn="l" defTabSz="914400" rtl="0" eaLnBrk="1" latinLnBrk="0" hangingPunct="1">
+                            <a:buFont typeface="Arial" panose="020B0604020202020204" pitchFamily="34" charset="0"/>
+                            <a:buNone/>
+                          </a:pPr>
+                          <a:endParaRPr lang="de-DE" sz="1200" b="1" kern="1200" baseline="0" dirty="0">
+                            <a:solidFill>
+                              <a:srgbClr val="000000"/>
+                            </a:solidFill>
+                            <a:latin typeface="Arial" charset="0"/>
+                            <a:ea typeface="+mn-ea"/>
+                            <a:cs typeface="+mn-cs"/>
+                          </a:endParaRPr>
+                        </a:p>
+                      </a:txBody>
+                      <a:tcPr>
+                        <a:solidFill>
+                          <a:schemeClr val="bg1">
+                            <a:lumMod val="95000"/>
+                          </a:schemeClr>
+                        </a:solidFill>
+                      </a:tcPr>
+                    </a:tc>
+                    <a:tc>
+                      <a:txBody>
+                        <a:bodyPr/>
+                        <a:lstStyle/>
+                        <a:p>
+                          <a:pPr marL="171450" indent="-171450" algn="l" defTabSz="914400" rtl="0" eaLnBrk="1" latinLnBrk="0" hangingPunct="1">
+                            <a:buFont typeface="Arial" panose="020B0604020202020204" pitchFamily="34" charset="0"/>
+                            <a:buChar char="•"/>
+                          </a:pPr>
+                          <a:endParaRPr lang="de-DE" sz="1200" b="0" kern="1200" baseline="0" dirty="0">
+                            <a:solidFill>
+                              <a:srgbClr val="000000"/>
+                            </a:solidFill>
+                            <a:latin typeface="Arial" charset="0"/>
+                            <a:ea typeface="+mn-ea"/>
+                            <a:cs typeface="+mn-cs"/>
+                          </a:endParaRPr>
+                        </a:p>
+                      </a:txBody>
+                      <a:tcPr>
+                        <a:solidFill>
+                          <a:schemeClr val="bg1">
+                            <a:lumMod val="95000"/>
+                          </a:schemeClr>
+                        </a:solidFill>
+                      </a:tcPr>
+                    </a:tc>
+                    <a:extLst>
+                      <a:ext uri="{0D108BD9-81ED-4DB2-BD59-A6C34878D82A}">
+                        <a16:rowId xmlns:a16="http://schemas.microsoft.com/office/drawing/2014/main" val="1496735500"/>
+                      </a:ext>
+                    </a:extLst>
+                  </a:tr>
+                </a:tbl>
+              </a:graphicData>
+            </a:graphic>
+          </p:graphicFrame>
+        </mc:Fallback>
+      </mc:AlternateContent>
+      <p:pic>
+        <p:nvPicPr>
+          <p:cNvPr id="4" name="Grafik 3">
+            <a:extLst>
+              <a:ext uri="{FF2B5EF4-FFF2-40B4-BE49-F238E27FC236}">
+                <a16:creationId xmlns:a16="http://schemas.microsoft.com/office/drawing/2014/main" id="{2CCDE210-A428-4AAE-86EC-929B5E0AEBE7}"/>
+              </a:ext>
+            </a:extLst>
+          </p:cNvPr>
+          <p:cNvPicPr>
+            <a:picLocks noChangeAspect="1"/>
+          </p:cNvPicPr>
+          <p:nvPr/>
+        </p:nvPicPr>
+        <p:blipFill>
+          <a:blip r:embed="rId3"/>
+          <a:stretch>
+            <a:fillRect/>
+          </a:stretch>
+        </p:blipFill>
+        <p:spPr>
+          <a:xfrm>
+            <a:off x="1983097" y="1585175"/>
+            <a:ext cx="638490" cy="360000"/>
+          </a:xfrm>
+          <a:prstGeom prst="rect">
+            <a:avLst/>
+          </a:prstGeom>
+        </p:spPr>
+      </p:pic>
+      <p:pic>
+        <p:nvPicPr>
+          <p:cNvPr id="6" name="Grafik 5">
+            <a:extLst>
+              <a:ext uri="{FF2B5EF4-FFF2-40B4-BE49-F238E27FC236}">
+                <a16:creationId xmlns:a16="http://schemas.microsoft.com/office/drawing/2014/main" id="{EF61F3B8-4EA8-49BD-8FCF-442ECA6E5A13}"/>
+              </a:ext>
+            </a:extLst>
+          </p:cNvPr>
+          <p:cNvPicPr>
+            <a:picLocks noChangeAspect="1"/>
+          </p:cNvPicPr>
+          <p:nvPr/>
+        </p:nvPicPr>
+        <p:blipFill>
+          <a:blip r:embed="rId4"/>
+          <a:stretch>
+            <a:fillRect/>
+          </a:stretch>
+        </p:blipFill>
+        <p:spPr>
+          <a:xfrm>
+            <a:off x="1957906" y="2334231"/>
+            <a:ext cx="651691" cy="540000"/>
+          </a:xfrm>
+          <a:prstGeom prst="rect">
+            <a:avLst/>
+          </a:prstGeom>
+        </p:spPr>
+      </p:pic>
+      <p:pic>
+        <p:nvPicPr>
+          <p:cNvPr id="8" name="Grafik 7">
+            <a:extLst>
+              <a:ext uri="{FF2B5EF4-FFF2-40B4-BE49-F238E27FC236}">
+                <a16:creationId xmlns:a16="http://schemas.microsoft.com/office/drawing/2014/main" id="{9A0E6411-EBC4-4104-82C0-215D3F288AD0}"/>
+              </a:ext>
+            </a:extLst>
+          </p:cNvPr>
+          <p:cNvPicPr>
+            <a:picLocks noChangeAspect="1"/>
+          </p:cNvPicPr>
+          <p:nvPr/>
+        </p:nvPicPr>
+        <p:blipFill>
+          <a:blip r:embed="rId5"/>
+          <a:stretch>
+            <a:fillRect/>
+          </a:stretch>
+        </p:blipFill>
+        <p:spPr>
+          <a:xfrm>
+            <a:off x="1983097" y="3055886"/>
+            <a:ext cx="601307" cy="576000"/>
+          </a:xfrm>
+          <a:prstGeom prst="rect">
+            <a:avLst/>
+          </a:prstGeom>
+        </p:spPr>
+      </p:pic>
+      <p:pic>
+        <p:nvPicPr>
+          <p:cNvPr id="11" name="Grafik 10" descr="Ein Bild, das schwarz, Telefon enthält.&#10;&#10;Automatisch generierte Beschreibung">
+            <a:extLst>
+              <a:ext uri="{FF2B5EF4-FFF2-40B4-BE49-F238E27FC236}">
+                <a16:creationId xmlns:a16="http://schemas.microsoft.com/office/drawing/2014/main" id="{A2C02AB7-2BFF-4712-A688-670807072E56}"/>
+              </a:ext>
+            </a:extLst>
+          </p:cNvPr>
+          <p:cNvPicPr>
+            <a:picLocks noChangeAspect="1"/>
+          </p:cNvPicPr>
+          <p:nvPr/>
+        </p:nvPicPr>
+        <p:blipFill>
+          <a:blip r:embed="rId6"/>
+          <a:stretch>
+            <a:fillRect/>
+          </a:stretch>
+        </p:blipFill>
+        <p:spPr>
+          <a:xfrm>
+            <a:off x="1968812" y="5659541"/>
+            <a:ext cx="667059" cy="540000"/>
+          </a:xfrm>
+          <a:prstGeom prst="rect">
+            <a:avLst/>
+          </a:prstGeom>
+        </p:spPr>
+      </p:pic>
+      <p:pic>
+        <p:nvPicPr>
+          <p:cNvPr id="13" name="Grafik 12">
+            <a:extLst>
+              <a:ext uri="{FF2B5EF4-FFF2-40B4-BE49-F238E27FC236}">
+                <a16:creationId xmlns:a16="http://schemas.microsoft.com/office/drawing/2014/main" id="{64BB984B-E771-41C5-AD89-DCE228F3CB46}"/>
+              </a:ext>
+            </a:extLst>
+          </p:cNvPr>
+          <p:cNvPicPr>
+            <a:picLocks noChangeAspect="1"/>
+          </p:cNvPicPr>
+          <p:nvPr/>
+        </p:nvPicPr>
+        <p:blipFill>
+          <a:blip r:embed="rId7"/>
+          <a:stretch>
+            <a:fillRect/>
+          </a:stretch>
+        </p:blipFill>
+        <p:spPr>
+          <a:xfrm>
+            <a:off x="1992439" y="4879220"/>
+            <a:ext cx="585267" cy="536494"/>
+          </a:xfrm>
+          <a:prstGeom prst="rect">
+            <a:avLst/>
+          </a:prstGeom>
+        </p:spPr>
+      </p:pic>
+      <p:pic>
+        <p:nvPicPr>
+          <p:cNvPr id="15" name="Grafik 14" descr="Ein Bild, das schwarz, Foto, weiß, sitzend enthält.&#10;&#10;Automatisch generierte Beschreibung">
+            <a:extLst>
+              <a:ext uri="{FF2B5EF4-FFF2-40B4-BE49-F238E27FC236}">
+                <a16:creationId xmlns:a16="http://schemas.microsoft.com/office/drawing/2014/main" id="{F387815E-8B07-448C-9C2E-9C8B6C3A215E}"/>
+              </a:ext>
+            </a:extLst>
+          </p:cNvPr>
+          <p:cNvPicPr>
+            <a:picLocks noChangeAspect="1"/>
+          </p:cNvPicPr>
+          <p:nvPr/>
+        </p:nvPicPr>
+        <p:blipFill>
+          <a:blip r:embed="rId8"/>
+          <a:stretch>
+            <a:fillRect/>
+          </a:stretch>
+        </p:blipFill>
+        <p:spPr>
+          <a:xfrm>
+            <a:off x="2021932" y="4020074"/>
+            <a:ext cx="523636" cy="540000"/>
+          </a:xfrm>
+          <a:prstGeom prst="rect">
+            <a:avLst/>
+          </a:prstGeom>
+        </p:spPr>
+      </p:pic>
+    </p:spTree>
+    <p:extLst>
+      <p:ext uri="{BB962C8B-B14F-4D97-AF65-F5344CB8AC3E}">
+        <p14:creationId xmlns:p14="http://schemas.microsoft.com/office/powerpoint/2010/main" val="2160748224"/>
+      </p:ext>
+    </p:extLst>
+  </p:cSld>
+  <p:clrMapOvr>
+    <a:masterClrMapping/>
+  </p:clrMapOvr>
+</p:sld>
+</file>
+
+<file path=ppt/slides/slide4.xml><?xml version="1.0" encoding="utf-8"?>
+<p:sld xmlns:a="http://schemas.openxmlformats.org/drawingml/2006/main" xmlns:r="http://schemas.openxmlformats.org/officeDocument/2006/relationships" xmlns:p="http://schemas.openxmlformats.org/presentationml/2006/main" show="0">
   <p:cSld>
     <p:spTree>
       <p:nvGrpSpPr>
@@ -4225,856 +7484,6 @@
 </p:sld>
 </file>
 
-<file path=ppt/slides/slide3.xml><?xml version="1.0" encoding="utf-8"?>
-<p:sld xmlns:a="http://schemas.openxmlformats.org/drawingml/2006/main" xmlns:r="http://schemas.openxmlformats.org/officeDocument/2006/relationships" xmlns:p="http://schemas.openxmlformats.org/presentationml/2006/main">
-  <p:cSld>
-    <p:spTree>
-      <p:nvGrpSpPr>
-        <p:cNvPr id="1" name=""/>
-        <p:cNvGrpSpPr/>
-        <p:nvPr/>
-      </p:nvGrpSpPr>
-      <p:grpSpPr>
-        <a:xfrm>
-          <a:off x="0" y="0"/>
-          <a:ext cx="0" cy="0"/>
-          <a:chOff x="0" y="0"/>
-          <a:chExt cx="0" cy="0"/>
-        </a:xfrm>
-      </p:grpSpPr>
-      <p:sp>
-        <p:nvSpPr>
-          <p:cNvPr id="2" name="Titel 1">
-            <a:extLst>
-              <a:ext uri="{FF2B5EF4-FFF2-40B4-BE49-F238E27FC236}">
-                <a16:creationId xmlns:a16="http://schemas.microsoft.com/office/drawing/2014/main" id="{80D07F2C-64C5-4A46-9F91-81C3094052AA}"/>
-              </a:ext>
-            </a:extLst>
-          </p:cNvPr>
-          <p:cNvSpPr>
-            <a:spLocks noGrp="1"/>
-          </p:cNvSpPr>
-          <p:nvPr>
-            <p:ph type="title"/>
-          </p:nvPr>
-        </p:nvSpPr>
-        <p:spPr>
-          <a:xfrm>
-            <a:off x="360000" y="360000"/>
-            <a:ext cx="7742267" cy="549271"/>
-          </a:xfrm>
-        </p:spPr>
-        <p:txBody>
-          <a:bodyPr/>
-          <a:lstStyle/>
-          <a:p>
-            <a:r>
-              <a:rPr lang="de-DE" b="1" dirty="0"/>
-              <a:t>Funktionalitäten der Komponenten</a:t>
-            </a:r>
-          </a:p>
-        </p:txBody>
-      </p:sp>
-      <p:graphicFrame>
-        <p:nvGraphicFramePr>
-          <p:cNvPr id="5" name="Tabelle 3">
-            <a:extLst>
-              <a:ext uri="{FF2B5EF4-FFF2-40B4-BE49-F238E27FC236}">
-                <a16:creationId xmlns:a16="http://schemas.microsoft.com/office/drawing/2014/main" id="{84B86826-D170-4BEC-A54A-200A262ADB5C}"/>
-              </a:ext>
-            </a:extLst>
-          </p:cNvPr>
-          <p:cNvGraphicFramePr>
-            <a:graphicFrameLocks noGrp="1"/>
-          </p:cNvGraphicFramePr>
-          <p:nvPr>
-            <p:extLst>
-              <p:ext uri="{D42A27DB-BD31-4B8C-83A1-F6EECF244321}">
-                <p14:modId xmlns:p14="http://schemas.microsoft.com/office/powerpoint/2010/main" val="816483533"/>
-              </p:ext>
-            </p:extLst>
-          </p:nvPr>
-        </p:nvGraphicFramePr>
-        <p:xfrm>
-          <a:off x="720000" y="899266"/>
-          <a:ext cx="8014817" cy="4523318"/>
-        </p:xfrm>
-        <a:graphic>
-          <a:graphicData uri="http://schemas.openxmlformats.org/drawingml/2006/table">
-            <a:tbl>
-              <a:tblPr firstRow="1" bandRow="1">
-                <a:tableStyleId>{5C22544A-7EE6-4342-B048-85BDC9FD1C3A}</a:tableStyleId>
-              </a:tblPr>
-              <a:tblGrid>
-                <a:gridCol w="2107374">
-                  <a:extLst>
-                    <a:ext uri="{9D8B030D-6E8A-4147-A177-3AD203B41FA5}">
-                      <a16:colId xmlns:a16="http://schemas.microsoft.com/office/drawing/2014/main" val="1354563449"/>
-                    </a:ext>
-                  </a:extLst>
-                </a:gridCol>
-                <a:gridCol w="3495236">
-                  <a:extLst>
-                    <a:ext uri="{9D8B030D-6E8A-4147-A177-3AD203B41FA5}">
-                      <a16:colId xmlns:a16="http://schemas.microsoft.com/office/drawing/2014/main" val="2200538700"/>
-                    </a:ext>
-                  </a:extLst>
-                </a:gridCol>
-                <a:gridCol w="2412207">
-                  <a:extLst>
-                    <a:ext uri="{9D8B030D-6E8A-4147-A177-3AD203B41FA5}">
-                      <a16:colId xmlns:a16="http://schemas.microsoft.com/office/drawing/2014/main" val="362572319"/>
-                    </a:ext>
-                  </a:extLst>
-                </a:gridCol>
-              </a:tblGrid>
-              <a:tr h="367921">
-                <a:tc>
-                  <a:txBody>
-                    <a:bodyPr/>
-                    <a:lstStyle/>
-                    <a:p>
-                      <a:pPr marL="0" algn="l" defTabSz="914400" rtl="0" eaLnBrk="1" latinLnBrk="0" hangingPunct="1"/>
-                      <a:endParaRPr lang="de-DE" sz="1600" b="1" kern="1200" dirty="0">
-                        <a:solidFill>
-                          <a:schemeClr val="bg1"/>
-                        </a:solidFill>
-                        <a:latin typeface="+mn-lt"/>
-                        <a:ea typeface="+mn-ea"/>
-                        <a:cs typeface="+mn-cs"/>
-                      </a:endParaRPr>
-                    </a:p>
-                  </a:txBody>
-                  <a:tcPr anchor="ctr"/>
-                </a:tc>
-                <a:tc>
-                  <a:txBody>
-                    <a:bodyPr/>
-                    <a:lstStyle/>
-                    <a:p>
-                      <a:r>
-                        <a:rPr lang="de-DE" sz="1600" b="1" dirty="0">
-                          <a:solidFill>
-                            <a:schemeClr val="bg1"/>
-                          </a:solidFill>
-                        </a:rPr>
-                        <a:t>Funktionalität</a:t>
-                      </a:r>
-                    </a:p>
-                  </a:txBody>
-                  <a:tcPr anchor="ctr"/>
-                </a:tc>
-                <a:tc>
-                  <a:txBody>
-                    <a:bodyPr/>
-                    <a:lstStyle/>
-                    <a:p>
-                      <a:r>
-                        <a:rPr lang="de-DE" sz="1600" b="1" dirty="0">
-                          <a:solidFill>
-                            <a:schemeClr val="bg1"/>
-                          </a:solidFill>
-                        </a:rPr>
-                        <a:t>Voraussetzungen</a:t>
-                      </a:r>
-                    </a:p>
-                  </a:txBody>
-                  <a:tcPr anchor="ctr"/>
-                </a:tc>
-                <a:extLst>
-                  <a:ext uri="{0D108BD9-81ED-4DB2-BD59-A6C34878D82A}">
-                    <a16:rowId xmlns:a16="http://schemas.microsoft.com/office/drawing/2014/main" val="1695366984"/>
-                  </a:ext>
-                </a:extLst>
-              </a:tr>
-              <a:tr h="0">
-                <a:tc>
-                  <a:txBody>
-                    <a:bodyPr/>
-                    <a:lstStyle/>
-                    <a:p>
-                      <a:pPr marL="0" algn="l" defTabSz="914400" rtl="0" eaLnBrk="1" latinLnBrk="0" hangingPunct="1"/>
-                      <a:r>
-                        <a:rPr lang="de-DE" sz="1600" b="1" kern="1200" dirty="0">
-                          <a:solidFill>
-                            <a:schemeClr val="bg1"/>
-                          </a:solidFill>
-                          <a:latin typeface="+mn-lt"/>
-                          <a:ea typeface="+mn-ea"/>
-                          <a:cs typeface="+mn-cs"/>
-                        </a:rPr>
-                        <a:t>Spannungsquelle</a:t>
-                      </a:r>
-                    </a:p>
-                  </a:txBody>
-                  <a:tcPr>
-                    <a:solidFill>
-                      <a:srgbClr val="5B9BD5"/>
-                    </a:solidFill>
-                  </a:tcPr>
-                </a:tc>
-                <a:tc>
-                  <a:txBody>
-                    <a:bodyPr/>
-                    <a:lstStyle/>
-                    <a:p>
-                      <a:r>
-                        <a:rPr lang="de-DE" sz="1200" b="1" dirty="0">
-                          <a:solidFill>
-                            <a:srgbClr val="000000"/>
-                          </a:solidFill>
-                        </a:rPr>
-                        <a:t>Drehrichtung</a:t>
-                      </a:r>
-                    </a:p>
-                    <a:p>
-                      <a:pPr marL="171450" indent="-171450">
-                        <a:buFont typeface="Arial" panose="020B0604020202020204" pitchFamily="34" charset="0"/>
-                        <a:buChar char="•"/>
-                      </a:pPr>
-                      <a:r>
-                        <a:rPr lang="de-DE" sz="1200" dirty="0">
-                          <a:solidFill>
-                            <a:srgbClr val="000000"/>
-                          </a:solidFill>
-                        </a:rPr>
-                        <a:t>Positive Richtung (True) </a:t>
-                      </a:r>
-                      <a:r>
-                        <a:rPr lang="de-DE" sz="1200" dirty="0">
-                          <a:solidFill>
-                            <a:srgbClr val="000000"/>
-                          </a:solidFill>
-                          <a:sym typeface="Wingdings" panose="05000000000000000000" pitchFamily="2" charset="2"/>
-                        </a:rPr>
-                        <a:t> Masse wird angehoben</a:t>
-                      </a:r>
-                    </a:p>
-                    <a:p>
-                      <a:pPr marL="171450" indent="-171450">
-                        <a:buFont typeface="Arial" panose="020B0604020202020204" pitchFamily="34" charset="0"/>
-                        <a:buChar char="•"/>
-                      </a:pPr>
-                      <a:r>
-                        <a:rPr lang="de-DE" sz="1200" dirty="0">
-                          <a:solidFill>
-                            <a:srgbClr val="000000"/>
-                          </a:solidFill>
-                          <a:sym typeface="Wingdings" panose="05000000000000000000" pitchFamily="2" charset="2"/>
-                        </a:rPr>
-                        <a:t>Negative Richtung (</a:t>
-                      </a:r>
-                      <a:r>
-                        <a:rPr lang="en-US" sz="1200" dirty="0">
-                          <a:solidFill>
-                            <a:srgbClr val="000000"/>
-                          </a:solidFill>
-                          <a:sym typeface="Wingdings" panose="05000000000000000000" pitchFamily="2" charset="2"/>
-                        </a:rPr>
-                        <a:t>False</a:t>
-                      </a:r>
-                      <a:r>
-                        <a:rPr lang="de-DE" sz="1200" dirty="0">
-                          <a:solidFill>
-                            <a:srgbClr val="000000"/>
-                          </a:solidFill>
-                          <a:sym typeface="Wingdings" panose="05000000000000000000" pitchFamily="2" charset="2"/>
-                        </a:rPr>
-                        <a:t>)  Masse wird gesenkt</a:t>
-                      </a:r>
-                      <a:endParaRPr lang="de-DE" sz="1200" dirty="0">
-                        <a:solidFill>
-                          <a:srgbClr val="000000"/>
-                        </a:solidFill>
-                      </a:endParaRPr>
-                    </a:p>
-                  </a:txBody>
-                  <a:tcPr>
-                    <a:solidFill>
-                      <a:srgbClr val="EAEFF7"/>
-                    </a:solidFill>
-                  </a:tcPr>
-                </a:tc>
-                <a:tc>
-                  <a:txBody>
-                    <a:bodyPr/>
-                    <a:lstStyle/>
-                    <a:p>
-                      <a:pPr marL="171450" marR="0" lvl="0" indent="-171450" algn="l" defTabSz="914400" rtl="0" eaLnBrk="1" fontAlgn="auto" latinLnBrk="0" hangingPunct="1">
-                        <a:lnSpc>
-                          <a:spcPct val="100000"/>
-                        </a:lnSpc>
-                        <a:spcBef>
-                          <a:spcPts val="0"/>
-                        </a:spcBef>
-                        <a:spcAft>
-                          <a:spcPts val="0"/>
-                        </a:spcAft>
-                        <a:buClrTx/>
-                        <a:buSzTx/>
-                        <a:buFont typeface="Arial" panose="020B0604020202020204" pitchFamily="34" charset="0"/>
-                        <a:buChar char="•"/>
-                        <a:tabLst/>
-                        <a:defRPr/>
-                      </a:pPr>
-                      <a:r>
-                        <a:rPr lang="de-DE" sz="1200" kern="1200" dirty="0">
-                          <a:solidFill>
-                            <a:srgbClr val="000000"/>
-                          </a:solidFill>
-                          <a:latin typeface="+mn-lt"/>
-                          <a:ea typeface="+mn-ea"/>
-                          <a:cs typeface="+mn-cs"/>
-                        </a:rPr>
-                        <a:t>Spannungs-Parameter darf nur positiv sein</a:t>
-                      </a:r>
-                    </a:p>
-                    <a:p>
-                      <a:endParaRPr lang="de-DE" dirty="0"/>
-                    </a:p>
-                  </a:txBody>
-                  <a:tcPr>
-                    <a:solidFill>
-                      <a:srgbClr val="EAEFF7"/>
-                    </a:solidFill>
-                  </a:tcPr>
-                </a:tc>
-                <a:extLst>
-                  <a:ext uri="{0D108BD9-81ED-4DB2-BD59-A6C34878D82A}">
-                    <a16:rowId xmlns:a16="http://schemas.microsoft.com/office/drawing/2014/main" val="3717759356"/>
-                  </a:ext>
-                </a:extLst>
-              </a:tr>
-              <a:tr h="497797">
-                <a:tc>
-                  <a:txBody>
-                    <a:bodyPr/>
-                    <a:lstStyle/>
-                    <a:p>
-                      <a:pPr marL="0" algn="l" defTabSz="914400" rtl="0" eaLnBrk="1" latinLnBrk="0" hangingPunct="1"/>
-                      <a:r>
-                        <a:rPr lang="de-DE" sz="1600" b="1" kern="1200" dirty="0">
-                          <a:solidFill>
-                            <a:schemeClr val="bg1"/>
-                          </a:solidFill>
-                          <a:latin typeface="+mn-lt"/>
-                          <a:ea typeface="+mn-ea"/>
-                          <a:cs typeface="+mn-cs"/>
-                        </a:rPr>
-                        <a:t>Einphasen-GM</a:t>
-                      </a:r>
-                    </a:p>
-                  </a:txBody>
-                  <a:tcPr>
-                    <a:solidFill>
-                      <a:srgbClr val="5B9BD5"/>
-                    </a:solidFill>
-                  </a:tcPr>
-                </a:tc>
-                <a:tc>
-                  <a:txBody>
-                    <a:bodyPr/>
-                    <a:lstStyle/>
-                    <a:p>
-                      <a:pPr marL="0" indent="0">
-                        <a:buFont typeface="Arial" panose="020B0604020202020204" pitchFamily="34" charset="0"/>
-                        <a:buNone/>
-                      </a:pPr>
-                      <a:r>
-                        <a:rPr lang="de-DE" sz="1200" b="1" dirty="0">
-                          <a:solidFill>
-                            <a:srgbClr val="000000"/>
-                          </a:solidFill>
-                        </a:rPr>
-                        <a:t>Betriebsmodus:</a:t>
-                      </a:r>
-                    </a:p>
-                    <a:p>
-                      <a:pPr marL="171450" indent="-171450">
-                        <a:buFont typeface="Arial" panose="020B0604020202020204" pitchFamily="34" charset="0"/>
-                        <a:buChar char="•"/>
-                      </a:pPr>
-                      <a:r>
-                        <a:rPr lang="de-DE" sz="1200" dirty="0">
-                          <a:solidFill>
-                            <a:srgbClr val="000000"/>
-                          </a:solidFill>
-                        </a:rPr>
-                        <a:t>An (True): Seile und Masse am Flaschenzug bewegen sich</a:t>
-                      </a:r>
-                    </a:p>
-                    <a:p>
-                      <a:pPr marL="171450" indent="-171450">
-                        <a:buFont typeface="Arial" panose="020B0604020202020204" pitchFamily="34" charset="0"/>
-                        <a:buChar char="•"/>
-                      </a:pPr>
-                      <a:r>
-                        <a:rPr lang="de-DE" sz="1200" dirty="0">
-                          <a:solidFill>
-                            <a:srgbClr val="000000"/>
-                          </a:solidFill>
-                        </a:rPr>
-                        <a:t>Aus (</a:t>
-                      </a:r>
-                      <a:r>
-                        <a:rPr lang="en-US" sz="1200" noProof="0" dirty="0">
-                          <a:solidFill>
-                            <a:srgbClr val="000000"/>
-                          </a:solidFill>
-                        </a:rPr>
-                        <a:t>False</a:t>
-                      </a:r>
-                      <a:r>
-                        <a:rPr lang="de-DE" sz="1200" dirty="0">
-                          <a:solidFill>
-                            <a:srgbClr val="000000"/>
-                          </a:solidFill>
-                        </a:rPr>
-                        <a:t>): Stillstehender Flaschenzug</a:t>
-                      </a:r>
-                    </a:p>
-                  </a:txBody>
-                  <a:tcPr>
-                    <a:solidFill>
-                      <a:srgbClr val="EAEFF7"/>
-                    </a:solidFill>
-                  </a:tcPr>
-                </a:tc>
-                <a:tc>
-                  <a:txBody>
-                    <a:bodyPr/>
-                    <a:lstStyle/>
-                    <a:p>
-                      <a:pPr marL="171450" marR="0" lvl="0" indent="-171450" algn="l" defTabSz="914400" rtl="0" eaLnBrk="1" fontAlgn="auto" latinLnBrk="0" hangingPunct="1">
-                        <a:lnSpc>
-                          <a:spcPct val="100000"/>
-                        </a:lnSpc>
-                        <a:spcBef>
-                          <a:spcPts val="0"/>
-                        </a:spcBef>
-                        <a:spcAft>
-                          <a:spcPts val="0"/>
-                        </a:spcAft>
-                        <a:buClrTx/>
-                        <a:buSzTx/>
-                        <a:buFont typeface="Arial" panose="020B0604020202020204" pitchFamily="34" charset="0"/>
-                        <a:buChar char="•"/>
-                        <a:tabLst/>
-                        <a:defRPr/>
-                      </a:pPr>
-                      <a:r>
-                        <a:rPr lang="de-DE" sz="1200" dirty="0">
-                          <a:solidFill>
-                            <a:srgbClr val="000000"/>
-                          </a:solidFill>
-                        </a:rPr>
-                        <a:t>Definition notwendiger Variablen des Einphasen-GM </a:t>
-                      </a:r>
-                      <a:r>
-                        <a:rPr lang="de-DE" sz="1200" dirty="0" err="1">
-                          <a:solidFill>
-                            <a:srgbClr val="000000"/>
-                          </a:solidFill>
-                        </a:rPr>
-                        <a:t>z.B</a:t>
-                      </a:r>
-                      <a:r>
-                        <a:rPr lang="de-DE" sz="1200" dirty="0">
-                          <a:solidFill>
-                            <a:srgbClr val="000000"/>
-                          </a:solidFill>
-                        </a:rPr>
-                        <a:t>…</a:t>
-                      </a:r>
-                      <a:r>
-                        <a:rPr lang="de-DE" sz="1200" dirty="0">
-                          <a:solidFill>
-                            <a:srgbClr val="FF0000"/>
-                          </a:solidFill>
-                        </a:rPr>
-                        <a:t>Aufzählen der Variablen</a:t>
-                      </a:r>
-                    </a:p>
-                  </a:txBody>
-                  <a:tcPr>
-                    <a:solidFill>
-                      <a:srgbClr val="EAEFF7"/>
-                    </a:solidFill>
-                  </a:tcPr>
-                </a:tc>
-                <a:extLst>
-                  <a:ext uri="{0D108BD9-81ED-4DB2-BD59-A6C34878D82A}">
-                    <a16:rowId xmlns:a16="http://schemas.microsoft.com/office/drawing/2014/main" val="3026926022"/>
-                  </a:ext>
-                </a:extLst>
-              </a:tr>
-              <a:tr h="497797">
-                <a:tc>
-                  <a:txBody>
-                    <a:bodyPr/>
-                    <a:lstStyle/>
-                    <a:p>
-                      <a:pPr marL="0" algn="l" defTabSz="914400" rtl="0" eaLnBrk="1" latinLnBrk="0" hangingPunct="1"/>
-                      <a:r>
-                        <a:rPr lang="de-DE" sz="1600" b="1" kern="1200" dirty="0">
-                          <a:solidFill>
-                            <a:schemeClr val="bg1"/>
-                          </a:solidFill>
-                          <a:latin typeface="+mn-lt"/>
-                          <a:ea typeface="+mn-ea"/>
-                          <a:cs typeface="+mn-cs"/>
-                        </a:rPr>
-                        <a:t>Seilwinde</a:t>
-                      </a:r>
-                    </a:p>
-                  </a:txBody>
-                  <a:tcPr>
-                    <a:solidFill>
-                      <a:srgbClr val="5B9BD5"/>
-                    </a:solidFill>
-                  </a:tcPr>
-                </a:tc>
-                <a:tc>
-                  <a:txBody>
-                    <a:bodyPr/>
-                    <a:lstStyle/>
-                    <a:p>
-                      <a:pPr algn="ctr"/>
-                      <a:r>
-                        <a:rPr lang="de-DE" sz="1200" b="1" kern="1200" dirty="0">
-                          <a:solidFill>
-                            <a:srgbClr val="000000"/>
-                          </a:solidFill>
-                          <a:latin typeface="+mn-lt"/>
-                          <a:ea typeface="+mn-ea"/>
-                          <a:cs typeface="+mn-cs"/>
-                        </a:rPr>
-                        <a:t>- Keine Funktionalität-</a:t>
-                      </a:r>
-                    </a:p>
-                  </a:txBody>
-                  <a:tcPr>
-                    <a:solidFill>
-                      <a:srgbClr val="EAEFF7"/>
-                    </a:solidFill>
-                  </a:tcPr>
-                </a:tc>
-                <a:tc>
-                  <a:txBody>
-                    <a:bodyPr/>
-                    <a:lstStyle/>
-                    <a:p>
-                      <a:pPr marL="171450" marR="0" lvl="0" indent="-171450" algn="l" defTabSz="914400" rtl="0" eaLnBrk="1" fontAlgn="auto" latinLnBrk="0" hangingPunct="1">
-                        <a:lnSpc>
-                          <a:spcPct val="100000"/>
-                        </a:lnSpc>
-                        <a:spcBef>
-                          <a:spcPts val="0"/>
-                        </a:spcBef>
-                        <a:spcAft>
-                          <a:spcPts val="0"/>
-                        </a:spcAft>
-                        <a:buClrTx/>
-                        <a:buSzTx/>
-                        <a:buFont typeface="Arial" panose="020B0604020202020204" pitchFamily="34" charset="0"/>
-                        <a:buChar char="•"/>
-                        <a:tabLst/>
-                        <a:defRPr/>
-                      </a:pPr>
-                      <a:r>
-                        <a:rPr lang="de-DE" sz="1200" kern="1200" dirty="0">
-                          <a:solidFill>
-                            <a:srgbClr val="000000"/>
-                          </a:solidFill>
-                          <a:latin typeface="+mn-lt"/>
-                          <a:ea typeface="+mn-ea"/>
-                          <a:cs typeface="+mn-cs"/>
-                        </a:rPr>
-                        <a:t>Seilrollenradius beträgt standardgemäß 0,5m</a:t>
-                      </a:r>
-                    </a:p>
-                  </a:txBody>
-                  <a:tcPr>
-                    <a:solidFill>
-                      <a:srgbClr val="EAEFF7"/>
-                    </a:solidFill>
-                  </a:tcPr>
-                </a:tc>
-                <a:extLst>
-                  <a:ext uri="{0D108BD9-81ED-4DB2-BD59-A6C34878D82A}">
-                    <a16:rowId xmlns:a16="http://schemas.microsoft.com/office/drawing/2014/main" val="1839727103"/>
-                  </a:ext>
-                </a:extLst>
-              </a:tr>
-              <a:tr h="497797">
-                <a:tc>
-                  <a:txBody>
-                    <a:bodyPr/>
-                    <a:lstStyle/>
-                    <a:p>
-                      <a:pPr marL="0" algn="l" defTabSz="914400" rtl="0" eaLnBrk="1" latinLnBrk="0" hangingPunct="1"/>
-                      <a:r>
-                        <a:rPr lang="de-DE" sz="1600" b="1" kern="1200" dirty="0">
-                          <a:solidFill>
-                            <a:schemeClr val="bg1"/>
-                          </a:solidFill>
-                          <a:latin typeface="+mn-lt"/>
-                          <a:ea typeface="+mn-ea"/>
-                          <a:cs typeface="+mn-cs"/>
-                        </a:rPr>
-                        <a:t>Rollen</a:t>
-                      </a:r>
-                    </a:p>
-                  </a:txBody>
-                  <a:tcPr>
-                    <a:solidFill>
-                      <a:srgbClr val="5B9BD5"/>
-                    </a:solidFill>
-                  </a:tcPr>
-                </a:tc>
-                <a:tc>
-                  <a:txBody>
-                    <a:bodyPr/>
-                    <a:lstStyle/>
-                    <a:p>
-                      <a:pPr marL="0" indent="0">
-                        <a:buFont typeface="Arial" panose="020B0604020202020204" pitchFamily="34" charset="0"/>
-                        <a:buNone/>
-                      </a:pPr>
-                      <a:r>
-                        <a:rPr lang="de-DE" sz="1200" b="1" dirty="0">
-                          <a:solidFill>
-                            <a:srgbClr val="000000"/>
-                          </a:solidFill>
-                        </a:rPr>
-                        <a:t>Rollenanzahl</a:t>
-                      </a:r>
-                    </a:p>
-                    <a:p>
-                      <a:pPr marL="171450" indent="-171450">
-                        <a:buFont typeface="Arial" panose="020B0604020202020204" pitchFamily="34" charset="0"/>
-                        <a:buChar char="•"/>
-                      </a:pPr>
-                      <a:r>
-                        <a:rPr lang="de-DE" sz="1200" dirty="0">
-                          <a:solidFill>
-                            <a:srgbClr val="000000"/>
-                          </a:solidFill>
-                        </a:rPr>
-                        <a:t>Rollenanzahl im unteren Bereich des Flaschenzugs frei wählbar</a:t>
-                      </a:r>
-                    </a:p>
-                    <a:p>
-                      <a:pPr marL="171450" indent="-171450">
-                        <a:buFont typeface="Arial" panose="020B0604020202020204" pitchFamily="34" charset="0"/>
-                        <a:buChar char="•"/>
-                      </a:pPr>
-                      <a:r>
-                        <a:rPr lang="de-DE" sz="1200" dirty="0">
-                          <a:solidFill>
-                            <a:srgbClr val="000000"/>
-                          </a:solidFill>
-                        </a:rPr>
-                        <a:t>Rollenanzahl im oberen Bereich des Flaschenzugs frei wählbar</a:t>
-                      </a:r>
-                      <a:endParaRPr lang="de-DE" sz="600" dirty="0">
-                        <a:solidFill>
-                          <a:srgbClr val="000000"/>
-                        </a:solidFill>
-                      </a:endParaRPr>
-                    </a:p>
-                  </a:txBody>
-                  <a:tcPr>
-                    <a:solidFill>
-                      <a:srgbClr val="EAEFF7"/>
-                    </a:solidFill>
-                  </a:tcPr>
-                </a:tc>
-                <a:tc>
-                  <a:txBody>
-                    <a:bodyPr/>
-                    <a:lstStyle/>
-                    <a:p>
-                      <a:pPr marL="171450" indent="-171450">
-                        <a:buFont typeface="Arial" panose="020B0604020202020204" pitchFamily="34" charset="0"/>
-                        <a:buChar char="•"/>
-                      </a:pPr>
-                      <a:r>
-                        <a:rPr lang="de-DE" sz="1200" kern="1200" dirty="0">
-                          <a:solidFill>
-                            <a:srgbClr val="000000"/>
-                          </a:solidFill>
-                          <a:latin typeface="+mn-lt"/>
-                          <a:ea typeface="+mn-ea"/>
-                          <a:cs typeface="+mn-cs"/>
-                        </a:rPr>
-                        <a:t>Die Rollenanzahl muss null im unteren Bereich und eins im oberen Bereich </a:t>
-                      </a:r>
-                      <a:r>
-                        <a:rPr lang="de-DE" sz="1200" b="1" kern="1200" dirty="0">
-                          <a:solidFill>
-                            <a:srgbClr val="000000"/>
-                          </a:solidFill>
-                          <a:latin typeface="+mn-lt"/>
-                          <a:ea typeface="+mn-ea"/>
-                          <a:cs typeface="+mn-cs"/>
-                        </a:rPr>
-                        <a:t>oder</a:t>
-                      </a:r>
-                      <a:r>
-                        <a:rPr lang="de-DE" sz="1200" kern="1200" dirty="0">
-                          <a:solidFill>
-                            <a:srgbClr val="000000"/>
-                          </a:solidFill>
-                          <a:latin typeface="+mn-lt"/>
-                          <a:ea typeface="+mn-ea"/>
-                          <a:cs typeface="+mn-cs"/>
-                        </a:rPr>
-                        <a:t> eins im unteren Bereich und null im unteren Bereich. </a:t>
-                      </a:r>
-                      <a:r>
-                        <a:rPr lang="de-DE" sz="1200" kern="1200" dirty="0">
-                          <a:solidFill>
-                            <a:srgbClr val="FF0000"/>
-                          </a:solidFill>
-                          <a:latin typeface="+mn-lt"/>
-                          <a:ea typeface="+mn-ea"/>
-                          <a:cs typeface="+mn-cs"/>
-                        </a:rPr>
-                        <a:t>(Mit Gruppe abchecken)</a:t>
-                      </a:r>
-                    </a:p>
-                  </a:txBody>
-                  <a:tcPr>
-                    <a:solidFill>
-                      <a:srgbClr val="EAEFF7"/>
-                    </a:solidFill>
-                  </a:tcPr>
-                </a:tc>
-                <a:extLst>
-                  <a:ext uri="{0D108BD9-81ED-4DB2-BD59-A6C34878D82A}">
-                    <a16:rowId xmlns:a16="http://schemas.microsoft.com/office/drawing/2014/main" val="3258016539"/>
-                  </a:ext>
-                </a:extLst>
-              </a:tr>
-              <a:tr h="497797">
-                <a:tc>
-                  <a:txBody>
-                    <a:bodyPr/>
-                    <a:lstStyle/>
-                    <a:p>
-                      <a:pPr marL="0" algn="l" defTabSz="914400" rtl="0" eaLnBrk="1" latinLnBrk="0" hangingPunct="1"/>
-                      <a:r>
-                        <a:rPr lang="de-DE" sz="1600" b="1" kern="1200" dirty="0">
-                          <a:solidFill>
-                            <a:schemeClr val="bg1"/>
-                          </a:solidFill>
-                          <a:latin typeface="+mn-lt"/>
-                          <a:ea typeface="+mn-ea"/>
-                          <a:cs typeface="+mn-cs"/>
-                        </a:rPr>
-                        <a:t>Masse</a:t>
-                      </a:r>
-                    </a:p>
-                  </a:txBody>
-                  <a:tcPr>
-                    <a:solidFill>
-                      <a:srgbClr val="5B9BD5"/>
-                    </a:solidFill>
-                  </a:tcPr>
-                </a:tc>
-                <a:tc>
-                  <a:txBody>
-                    <a:bodyPr/>
-                    <a:lstStyle/>
-                    <a:p>
-                      <a:r>
-                        <a:rPr lang="de-DE" sz="1200" b="1" kern="1200" dirty="0">
-                          <a:solidFill>
-                            <a:srgbClr val="000000"/>
-                          </a:solidFill>
-                          <a:latin typeface="+mn-lt"/>
-                          <a:ea typeface="+mn-ea"/>
-                          <a:cs typeface="+mn-cs"/>
-                        </a:rPr>
-                        <a:t>Frei wählbare Masse</a:t>
-                      </a:r>
-                    </a:p>
-                  </a:txBody>
-                  <a:tcPr>
-                    <a:solidFill>
-                      <a:srgbClr val="EAEFF7"/>
-                    </a:solidFill>
-                  </a:tcPr>
-                </a:tc>
-                <a:tc>
-                  <a:txBody>
-                    <a:bodyPr/>
-                    <a:lstStyle/>
-                    <a:p>
-                      <a:pPr marL="171450" indent="-171450">
-                        <a:buFont typeface="Arial" panose="020B0604020202020204" pitchFamily="34" charset="0"/>
-                        <a:buChar char="•"/>
-                      </a:pPr>
-                      <a:r>
-                        <a:rPr lang="de-DE" sz="1200" kern="1200" dirty="0">
-                          <a:solidFill>
-                            <a:srgbClr val="000000"/>
-                          </a:solidFill>
-                          <a:latin typeface="+mn-lt"/>
-                          <a:ea typeface="+mn-ea"/>
-                          <a:cs typeface="+mn-cs"/>
-                        </a:rPr>
-                        <a:t>Nur pos. Werte zulässig</a:t>
-                      </a:r>
-                    </a:p>
-                    <a:p>
-                      <a:pPr marL="171450" indent="-171450">
-                        <a:buFont typeface="Arial" panose="020B0604020202020204" pitchFamily="34" charset="0"/>
-                        <a:buChar char="•"/>
-                      </a:pPr>
-                      <a:r>
-                        <a:rPr lang="de-DE" sz="1200" kern="1200" dirty="0">
-                          <a:solidFill>
-                            <a:srgbClr val="000000"/>
-                          </a:solidFill>
-                          <a:latin typeface="+mn-lt"/>
-                          <a:ea typeface="+mn-ea"/>
-                          <a:cs typeface="+mn-cs"/>
-                        </a:rPr>
-                        <a:t>Bei hohen Massen muss ggf. Rollenanzahl erhöht werden</a:t>
-                      </a:r>
-                    </a:p>
-                  </a:txBody>
-                  <a:tcPr>
-                    <a:solidFill>
-                      <a:srgbClr val="EAEFF7"/>
-                    </a:solidFill>
-                  </a:tcPr>
-                </a:tc>
-                <a:extLst>
-                  <a:ext uri="{0D108BD9-81ED-4DB2-BD59-A6C34878D82A}">
-                    <a16:rowId xmlns:a16="http://schemas.microsoft.com/office/drawing/2014/main" val="3487731437"/>
-                  </a:ext>
-                </a:extLst>
-              </a:tr>
-            </a:tbl>
-          </a:graphicData>
-        </a:graphic>
-      </p:graphicFrame>
-    </p:spTree>
-    <p:extLst>
-      <p:ext uri="{BB962C8B-B14F-4D97-AF65-F5344CB8AC3E}">
-        <p14:creationId xmlns:p14="http://schemas.microsoft.com/office/powerpoint/2010/main" val="2160748224"/>
-      </p:ext>
-    </p:extLst>
-  </p:cSld>
-  <p:clrMapOvr>
-    <a:masterClrMapping/>
-  </p:clrMapOvr>
-</p:sld>
-</file>
-
 <file path=ppt/theme/theme1.xml><?xml version="1.0" encoding="utf-8"?>
 <a:theme xmlns:a="http://schemas.openxmlformats.org/drawingml/2006/main" name="Inhalt">
   <a:themeElements>
